--- a/excel_barcharts.pptx
+++ b/excel_barcharts.pptx
@@ -10,25 +10,24 @@
     <p:sldMasterId id="2147483679" r:id="rId9"/>
   </p:sldMasterIdLst>
   <p:notesMasterIdLst>
-    <p:notesMasterId r:id="rId23"/>
+    <p:notesMasterId r:id="rId13"/>
   </p:notesMasterIdLst>
   <p:handoutMasterIdLst>
-    <p:handoutMasterId r:id="rId24"/>
+    <p:handoutMasterId r:id="rId14"/>
   </p:handoutMasterIdLst>
   <p:sldIdLst>
     <p:sldId id="826" r:id="rId10"/>
     <p:sldId id="827" r:id="rId11"/>
     <p:sldId id="828" r:id="rId12"/>
-    <p:sldId id="829" r:id="rId13"/>
-    <p:sldId id="830" r:id="rId14"/>
-    <p:sldId id="831" r:id="rId15"/>
-    <p:sldId id="832" r:id="rId16"/>
-    <p:sldId id="833" r:id="rId17"/>
-    <p:sldId id="834" r:id="rId18"/>
-    <p:sldId id="835" r:id="rId19"/>
-    <p:sldId id="836" r:id="rId20"/>
-    <p:sldId id="837" r:id="rId21"/>
-    <p:sldId id="838" r:id="rId22"/>
+    <p:sldId id="829" r:id="rId20"/>
+    <p:sldId id="830" r:id="rId21"/>
+    <p:sldId id="831" r:id="rId22"/>
+    <p:sldId id="832" r:id="rId23"/>
+    <p:sldId id="833" r:id="rId24"/>
+    <p:sldId id="834" r:id="rId25"/>
+    <p:sldId id="835" r:id="rId26"/>
+    <p:sldId id="836" r:id="rId27"/>
+    <p:sldId id="837" r:id="rId28"/>
   </p:sldIdLst>
   <p:sldSz cx="12192000" cy="6858000"/>
   <p:notesSz cx="6858000" cy="9144000"/>
@@ -139,16 +138,6 @@
           <p14:sldIdLst>
             <p14:sldId id="827"/>
             <p14:sldId id="828"/>
-            <p14:sldId id="829"/>
-            <p14:sldId id="830"/>
-            <p14:sldId id="831"/>
-            <p14:sldId id="832"/>
-            <p14:sldId id="833"/>
-            <p14:sldId id="834"/>
-            <p14:sldId id="835"/>
-            <p14:sldId id="836"/>
-            <p14:sldId id="837"/>
-            <p14:sldId id="838"/>
           </p14:sldIdLst>
         </p14:section>
       </p14:sectionLst>
@@ -174,14 +163,6 @@
 </p:presentation>
 </file>
 
-<file path=ppt/revisionInfo.xml><?xml version="1.0" encoding="utf-8"?>
-<p1510:revInfo xmlns:a="http://schemas.openxmlformats.org/drawingml/2006/main" xmlns:r="http://schemas.openxmlformats.org/officeDocument/2006/relationships" xmlns:p1510="http://schemas.microsoft.com/office/powerpoint/2015/10/main">
-  <p1510:revLst>
-    <p1510:client id="{F2D44014-EAC8-47E7-885F-B31E44CCE9F9}" v="12" dt="2025-09-22T05:45:12.393"/>
-  </p1510:revLst>
-</p1510:revInfo>
-</file>
-
 <file path=ppt/changesInfos/changesInfo1.xml><?xml version="1.0" encoding="utf-8"?>
 <pc:chgInfo xmlns:a="http://schemas.openxmlformats.org/drawingml/2006/main" xmlns:r="http://schemas.openxmlformats.org/officeDocument/2006/relationships" xmlns:ac="http://schemas.microsoft.com/office/drawing/2013/main/command" xmlns:pc="http://schemas.microsoft.com/office/powerpoint/2013/main/command">
   <pc:docChgLst>
@@ -197,38 +178,6 @@
           <pc:docMk/>
           <pc:sldMk cId="1440008154" sldId="826"/>
         </pc:sldMkLst>
-        <pc:spChg chg="mod">
-          <ac:chgData name="Meeaad Bharoochi" userId="5d99a4c0-c526-42b4-bcc3-23f4db4607c4" providerId="ADAL" clId="{6DBACCA1-C247-4000-9758-17DA284A9E12}" dt="2025-09-02T08:14:14.338" v="37"/>
-          <ac:spMkLst>
-            <pc:docMk/>
-            <pc:sldMk cId="1440008154" sldId="826"/>
-            <ac:spMk id="2" creationId="{153558F0-C0DF-4217-B081-446E09897AC7}"/>
-          </ac:spMkLst>
-        </pc:spChg>
-        <pc:spChg chg="mod">
-          <ac:chgData name="Meeaad Bharoochi" userId="5d99a4c0-c526-42b4-bcc3-23f4db4607c4" providerId="ADAL" clId="{6DBACCA1-C247-4000-9758-17DA284A9E12}" dt="2025-09-02T08:14:14.338" v="37"/>
-          <ac:spMkLst>
-            <pc:docMk/>
-            <pc:sldMk cId="1440008154" sldId="826"/>
-            <ac:spMk id="3" creationId="{78EAEE1B-A8BB-4CEC-8872-3726273589B5}"/>
-          </ac:spMkLst>
-        </pc:spChg>
-        <pc:spChg chg="mod">
-          <ac:chgData name="Meeaad Bharoochi" userId="5d99a4c0-c526-42b4-bcc3-23f4db4607c4" providerId="ADAL" clId="{6DBACCA1-C247-4000-9758-17DA284A9E12}" dt="2025-09-02T08:14:14.338" v="37"/>
-          <ac:spMkLst>
-            <pc:docMk/>
-            <pc:sldMk cId="1440008154" sldId="826"/>
-            <ac:spMk id="4" creationId="{3550AFD3-7AFD-4981-A237-305F41DA94A5}"/>
-          </ac:spMkLst>
-        </pc:spChg>
-        <pc:spChg chg="mod">
-          <ac:chgData name="Meeaad Bharoochi" userId="5d99a4c0-c526-42b4-bcc3-23f4db4607c4" providerId="ADAL" clId="{6DBACCA1-C247-4000-9758-17DA284A9E12}" dt="2025-09-02T08:14:14.338" v="37"/>
-          <ac:spMkLst>
-            <pc:docMk/>
-            <pc:sldMk cId="1440008154" sldId="826"/>
-            <ac:spMk id="5" creationId="{51EED8BB-A849-4C03-8D9C-A0598992E17A}"/>
-          </ac:spMkLst>
-        </pc:spChg>
       </pc:sldChg>
       <pc:sldChg chg="addSp delSp modSp mod chgLayout">
         <pc:chgData name="Meeaad Bharoochi" userId="5d99a4c0-c526-42b4-bcc3-23f4db4607c4" providerId="ADAL" clId="{6DBACCA1-C247-4000-9758-17DA284A9E12}" dt="2025-09-02T08:13:20.178" v="36" actId="6264"/>
@@ -236,38 +185,6 @@
           <pc:docMk/>
           <pc:sldMk cId="2493766527" sldId="828"/>
         </pc:sldMkLst>
-        <pc:spChg chg="add mod ord">
-          <ac:chgData name="Meeaad Bharoochi" userId="5d99a4c0-c526-42b4-bcc3-23f4db4607c4" providerId="ADAL" clId="{6DBACCA1-C247-4000-9758-17DA284A9E12}" dt="2025-09-02T08:13:20.178" v="36" actId="6264"/>
-          <ac:spMkLst>
-            <pc:docMk/>
-            <pc:sldMk cId="2493766527" sldId="828"/>
-            <ac:spMk id="3" creationId="{33D879DA-58AF-4B5C-2831-1B98963383B8}"/>
-          </ac:spMkLst>
-        </pc:spChg>
-        <pc:spChg chg="mod ord">
-          <ac:chgData name="Meeaad Bharoochi" userId="5d99a4c0-c526-42b4-bcc3-23f4db4607c4" providerId="ADAL" clId="{6DBACCA1-C247-4000-9758-17DA284A9E12}" dt="2025-09-02T08:13:20.178" v="36" actId="6264"/>
-          <ac:spMkLst>
-            <pc:docMk/>
-            <pc:sldMk cId="2493766527" sldId="828"/>
-            <ac:spMk id="4" creationId="{2437BFE9-872B-4EB1-BC31-33A59CB79AD0}"/>
-          </ac:spMkLst>
-        </pc:spChg>
-        <pc:spChg chg="add mod ord">
-          <ac:chgData name="Meeaad Bharoochi" userId="5d99a4c0-c526-42b4-bcc3-23f4db4607c4" providerId="ADAL" clId="{6DBACCA1-C247-4000-9758-17DA284A9E12}" dt="2025-09-02T08:13:20.178" v="36" actId="6264"/>
-          <ac:spMkLst>
-            <pc:docMk/>
-            <pc:sldMk cId="2493766527" sldId="828"/>
-            <ac:spMk id="5" creationId="{C1CD49FB-F108-D29F-B8E9-3FB8B2BBCEF0}"/>
-          </ac:spMkLst>
-        </pc:spChg>
-        <pc:spChg chg="add mod ord">
-          <ac:chgData name="Meeaad Bharoochi" userId="5d99a4c0-c526-42b4-bcc3-23f4db4607c4" providerId="ADAL" clId="{6DBACCA1-C247-4000-9758-17DA284A9E12}" dt="2025-09-02T08:13:20.178" v="36" actId="6264"/>
-          <ac:spMkLst>
-            <pc:docMk/>
-            <pc:sldMk cId="2493766527" sldId="828"/>
-            <ac:spMk id="6" creationId="{0986A7B9-A97F-5664-416C-DE98ACEDB9AF}"/>
-          </ac:spMkLst>
-        </pc:spChg>
       </pc:sldChg>
       <pc:sldChg chg="del">
         <pc:chgData name="Meeaad Bharoochi" userId="5d99a4c0-c526-42b4-bcc3-23f4db4607c4" providerId="ADAL" clId="{6DBACCA1-C247-4000-9758-17DA284A9E12}" dt="2025-09-01T13:08:38.068" v="0" actId="47"/>
@@ -310,42 +227,6 @@
             <pc:sldMasterMk cId="408645214" sldId="2147483692"/>
             <pc:sldLayoutMk cId="1775546100" sldId="2147483694"/>
           </pc:sldLayoutMkLst>
-          <pc:spChg chg="mod">
-            <ac:chgData name="Meeaad Bharoochi" userId="5d99a4c0-c526-42b4-bcc3-23f4db4607c4" providerId="ADAL" clId="{6DBACCA1-C247-4000-9758-17DA284A9E12}" dt="2025-09-02T08:08:14.623" v="24" actId="20578"/>
-            <ac:spMkLst>
-              <pc:docMk/>
-              <pc:sldMasterMk cId="408645214" sldId="2147483692"/>
-              <pc:sldLayoutMk cId="1775546100" sldId="2147483694"/>
-              <ac:spMk id="2" creationId="{269CF024-CE78-C044-AC1C-749F5A01162F}"/>
-            </ac:spMkLst>
-          </pc:spChg>
-          <pc:spChg chg="mod">
-            <ac:chgData name="Meeaad Bharoochi" userId="5d99a4c0-c526-42b4-bcc3-23f4db4607c4" providerId="ADAL" clId="{6DBACCA1-C247-4000-9758-17DA284A9E12}" dt="2025-09-02T08:08:14.623" v="24" actId="20578"/>
-            <ac:spMkLst>
-              <pc:docMk/>
-              <pc:sldMasterMk cId="408645214" sldId="2147483692"/>
-              <pc:sldLayoutMk cId="1775546100" sldId="2147483694"/>
-              <ac:spMk id="3" creationId="{00E98E0F-C5DC-7746-96E8-3365A74A0FB3}"/>
-            </ac:spMkLst>
-          </pc:spChg>
-          <pc:spChg chg="mod">
-            <ac:chgData name="Meeaad Bharoochi" userId="5d99a4c0-c526-42b4-bcc3-23f4db4607c4" providerId="ADAL" clId="{6DBACCA1-C247-4000-9758-17DA284A9E12}" dt="2025-09-02T08:08:14.623" v="24" actId="20578"/>
-            <ac:spMkLst>
-              <pc:docMk/>
-              <pc:sldMasterMk cId="408645214" sldId="2147483692"/>
-              <pc:sldLayoutMk cId="1775546100" sldId="2147483694"/>
-              <ac:spMk id="8" creationId="{4892DD46-7CCA-E64B-85FF-CBF1C3886095}"/>
-            </ac:spMkLst>
-          </pc:spChg>
-          <pc:spChg chg="mod">
-            <ac:chgData name="Meeaad Bharoochi" userId="5d99a4c0-c526-42b4-bcc3-23f4db4607c4" providerId="ADAL" clId="{6DBACCA1-C247-4000-9758-17DA284A9E12}" dt="2025-09-02T08:08:14.623" v="24" actId="20578"/>
-            <ac:spMkLst>
-              <pc:docMk/>
-              <pc:sldMasterMk cId="408645214" sldId="2147483692"/>
-              <pc:sldLayoutMk cId="1775546100" sldId="2147483694"/>
-              <ac:spMk id="14" creationId="{3C72FCD4-32B2-F144-B95B-61FA8242A671}"/>
-            </ac:spMkLst>
-          </pc:spChg>
         </pc:sldLayoutChg>
         <pc:sldLayoutChg chg="modSp mod ord">
           <pc:chgData name="Meeaad Bharoochi" userId="5d99a4c0-c526-42b4-bcc3-23f4db4607c4" providerId="ADAL" clId="{6DBACCA1-C247-4000-9758-17DA284A9E12}" dt="2025-09-02T08:08:36.800" v="29" actId="20578"/>
@@ -354,42 +235,6 @@
             <pc:sldMasterMk cId="408645214" sldId="2147483692"/>
             <pc:sldLayoutMk cId="1806444034" sldId="2147483780"/>
           </pc:sldLayoutMkLst>
-          <pc:spChg chg="mod">
-            <ac:chgData name="Meeaad Bharoochi" userId="5d99a4c0-c526-42b4-bcc3-23f4db4607c4" providerId="ADAL" clId="{6DBACCA1-C247-4000-9758-17DA284A9E12}" dt="2025-09-02T08:08:36.800" v="29" actId="20578"/>
-            <ac:spMkLst>
-              <pc:docMk/>
-              <pc:sldMasterMk cId="408645214" sldId="2147483692"/>
-              <pc:sldLayoutMk cId="1806444034" sldId="2147483780"/>
-              <ac:spMk id="2" creationId="{269CF024-CE78-C044-AC1C-749F5A01162F}"/>
-            </ac:spMkLst>
-          </pc:spChg>
-          <pc:spChg chg="mod">
-            <ac:chgData name="Meeaad Bharoochi" userId="5d99a4c0-c526-42b4-bcc3-23f4db4607c4" providerId="ADAL" clId="{6DBACCA1-C247-4000-9758-17DA284A9E12}" dt="2025-09-02T08:08:36.800" v="29" actId="20578"/>
-            <ac:spMkLst>
-              <pc:docMk/>
-              <pc:sldMasterMk cId="408645214" sldId="2147483692"/>
-              <pc:sldLayoutMk cId="1806444034" sldId="2147483780"/>
-              <ac:spMk id="3" creationId="{00E98E0F-C5DC-7746-96E8-3365A74A0FB3}"/>
-            </ac:spMkLst>
-          </pc:spChg>
-          <pc:spChg chg="mod">
-            <ac:chgData name="Meeaad Bharoochi" userId="5d99a4c0-c526-42b4-bcc3-23f4db4607c4" providerId="ADAL" clId="{6DBACCA1-C247-4000-9758-17DA284A9E12}" dt="2025-09-02T08:08:36.800" v="29" actId="20578"/>
-            <ac:spMkLst>
-              <pc:docMk/>
-              <pc:sldMasterMk cId="408645214" sldId="2147483692"/>
-              <pc:sldLayoutMk cId="1806444034" sldId="2147483780"/>
-              <ac:spMk id="8" creationId="{4892DD46-7CCA-E64B-85FF-CBF1C3886095}"/>
-            </ac:spMkLst>
-          </pc:spChg>
-          <pc:spChg chg="mod">
-            <ac:chgData name="Meeaad Bharoochi" userId="5d99a4c0-c526-42b4-bcc3-23f4db4607c4" providerId="ADAL" clId="{6DBACCA1-C247-4000-9758-17DA284A9E12}" dt="2025-09-02T08:08:36.800" v="29" actId="20578"/>
-            <ac:spMkLst>
-              <pc:docMk/>
-              <pc:sldMasterMk cId="408645214" sldId="2147483692"/>
-              <pc:sldLayoutMk cId="1806444034" sldId="2147483780"/>
-              <ac:spMk id="14" creationId="{3C72FCD4-32B2-F144-B95B-61FA8242A671}"/>
-            </ac:spMkLst>
-          </pc:spChg>
         </pc:sldLayoutChg>
         <pc:sldLayoutChg chg="addSp delSp modSp mod">
           <pc:chgData name="Meeaad Bharoochi" userId="5d99a4c0-c526-42b4-bcc3-23f4db4607c4" providerId="ADAL" clId="{6DBACCA1-C247-4000-9758-17DA284A9E12}" dt="2025-09-02T07:52:51.106" v="19"/>
@@ -413,42 +258,6 @@
             <pc:sldMasterMk cId="408645214" sldId="2147483692"/>
             <pc:sldLayoutMk cId="1775546100" sldId="2147483694"/>
           </pc:sldLayoutMkLst>
-          <pc:spChg chg="mod">
-            <ac:chgData name="Meeaad Bharoochi" userId="5d99a4c0-c526-42b4-bcc3-23f4db4607c4" providerId="ADAL" clId="{6DBACCA1-C247-4000-9758-17DA284A9E12}" dt="2025-09-02T08:08:31.383" v="27" actId="20578"/>
-            <ac:spMkLst>
-              <pc:docMk/>
-              <pc:sldMasterMk cId="408645214" sldId="2147483692"/>
-              <pc:sldLayoutMk cId="1775546100" sldId="2147483694"/>
-              <ac:spMk id="2" creationId="{269CF024-CE78-C044-AC1C-749F5A01162F}"/>
-            </ac:spMkLst>
-          </pc:spChg>
-          <pc:spChg chg="mod">
-            <ac:chgData name="Meeaad Bharoochi" userId="5d99a4c0-c526-42b4-bcc3-23f4db4607c4" providerId="ADAL" clId="{6DBACCA1-C247-4000-9758-17DA284A9E12}" dt="2025-09-02T08:08:31.383" v="27" actId="20578"/>
-            <ac:spMkLst>
-              <pc:docMk/>
-              <pc:sldMasterMk cId="408645214" sldId="2147483692"/>
-              <pc:sldLayoutMk cId="1775546100" sldId="2147483694"/>
-              <ac:spMk id="3" creationId="{00E98E0F-C5DC-7746-96E8-3365A74A0FB3}"/>
-            </ac:spMkLst>
-          </pc:spChg>
-          <pc:spChg chg="mod">
-            <ac:chgData name="Meeaad Bharoochi" userId="5d99a4c0-c526-42b4-bcc3-23f4db4607c4" providerId="ADAL" clId="{6DBACCA1-C247-4000-9758-17DA284A9E12}" dt="2025-09-02T08:08:31.383" v="27" actId="20578"/>
-            <ac:spMkLst>
-              <pc:docMk/>
-              <pc:sldMasterMk cId="408645214" sldId="2147483692"/>
-              <pc:sldLayoutMk cId="1775546100" sldId="2147483694"/>
-              <ac:spMk id="8" creationId="{4892DD46-7CCA-E64B-85FF-CBF1C3886095}"/>
-            </ac:spMkLst>
-          </pc:spChg>
-          <pc:spChg chg="mod">
-            <ac:chgData name="Meeaad Bharoochi" userId="5d99a4c0-c526-42b4-bcc3-23f4db4607c4" providerId="ADAL" clId="{6DBACCA1-C247-4000-9758-17DA284A9E12}" dt="2025-09-02T08:08:31.383" v="27" actId="20578"/>
-            <ac:spMkLst>
-              <pc:docMk/>
-              <pc:sldMasterMk cId="408645214" sldId="2147483692"/>
-              <pc:sldLayoutMk cId="1775546100" sldId="2147483694"/>
-              <ac:spMk id="14" creationId="{3C72FCD4-32B2-F144-B95B-61FA8242A671}"/>
-            </ac:spMkLst>
-          </pc:spChg>
         </pc:sldLayoutChg>
         <pc:sldLayoutChg chg="add del mod replId modTransition">
           <pc:chgData name="Meeaad Bharoochi" userId="5d99a4c0-c526-42b4-bcc3-23f4db4607c4" providerId="ADAL" clId="{6DBACCA1-C247-4000-9758-17DA284A9E12}" dt="2025-09-02T07:52:53.211" v="20" actId="2890"/>
@@ -465,42 +274,6 @@
             <pc:sldMasterMk cId="408645214" sldId="2147483692"/>
             <pc:sldLayoutMk cId="1806444034" sldId="2147483780"/>
           </pc:sldLayoutMkLst>
-          <pc:spChg chg="mod">
-            <ac:chgData name="Meeaad Bharoochi" userId="5d99a4c0-c526-42b4-bcc3-23f4db4607c4" providerId="ADAL" clId="{6DBACCA1-C247-4000-9758-17DA284A9E12}" dt="2025-09-02T08:11:38.496" v="32" actId="20578"/>
-            <ac:spMkLst>
-              <pc:docMk/>
-              <pc:sldMasterMk cId="408645214" sldId="2147483692"/>
-              <pc:sldLayoutMk cId="1806444034" sldId="2147483780"/>
-              <ac:spMk id="2" creationId="{269CF024-CE78-C044-AC1C-749F5A01162F}"/>
-            </ac:spMkLst>
-          </pc:spChg>
-          <pc:spChg chg="mod">
-            <ac:chgData name="Meeaad Bharoochi" userId="5d99a4c0-c526-42b4-bcc3-23f4db4607c4" providerId="ADAL" clId="{6DBACCA1-C247-4000-9758-17DA284A9E12}" dt="2025-09-02T08:11:38.496" v="32" actId="20578"/>
-            <ac:spMkLst>
-              <pc:docMk/>
-              <pc:sldMasterMk cId="408645214" sldId="2147483692"/>
-              <pc:sldLayoutMk cId="1806444034" sldId="2147483780"/>
-              <ac:spMk id="3" creationId="{00E98E0F-C5DC-7746-96E8-3365A74A0FB3}"/>
-            </ac:spMkLst>
-          </pc:spChg>
-          <pc:spChg chg="mod">
-            <ac:chgData name="Meeaad Bharoochi" userId="5d99a4c0-c526-42b4-bcc3-23f4db4607c4" providerId="ADAL" clId="{6DBACCA1-C247-4000-9758-17DA284A9E12}" dt="2025-09-02T08:11:38.496" v="32" actId="20578"/>
-            <ac:spMkLst>
-              <pc:docMk/>
-              <pc:sldMasterMk cId="408645214" sldId="2147483692"/>
-              <pc:sldLayoutMk cId="1806444034" sldId="2147483780"/>
-              <ac:spMk id="8" creationId="{4892DD46-7CCA-E64B-85FF-CBF1C3886095}"/>
-            </ac:spMkLst>
-          </pc:spChg>
-          <pc:spChg chg="mod">
-            <ac:chgData name="Meeaad Bharoochi" userId="5d99a4c0-c526-42b4-bcc3-23f4db4607c4" providerId="ADAL" clId="{6DBACCA1-C247-4000-9758-17DA284A9E12}" dt="2025-09-02T08:11:38.496" v="32" actId="20578"/>
-            <ac:spMkLst>
-              <pc:docMk/>
-              <pc:sldMasterMk cId="408645214" sldId="2147483692"/>
-              <pc:sldLayoutMk cId="1806444034" sldId="2147483780"/>
-              <ac:spMk id="14" creationId="{3C72FCD4-32B2-F144-B95B-61FA8242A671}"/>
-            </ac:spMkLst>
-          </pc:spChg>
         </pc:sldLayoutChg>
       </pc:sldMasterChg>
       <pc:sldMasterChg chg="new del mod addSldLayout delSldLayout">
@@ -698,32 +471,24 @@
   <pc:docChgLst>
     <pc:chgData name="Meeaad Bharoochi" userId="5d99a4c0-c526-42b4-bcc3-23f4db4607c4" providerId="ADAL" clId="{1F050E59-7ABB-4616-B145-AB565A57231F}"/>
     <pc:docChg chg="custSel modSld">
-      <pc:chgData name="Meeaad Bharoochi" userId="5d99a4c0-c526-42b4-bcc3-23f4db4607c4" providerId="ADAL" clId="{1F050E59-7ABB-4616-B145-AB565A57231F}" dt="2025-09-22T05:44:25.144" v="13"/>
+      <pc:chgData name="Meeaad Bharoochi" userId="5d99a4c0-c526-42b4-bcc3-23f4db4607c4" providerId="ADAL" clId="{1F050E59-7ABB-4616-B145-AB565A57231F}" dt="2025-10-22T17:38:08.800" v="0" actId="478"/>
       <pc:docMkLst>
         <pc:docMk/>
       </pc:docMkLst>
-      <pc:sldChg chg="delSp modSp mod">
-        <pc:chgData name="Meeaad Bharoochi" userId="5d99a4c0-c526-42b4-bcc3-23f4db4607c4" providerId="ADAL" clId="{1F050E59-7ABB-4616-B145-AB565A57231F}" dt="2025-09-22T05:44:25.144" v="13"/>
+      <pc:sldChg chg="delSp mod">
+        <pc:chgData name="Meeaad Bharoochi" userId="5d99a4c0-c526-42b4-bcc3-23f4db4607c4" providerId="ADAL" clId="{1F050E59-7ABB-4616-B145-AB565A57231F}" dt="2025-10-22T17:38:08.800" v="0" actId="478"/>
         <pc:sldMkLst>
           <pc:docMk/>
-          <pc:sldMk cId="0" sldId="829"/>
+          <pc:sldMk cId="2493766527" sldId="828"/>
         </pc:sldMkLst>
         <pc:spChg chg="del">
-          <ac:chgData name="Meeaad Bharoochi" userId="5d99a4c0-c526-42b4-bcc3-23f4db4607c4" providerId="ADAL" clId="{1F050E59-7ABB-4616-B145-AB565A57231F}" dt="2025-09-22T05:42:19.234" v="5" actId="478"/>
+          <ac:chgData name="Meeaad Bharoochi" userId="5d99a4c0-c526-42b4-bcc3-23f4db4607c4" providerId="ADAL" clId="{1F050E59-7ABB-4616-B145-AB565A57231F}" dt="2025-10-22T17:38:08.800" v="0" actId="478"/>
           <ac:spMkLst>
             <pc:docMk/>
-            <pc:sldMk cId="0" sldId="829"/>
-            <ac:spMk id="3" creationId="{00000000-0000-0000-0000-000000000000}"/>
+            <pc:sldMk cId="2493766527" sldId="828"/>
+            <ac:spMk id="5" creationId="{C1CD49FB-F108-D29F-B8E9-3FB8B2BBCEF0}"/>
           </ac:spMkLst>
         </pc:spChg>
-        <pc:graphicFrameChg chg="mod">
-          <ac:chgData name="Meeaad Bharoochi" userId="5d99a4c0-c526-42b4-bcc3-23f4db4607c4" providerId="ADAL" clId="{1F050E59-7ABB-4616-B145-AB565A57231F}" dt="2025-09-22T05:44:25.144" v="13"/>
-          <ac:graphicFrameMkLst>
-            <pc:docMk/>
-            <pc:sldMk cId="0" sldId="829"/>
-            <ac:graphicFrameMk id="5" creationId="{00000000-0000-0000-0000-000000000000}"/>
-          </ac:graphicFrameMkLst>
-        </pc:graphicFrameChg>
       </pc:sldChg>
     </pc:docChg>
   </pc:docChgLst>
@@ -731,22 +496,14 @@
 </file>
 
 <file path=ppt/charts/chart1.xml><?xml version="1.0" encoding="utf-8"?>
-<c:chartSpace xmlns:c="http://schemas.openxmlformats.org/drawingml/2006/chart" xmlns:a="http://schemas.openxmlformats.org/drawingml/2006/main" xmlns:r="http://schemas.openxmlformats.org/officeDocument/2006/relationships" xmlns:c16r2="http://schemas.microsoft.com/office/drawing/2015/06/chart">
+<c:chartSpace xmlns:c="http://schemas.openxmlformats.org/drawingml/2006/chart" xmlns:a="http://schemas.openxmlformats.org/drawingml/2006/main" xmlns:r="http://schemas.openxmlformats.org/officeDocument/2006/relationships">
   <c:date1904 val="0"/>
-  <c:lang val="en-US"/>
-  <c:roundedCorners val="1"/>
-  <c:style val="2"/>
   <c:chart>
-    <c:title>
-      <c:overlay val="0"/>
-    </c:title>
     <c:autoTitleDeleted val="0"/>
     <c:plotArea>
-      <c:layout/>
       <c:barChart>
         <c:barDir val="bar"/>
         <c:grouping val="clustered"/>
-        <c:varyColors val="1"/>
         <c:ser>
           <c:idx val="0"/>
           <c:order val="0"/>
@@ -756,7 +513,7 @@
               <c:strCache>
                 <c:ptCount val="1"/>
                 <c:pt idx="0">
-                  <c:v>Values</c:v>
+                  <c:v>Total</c:v>
                 </c:pt>
               </c:strCache>
             </c:strRef>
@@ -766,33 +523,11 @@
               <a:srgbClr val="00BCF2"/>
             </a:solidFill>
           </c:spPr>
-          <c:invertIfNegative val="1"/>
-          <c:dLbls>
-            <c:spPr>
-              <a:noFill/>
-              <a:ln>
-                <a:noFill/>
-              </a:ln>
-              <a:effectLst/>
-            </c:spPr>
-            <c:showLegendKey val="0"/>
-            <c:showVal val="1"/>
-            <c:showCatName val="0"/>
-            <c:showSerName val="0"/>
-            <c:showPercent val="0"/>
-            <c:showBubbleSize val="0"/>
-            <c:showLeaderLines val="0"/>
-            <c:extLst>
-              <c:ext xmlns:c15="http://schemas.microsoft.com/office/drawing/2012/chart" uri="{CE6537A1-D6FC-4f65-9D91-7224C49458BB}">
-                <c15:showLeaderLines val="0"/>
-              </c:ext>
-            </c:extLst>
-          </c:dLbls>
           <c:cat>
             <c:strRef>
-              <c:f>Sheet1!$A$2:$A$9</c:f>
+              <c:f>Sheet1!$A$2:$A$10</c:f>
               <c:strCache>
-                <c:ptCount val="8"/>
+                <c:ptCount val="9"/>
                 <c:pt idx="0">
                   <c:v>Dog</c:v>
                 </c:pt>
@@ -817,66 +552,414 @@
                 <c:pt idx="7">
                   <c:v>I do not own a pet</c:v>
                 </c:pt>
+                <c:pt idx="8">
+                  <c:v>Return to index</c:v>
+                </c:pt>
               </c:strCache>
             </c:strRef>
           </c:cat>
           <c:val>
             <c:numRef>
-              <c:f>Sheet1!$B$2:$B$9</c:f>
+              <c:f>Sheet1!$B$2:$B$10</c:f>
               <c:numCache>
-                <c:formatCode>0%</c:formatCode>
-                <c:ptCount val="8"/>
+                <c:formatCode>General</c:formatCode>
+                <c:ptCount val="9"/>
                 <c:pt idx="0">
-                  <c:v>0.35125785220113731</c:v>
+                  <c:v>0.35125785220113726</c:v>
                 </c:pt>
                 <c:pt idx="1">
                   <c:v>0.3116864521233827</c:v>
                 </c:pt>
                 <c:pt idx="2">
-                  <c:v>5.5720989054773892E-2</c:v>
+                  <c:v>0.05572098905477389</c:v>
                 </c:pt>
                 <c:pt idx="3">
-                  <c:v>2.5964458747101349E-2</c:v>
+                  <c:v>0.025964458747101345</c:v>
                 </c:pt>
                 <c:pt idx="4">
-                  <c:v>2.3350979849934339E-2</c:v>
+                  <c:v>0.023350979849934343</c:v>
                 </c:pt>
                 <c:pt idx="5">
-                  <c:v>1.2776855749162999E-2</c:v>
+                  <c:v>0.012776855749162996</c:v>
                 </c:pt>
                 <c:pt idx="6">
-                  <c:v>7.845629188404802E-3</c:v>
+                  <c:v>0.007845629188404802</c:v>
                 </c:pt>
                 <c:pt idx="7">
                   <c:v>0.4296146717601465</c:v>
                 </c:pt>
+                <c:pt idx="8">
+                  <c:v>0.0</c:v>
+                </c:pt>
               </c:numCache>
             </c:numRef>
           </c:val>
-          <c:extLst>
-            <c:ext xmlns:c14="http://schemas.microsoft.com/office/drawing/2007/8/2/chart" uri="{6F2FDCE9-48DA-4B69-8628-5D25D57E5C99}">
-              <c14:invertSolidFillFmt>
-                <c14:spPr xmlns:c14="http://schemas.microsoft.com/office/drawing/2007/8/2/chart">
-                  <a:solidFill>
-                    <a:srgbClr val="FFFFFF"/>
-                  </a:solidFill>
-                </c14:spPr>
-              </c14:invertSolidFillFmt>
-            </c:ext>
-            <c:ext xmlns:c16="http://schemas.microsoft.com/office/drawing/2014/chart" uri="{C3380CC4-5D6E-409C-BE32-E72D297353CC}">
-              <c16:uniqueId val="{00000000-9142-4306-B1F8-9AE56DE6E135}"/>
-            </c:ext>
-          </c:extLst>
         </c:ser>
-        <c:dLbls>
-          <c:showLegendKey val="0"/>
-          <c:showVal val="1"/>
-          <c:showCatName val="0"/>
-          <c:showSerName val="0"/>
-          <c:showPercent val="0"/>
-          <c:showBubbleSize val="0"/>
-        </c:dLbls>
-        <c:gapWidth val="40"/>
+        <c:ser>
+          <c:idx val="1"/>
+          <c:order val="1"/>
+          <c:tx>
+            <c:strRef>
+              <c:f>Sheet1!$C$1</c:f>
+              <c:strCache>
+                <c:ptCount val="1"/>
+                <c:pt idx="0">
+                  <c:v>18 - 34</c:v>
+                </c:pt>
+              </c:strCache>
+            </c:strRef>
+          </c:tx>
+          <c:spPr>
+            <a:solidFill>
+              <a:srgbClr val="FF6B6B"/>
+            </a:solidFill>
+          </c:spPr>
+          <c:cat>
+            <c:strRef>
+              <c:f>Sheet1!$A$2:$A$10</c:f>
+              <c:strCache>
+                <c:ptCount val="9"/>
+                <c:pt idx="0">
+                  <c:v>Dog</c:v>
+                </c:pt>
+                <c:pt idx="1">
+                  <c:v>Cat</c:v>
+                </c:pt>
+                <c:pt idx="2">
+                  <c:v>Fish</c:v>
+                </c:pt>
+                <c:pt idx="3">
+                  <c:v>Bird</c:v>
+                </c:pt>
+                <c:pt idx="4">
+                  <c:v>Small mammal (e.g. rabbit, hamster, guinea pig)</c:v>
+                </c:pt>
+                <c:pt idx="5">
+                  <c:v>Reptile or amphibian (e.g. turtle, snake, lizard, frog)</c:v>
+                </c:pt>
+                <c:pt idx="6">
+                  <c:v>Other (please specify)</c:v>
+                </c:pt>
+                <c:pt idx="7">
+                  <c:v>I do not own a pet</c:v>
+                </c:pt>
+                <c:pt idx="8">
+                  <c:v>Return to index</c:v>
+                </c:pt>
+              </c:strCache>
+            </c:strRef>
+          </c:cat>
+          <c:val>
+            <c:numRef>
+              <c:f>Sheet1!$C$2:$C$10</c:f>
+              <c:numCache>
+                <c:formatCode>General</c:formatCode>
+                <c:ptCount val="9"/>
+                <c:pt idx="0">
+                  <c:v>0.5106979615080715</c:v>
+                </c:pt>
+                <c:pt idx="1">
+                  <c:v>0.43386415573921383</c:v>
+                </c:pt>
+                <c:pt idx="2">
+                  <c:v>0.05418864977574586</c:v>
+                </c:pt>
+                <c:pt idx="3">
+                  <c:v>0.04777528879132735</c:v>
+                </c:pt>
+                <c:pt idx="4">
+                  <c:v>0.02715067048120951</c:v>
+                </c:pt>
+                <c:pt idx="5">
+                  <c:v>0.015811890069735</c:v>
+                </c:pt>
+                <c:pt idx="6">
+                  <c:v>0.005346047576932474</c:v>
+                </c:pt>
+                <c:pt idx="7">
+                  <c:v>0.24554288320071674</c:v>
+                </c:pt>
+                <c:pt idx="8">
+                  <c:v>0.0</c:v>
+                </c:pt>
+              </c:numCache>
+            </c:numRef>
+          </c:val>
+        </c:ser>
+        <c:ser>
+          <c:idx val="2"/>
+          <c:order val="2"/>
+          <c:tx>
+            <c:strRef>
+              <c:f>Sheet1!$D$1</c:f>
+              <c:strCache>
+                <c:ptCount val="1"/>
+                <c:pt idx="0">
+                  <c:v>35 - 54</c:v>
+                </c:pt>
+              </c:strCache>
+            </c:strRef>
+          </c:tx>
+          <c:spPr>
+            <a:solidFill>
+              <a:srgbClr val="4ECB71"/>
+            </a:solidFill>
+          </c:spPr>
+          <c:cat>
+            <c:strRef>
+              <c:f>Sheet1!$A$2:$A$10</c:f>
+              <c:strCache>
+                <c:ptCount val="9"/>
+                <c:pt idx="0">
+                  <c:v>Dog</c:v>
+                </c:pt>
+                <c:pt idx="1">
+                  <c:v>Cat</c:v>
+                </c:pt>
+                <c:pt idx="2">
+                  <c:v>Fish</c:v>
+                </c:pt>
+                <c:pt idx="3">
+                  <c:v>Bird</c:v>
+                </c:pt>
+                <c:pt idx="4">
+                  <c:v>Small mammal (e.g. rabbit, hamster, guinea pig)</c:v>
+                </c:pt>
+                <c:pt idx="5">
+                  <c:v>Reptile or amphibian (e.g. turtle, snake, lizard, frog)</c:v>
+                </c:pt>
+                <c:pt idx="6">
+                  <c:v>Other (please specify)</c:v>
+                </c:pt>
+                <c:pt idx="7">
+                  <c:v>I do not own a pet</c:v>
+                </c:pt>
+                <c:pt idx="8">
+                  <c:v>Return to index</c:v>
+                </c:pt>
+              </c:strCache>
+            </c:strRef>
+          </c:cat>
+          <c:val>
+            <c:numRef>
+              <c:f>Sheet1!$D$2:$D$10</c:f>
+              <c:numCache>
+                <c:formatCode>General</c:formatCode>
+                <c:ptCount val="9"/>
+                <c:pt idx="0">
+                  <c:v>0.37131285977776124</c:v>
+                </c:pt>
+                <c:pt idx="1">
+                  <c:v>0.32667170829250725</c:v>
+                </c:pt>
+                <c:pt idx="2">
+                  <c:v>0.05902712165828996</c:v>
+                </c:pt>
+                <c:pt idx="3">
+                  <c:v>0.024240121584815092</c:v>
+                </c:pt>
+                <c:pt idx="4">
+                  <c:v>0.0342152191929225</c:v>
+                </c:pt>
+                <c:pt idx="5">
+                  <c:v>0.01793245003959281</c:v>
+                </c:pt>
+                <c:pt idx="6">
+                  <c:v>0.016882384446939024</c:v>
+                </c:pt>
+                <c:pt idx="7">
+                  <c:v>0.39798129470093313</c:v>
+                </c:pt>
+                <c:pt idx="8">
+                  <c:v>0.0</c:v>
+                </c:pt>
+              </c:numCache>
+            </c:numRef>
+          </c:val>
+        </c:ser>
+        <c:ser>
+          <c:idx val="3"/>
+          <c:order val="3"/>
+          <c:tx>
+            <c:strRef>
+              <c:f>Sheet1!$E$1</c:f>
+              <c:strCache>
+                <c:ptCount val="1"/>
+                <c:pt idx="0">
+                  <c:v>55+</c:v>
+                </c:pt>
+              </c:strCache>
+            </c:strRef>
+          </c:tx>
+          <c:spPr>
+            <a:solidFill>
+              <a:srgbClr val="FFB84D"/>
+            </a:solidFill>
+          </c:spPr>
+          <c:cat>
+            <c:strRef>
+              <c:f>Sheet1!$A$2:$A$10</c:f>
+              <c:strCache>
+                <c:ptCount val="9"/>
+                <c:pt idx="0">
+                  <c:v>Dog</c:v>
+                </c:pt>
+                <c:pt idx="1">
+                  <c:v>Cat</c:v>
+                </c:pt>
+                <c:pt idx="2">
+                  <c:v>Fish</c:v>
+                </c:pt>
+                <c:pt idx="3">
+                  <c:v>Bird</c:v>
+                </c:pt>
+                <c:pt idx="4">
+                  <c:v>Small mammal (e.g. rabbit, hamster, guinea pig)</c:v>
+                </c:pt>
+                <c:pt idx="5">
+                  <c:v>Reptile or amphibian (e.g. turtle, snake, lizard, frog)</c:v>
+                </c:pt>
+                <c:pt idx="6">
+                  <c:v>Other (please specify)</c:v>
+                </c:pt>
+                <c:pt idx="7">
+                  <c:v>I do not own a pet</c:v>
+                </c:pt>
+                <c:pt idx="8">
+                  <c:v>Return to index</c:v>
+                </c:pt>
+              </c:strCache>
+            </c:strRef>
+          </c:cat>
+          <c:val>
+            <c:numRef>
+              <c:f>Sheet1!$E$2:$E$10</c:f>
+              <c:numCache>
+                <c:formatCode>General</c:formatCode>
+                <c:ptCount val="9"/>
+                <c:pt idx="0">
+                  <c:v>0.22056591458101368</c:v>
+                </c:pt>
+                <c:pt idx="1">
+                  <c:v>0.21186361923817365</c:v>
+                </c:pt>
+                <c:pt idx="2">
+                  <c:v>0.05400258334407195</c:v>
+                </c:pt>
+                <c:pt idx="3">
+                  <c:v>0.011884417506708569</c:v>
+                </c:pt>
+                <c:pt idx="4">
+                  <c:v>0.01140683287232727</c:v>
+                </c:pt>
+                <c:pt idx="5">
+                  <c:v>0.006230741627171639</c:v>
+                </c:pt>
+                <c:pt idx="6">
+                  <c:v>0.0019449385033508543</c:v>
+                </c:pt>
+                <c:pt idx="7">
+                  <c:v>0.5877060986734083</c:v>
+                </c:pt>
+                <c:pt idx="8">
+                  <c:v>0.0</c:v>
+                </c:pt>
+              </c:numCache>
+            </c:numRef>
+          </c:val>
+        </c:ser>
+        <c:ser>
+          <c:idx val="4"/>
+          <c:order val="4"/>
+          <c:tx>
+            <c:strRef>
+              <c:f>Sheet1!$F$1</c:f>
+              <c:strCache>
+                <c:ptCount val="1"/>
+                <c:pt idx="0">
+                  <c:v>Gen Z (18-27)</c:v>
+                </c:pt>
+              </c:strCache>
+            </c:strRef>
+          </c:tx>
+          <c:spPr>
+            <a:solidFill>
+              <a:srgbClr val="955FE6"/>
+            </a:solidFill>
+          </c:spPr>
+          <c:cat>
+            <c:strRef>
+              <c:f>Sheet1!$A$2:$A$10</c:f>
+              <c:strCache>
+                <c:ptCount val="9"/>
+                <c:pt idx="0">
+                  <c:v>Dog</c:v>
+                </c:pt>
+                <c:pt idx="1">
+                  <c:v>Cat</c:v>
+                </c:pt>
+                <c:pt idx="2">
+                  <c:v>Fish</c:v>
+                </c:pt>
+                <c:pt idx="3">
+                  <c:v>Bird</c:v>
+                </c:pt>
+                <c:pt idx="4">
+                  <c:v>Small mammal (e.g. rabbit, hamster, guinea pig)</c:v>
+                </c:pt>
+                <c:pt idx="5">
+                  <c:v>Reptile or amphibian (e.g. turtle, snake, lizard, frog)</c:v>
+                </c:pt>
+                <c:pt idx="6">
+                  <c:v>Other (please specify)</c:v>
+                </c:pt>
+                <c:pt idx="7">
+                  <c:v>I do not own a pet</c:v>
+                </c:pt>
+                <c:pt idx="8">
+                  <c:v>Return to index</c:v>
+                </c:pt>
+              </c:strCache>
+            </c:strRef>
+          </c:cat>
+          <c:val>
+            <c:numRef>
+              <c:f>Sheet1!$F$2:$F$10</c:f>
+              <c:numCache>
+                <c:formatCode>General</c:formatCode>
+                <c:ptCount val="9"/>
+                <c:pt idx="0">
+                  <c:v>0.47077113800801257</c:v>
+                </c:pt>
+                <c:pt idx="1">
+                  <c:v>0.41944787479597584</c:v>
+                </c:pt>
+                <c:pt idx="2">
+                  <c:v>0.06459264580986299</c:v>
+                </c:pt>
+                <c:pt idx="3">
+                  <c:v>0.04423620509480876</c:v>
+                </c:pt>
+                <c:pt idx="4">
+                  <c:v>0.017886112667843138</c:v>
+                </c:pt>
+                <c:pt idx="5">
+                  <c:v>0.018628171833642338</c:v>
+                </c:pt>
+                <c:pt idx="6">
+                  <c:v>0.008584879070806519</c:v>
+                </c:pt>
+                <c:pt idx="7">
+                  <c:v>0.23912278093837863</c:v>
+                </c:pt>
+                <c:pt idx="8">
+                  <c:v>0.0</c:v>
+                </c:pt>
+              </c:numCache>
+            </c:numRef>
+          </c:val>
+        </c:ser>
+        <c:gapWidth val="50"/>
         <c:axId val="-2068027336"/>
         <c:axId val="-2113994440"/>
       </c:barChart>
@@ -887,10 +970,18 @@
         </c:scaling>
         <c:delete val="0"/>
         <c:axPos val="l"/>
-        <c:numFmt formatCode="General" sourceLinked="0"/>
         <c:majorTickMark val="out"/>
         <c:minorTickMark val="none"/>
         <c:tickLblPos val="nextTo"/>
+        <c:txPr>
+          <a:bodyPr/>
+          <a:lstStyle/>
+          <a:p>
+            <a:pPr>
+              <a:defRPr sz="1000"/>
+            </a:pPr>
+          </a:p>
+        </c:txPr>
         <c:crossAx val="-2113994440"/>
         <c:crosses val="autoZero"/>
         <c:auto val="1"/>
@@ -900,34 +991,45 @@
       </c:catAx>
       <c:valAx>
         <c:axId val="-2113994440"/>
-        <c:scaling>
-          <c:orientation val="minMax"/>
-        </c:scaling>
+        <c:scaling/>
         <c:delete val="0"/>
         <c:axPos val="b"/>
-        <c:numFmt formatCode="0%" sourceLinked="1"/>
         <c:majorTickMark val="out"/>
         <c:minorTickMark val="none"/>
         <c:tickLblPos val="nextTo"/>
+        <c:txPr>
+          <a:bodyPr/>
+          <a:lstStyle/>
+          <a:p>
+            <a:pPr>
+              <a:defRPr sz="1000"/>
+            </a:pPr>
+          </a:p>
+        </c:txPr>
         <c:crossAx val="-2068027336"/>
         <c:crosses val="autoZero"/>
-        <c:crossBetween val="between"/>
       </c:valAx>
     </c:plotArea>
-    <c:plotVisOnly val="1"/>
+    <c:legend>
+      <c:legendPos val="b"/>
+      <c:txPr>
+        <a:bodyPr/>
+        <a:lstStyle/>
+        <a:p>
+          <a:pPr>
+            <a:defRPr sz="900"/>
+          </a:pPr>
+        </a:p>
+      </c:txPr>
+    </c:legend>
     <c:dispBlanksAs val="gap"/>
-    <c:showDLblsOverMax val="1"/>
   </c:chart>
   <c:txPr>
     <a:bodyPr/>
     <a:lstStyle/>
     <a:p>
       <a:pPr>
-        <a:defRPr sz="1800">
-          <a:solidFill>
-            <a:schemeClr val="tx1"/>
-          </a:solidFill>
-        </a:defRPr>
+        <a:defRPr sz="1800"/>
       </a:pPr>
       <a:endParaRPr lang="en-US"/>
     </a:p>
@@ -938,23 +1040,15 @@
 </c:chartSpace>
 </file>
 
-<file path=ppt/charts/chart10.xml><?xml version="1.0" encoding="utf-8"?>
-<c:chartSpace xmlns:c="http://schemas.openxmlformats.org/drawingml/2006/chart" xmlns:a="http://schemas.openxmlformats.org/drawingml/2006/main" xmlns:r="http://schemas.openxmlformats.org/officeDocument/2006/relationships" xmlns:c16r2="http://schemas.microsoft.com/office/drawing/2015/06/chart">
+<file path=ppt/charts/chart2.xml><?xml version="1.0" encoding="utf-8"?>
+<c:chartSpace xmlns:c="http://schemas.openxmlformats.org/drawingml/2006/chart" xmlns:a="http://schemas.openxmlformats.org/drawingml/2006/main" xmlns:r="http://schemas.openxmlformats.org/officeDocument/2006/relationships">
   <c:date1904 val="0"/>
-  <c:lang val="en-US"/>
-  <c:roundedCorners val="1"/>
-  <c:style val="2"/>
   <c:chart>
-    <c:title>
-      <c:overlay val="0"/>
-    </c:title>
     <c:autoTitleDeleted val="0"/>
     <c:plotArea>
-      <c:layout/>
       <c:barChart>
-        <c:barDir val="col"/>
+        <c:barDir val="bar"/>
         <c:grouping val="clustered"/>
-        <c:varyColors val="1"/>
         <c:ser>
           <c:idx val="0"/>
           <c:order val="0"/>
@@ -964,7 +1058,7 @@
               <c:strCache>
                 <c:ptCount val="1"/>
                 <c:pt idx="0">
-                  <c:v>Values</c:v>
+                  <c:v>Total</c:v>
                 </c:pt>
               </c:strCache>
             </c:strRef>
@@ -974,43 +1068,1532 @@
               <a:srgbClr val="00BCF2"/>
             </a:solidFill>
           </c:spPr>
-          <c:invertIfNegative val="1"/>
-          <c:dLbls>
-            <c:spPr>
-              <a:noFill/>
-              <a:ln>
-                <a:noFill/>
-              </a:ln>
-              <a:effectLst/>
-            </c:spPr>
-            <c:txPr>
-              <a:bodyPr/>
-              <a:lstStyle/>
-              <a:p>
-                <a:pPr>
-                  <a:defRPr sz="900"/>
-                </a:pPr>
-                <a:endParaRPr lang="en-US"/>
-              </a:p>
-            </c:txPr>
-            <c:showLegendKey val="0"/>
-            <c:showVal val="1"/>
-            <c:showCatName val="0"/>
-            <c:showSerName val="0"/>
-            <c:showPercent val="0"/>
-            <c:showBubbleSize val="0"/>
-            <c:showLeaderLines val="0"/>
-            <c:extLst>
-              <c:ext xmlns:c15="http://schemas.microsoft.com/office/drawing/2012/chart" uri="{CE6537A1-D6FC-4f65-9D91-7224C49458BB}">
-                <c15:showLeaderLines val="0"/>
-              </c:ext>
-            </c:extLst>
-          </c:dLbls>
           <c:cat>
             <c:strRef>
-              <c:f>Sheet1!$A$2:$A$14</c:f>
+              <c:f>Sheet1!$A$2:$A$8</c:f>
               <c:strCache>
-                <c:ptCount val="13"/>
+                <c:ptCount val="7"/>
+                <c:pt idx="0">
+                  <c:v>Camera</c:v>
+                </c:pt>
+                <c:pt idx="1">
+                  <c:v>Video doorbell </c:v>
+                </c:pt>
+                <c:pt idx="2">
+                  <c:v>Dedicated pet camera</c:v>
+                </c:pt>
+                <c:pt idx="3">
+                  <c:v>Baby monitor</c:v>
+                </c:pt>
+                <c:pt idx="4">
+                  <c:v>Other (please specify)</c:v>
+                </c:pt>
+                <c:pt idx="5">
+                  <c:v>N/A - I do not have a device that allows me to check my home remotely</c:v>
+                </c:pt>
+                <c:pt idx="6">
+                  <c:v>Return to index</c:v>
+                </c:pt>
+              </c:strCache>
+            </c:strRef>
+          </c:cat>
+          <c:val>
+            <c:numRef>
+              <c:f>Sheet1!$B$2:$B$8</c:f>
+              <c:numCache>
+                <c:formatCode>General</c:formatCode>
+                <c:ptCount val="7"/>
+                <c:pt idx="0">
+                  <c:v>0.2477900952447497</c:v>
+                </c:pt>
+                <c:pt idx="1">
+                  <c:v>0.2435549539425708</c:v>
+                </c:pt>
+                <c:pt idx="2">
+                  <c:v>0.06671201677039536</c:v>
+                </c:pt>
+                <c:pt idx="3">
+                  <c:v>0.05548360915496333</c:v>
+                </c:pt>
+                <c:pt idx="4">
+                  <c:v>0.002555614060318222</c:v>
+                </c:pt>
+                <c:pt idx="5">
+                  <c:v>0.5834905319638046</c:v>
+                </c:pt>
+                <c:pt idx="6">
+                  <c:v>0.0</c:v>
+                </c:pt>
+              </c:numCache>
+            </c:numRef>
+          </c:val>
+        </c:ser>
+        <c:ser>
+          <c:idx val="1"/>
+          <c:order val="1"/>
+          <c:tx>
+            <c:strRef>
+              <c:f>Sheet1!$C$1</c:f>
+              <c:strCache>
+                <c:ptCount val="1"/>
+                <c:pt idx="0">
+                  <c:v>Male</c:v>
+                </c:pt>
+              </c:strCache>
+            </c:strRef>
+          </c:tx>
+          <c:spPr>
+            <a:solidFill>
+              <a:srgbClr val="FF6B6B"/>
+            </a:solidFill>
+          </c:spPr>
+          <c:cat>
+            <c:strRef>
+              <c:f>Sheet1!$A$2:$A$8</c:f>
+              <c:strCache>
+                <c:ptCount val="7"/>
+                <c:pt idx="0">
+                  <c:v>Camera</c:v>
+                </c:pt>
+                <c:pt idx="1">
+                  <c:v>Video doorbell </c:v>
+                </c:pt>
+                <c:pt idx="2">
+                  <c:v>Dedicated pet camera</c:v>
+                </c:pt>
+                <c:pt idx="3">
+                  <c:v>Baby monitor</c:v>
+                </c:pt>
+                <c:pt idx="4">
+                  <c:v>Other (please specify)</c:v>
+                </c:pt>
+                <c:pt idx="5">
+                  <c:v>N/A - I do not have a device that allows me to check my home remotely</c:v>
+                </c:pt>
+                <c:pt idx="6">
+                  <c:v>Return to index</c:v>
+                </c:pt>
+              </c:strCache>
+            </c:strRef>
+          </c:cat>
+          <c:val>
+            <c:numRef>
+              <c:f>Sheet1!$C$2:$C$8</c:f>
+              <c:numCache>
+                <c:formatCode>General</c:formatCode>
+                <c:ptCount val="7"/>
+                <c:pt idx="0">
+                  <c:v>0.27045649989465487</c:v>
+                </c:pt>
+                <c:pt idx="1">
+                  <c:v>0.24660740120438665</c:v>
+                </c:pt>
+                <c:pt idx="2">
+                  <c:v>0.06451570231968548</c:v>
+                </c:pt>
+                <c:pt idx="3">
+                  <c:v>0.055124742204178415</c:v>
+                </c:pt>
+                <c:pt idx="4">
+                  <c:v>0.002343282685406495</c:v>
+                </c:pt>
+                <c:pt idx="5">
+                  <c:v>0.5744156318885105</c:v>
+                </c:pt>
+                <c:pt idx="6">
+                  <c:v>0.0</c:v>
+                </c:pt>
+              </c:numCache>
+            </c:numRef>
+          </c:val>
+        </c:ser>
+        <c:ser>
+          <c:idx val="2"/>
+          <c:order val="2"/>
+          <c:tx>
+            <c:strRef>
+              <c:f>Sheet1!$D$1</c:f>
+              <c:strCache>
+                <c:ptCount val="1"/>
+                <c:pt idx="0">
+                  <c:v>Female</c:v>
+                </c:pt>
+              </c:strCache>
+            </c:strRef>
+          </c:tx>
+          <c:spPr>
+            <a:solidFill>
+              <a:srgbClr val="4ECB71"/>
+            </a:solidFill>
+          </c:spPr>
+          <c:cat>
+            <c:strRef>
+              <c:f>Sheet1!$A$2:$A$8</c:f>
+              <c:strCache>
+                <c:ptCount val="7"/>
+                <c:pt idx="0">
+                  <c:v>Camera</c:v>
+                </c:pt>
+                <c:pt idx="1">
+                  <c:v>Video doorbell </c:v>
+                </c:pt>
+                <c:pt idx="2">
+                  <c:v>Dedicated pet camera</c:v>
+                </c:pt>
+                <c:pt idx="3">
+                  <c:v>Baby monitor</c:v>
+                </c:pt>
+                <c:pt idx="4">
+                  <c:v>Other (please specify)</c:v>
+                </c:pt>
+                <c:pt idx="5">
+                  <c:v>N/A - I do not have a device that allows me to check my home remotely</c:v>
+                </c:pt>
+                <c:pt idx="6">
+                  <c:v>Return to index</c:v>
+                </c:pt>
+              </c:strCache>
+            </c:strRef>
+          </c:cat>
+          <c:val>
+            <c:numRef>
+              <c:f>Sheet1!$D$2:$D$8</c:f>
+              <c:numCache>
+                <c:formatCode>General</c:formatCode>
+                <c:ptCount val="7"/>
+                <c:pt idx="0">
+                  <c:v>0.22400419229625915</c:v>
+                </c:pt>
+                <c:pt idx="1">
+                  <c:v>0.24136729435145998</c:v>
+                </c:pt>
+                <c:pt idx="2">
+                  <c:v>0.06873111386499574</c:v>
+                </c:pt>
+                <c:pt idx="3">
+                  <c:v>0.05643244701059394</c:v>
+                </c:pt>
+                <c:pt idx="4">
+                  <c:v>0.0027837135700072573</c:v>
+                </c:pt>
+                <c:pt idx="5">
+                  <c:v>0.592920795687558</c:v>
+                </c:pt>
+                <c:pt idx="6">
+                  <c:v>0.0</c:v>
+                </c:pt>
+              </c:numCache>
+            </c:numRef>
+          </c:val>
+        </c:ser>
+        <c:gapWidth val="50"/>
+        <c:axId val="-2068027336"/>
+        <c:axId val="-2113994440"/>
+      </c:barChart>
+      <c:catAx>
+        <c:axId val="-2068027336"/>
+        <c:scaling>
+          <c:orientation val="minMax"/>
+        </c:scaling>
+        <c:delete val="0"/>
+        <c:axPos val="l"/>
+        <c:majorTickMark val="out"/>
+        <c:minorTickMark val="none"/>
+        <c:tickLblPos val="nextTo"/>
+        <c:txPr>
+          <a:bodyPr/>
+          <a:lstStyle/>
+          <a:p>
+            <a:pPr>
+              <a:defRPr sz="1000"/>
+            </a:pPr>
+          </a:p>
+        </c:txPr>
+        <c:crossAx val="-2113994440"/>
+        <c:crosses val="autoZero"/>
+        <c:auto val="1"/>
+        <c:lblAlgn val="ctr"/>
+        <c:lblOffset val="100"/>
+        <c:noMultiLvlLbl val="0"/>
+      </c:catAx>
+      <c:valAx>
+        <c:axId val="-2113994440"/>
+        <c:scaling/>
+        <c:delete val="0"/>
+        <c:axPos val="b"/>
+        <c:majorTickMark val="out"/>
+        <c:minorTickMark val="none"/>
+        <c:tickLblPos val="nextTo"/>
+        <c:txPr>
+          <a:bodyPr/>
+          <a:lstStyle/>
+          <a:p>
+            <a:pPr>
+              <a:defRPr sz="1000"/>
+            </a:pPr>
+          </a:p>
+        </c:txPr>
+        <c:crossAx val="-2068027336"/>
+        <c:crosses val="autoZero"/>
+      </c:valAx>
+    </c:plotArea>
+    <c:legend>
+      <c:legendPos val="b"/>
+      <c:txPr>
+        <a:bodyPr/>
+        <a:lstStyle/>
+        <a:p>
+          <a:pPr>
+            <a:defRPr sz="900"/>
+          </a:pPr>
+        </a:p>
+      </c:txPr>
+    </c:legend>
+    <c:dispBlanksAs val="gap"/>
+  </c:chart>
+  <c:txPr>
+    <a:bodyPr/>
+    <a:lstStyle/>
+    <a:p>
+      <a:pPr>
+        <a:defRPr sz="1800"/>
+      </a:pPr>
+      <a:endParaRPr lang="en-US"/>
+    </a:p>
+  </c:txPr>
+  <c:externalData r:id="rId1">
+    <c:autoUpdate val="0"/>
+  </c:externalData>
+</c:chartSpace>
+</file>
+
+<file path=ppt/charts/chart3.xml><?xml version="1.0" encoding="utf-8"?>
+<c:chartSpace xmlns:c="http://schemas.openxmlformats.org/drawingml/2006/chart" xmlns:a="http://schemas.openxmlformats.org/drawingml/2006/main" xmlns:r="http://schemas.openxmlformats.org/officeDocument/2006/relationships">
+  <c:date1904 val="0"/>
+  <c:chart>
+    <c:autoTitleDeleted val="0"/>
+    <c:plotArea>
+      <c:barChart>
+        <c:barDir val="bar"/>
+        <c:grouping val="clustered"/>
+        <c:ser>
+          <c:idx val="0"/>
+          <c:order val="0"/>
+          <c:tx>
+            <c:strRef>
+              <c:f>Sheet1!$B$1</c:f>
+              <c:strCache>
+                <c:ptCount val="1"/>
+                <c:pt idx="0">
+                  <c:v>Total</c:v>
+                </c:pt>
+              </c:strCache>
+            </c:strRef>
+          </c:tx>
+          <c:spPr>
+            <a:solidFill>
+              <a:srgbClr val="00BCF2"/>
+            </a:solidFill>
+          </c:spPr>
+          <c:cat>
+            <c:strRef>
+              <c:f>Sheet1!$A$2:$A$13</c:f>
+              <c:strCache>
+                <c:ptCount val="12"/>
+                <c:pt idx="0">
+                  <c:v>N/A - I never use this</c:v>
+                </c:pt>
+                <c:pt idx="1">
+                  <c:v>[2.5] Less than 5 minutes</c:v>
+                </c:pt>
+                <c:pt idx="2">
+                  <c:v>[9.5] 5-14 minutes</c:v>
+                </c:pt>
+                <c:pt idx="3">
+                  <c:v>[22] 15-29 minutes</c:v>
+                </c:pt>
+                <c:pt idx="4">
+                  <c:v>[44.5] 30-59 minutes</c:v>
+                </c:pt>
+                <c:pt idx="5">
+                  <c:v>[89.5] 60-119 minutes</c:v>
+                </c:pt>
+                <c:pt idx="6">
+                  <c:v>[150] 2 hours or more</c:v>
+                </c:pt>
+                <c:pt idx="7">
+                  <c:v>Don't know</c:v>
+                </c:pt>
+                <c:pt idx="8">
+                  <c:v>Average</c:v>
+                </c:pt>
+                <c:pt idx="9">
+                  <c:v>Median</c:v>
+                </c:pt>
+                <c:pt idx="10">
+                  <c:v>Standard deviation</c:v>
+                </c:pt>
+                <c:pt idx="11">
+                  <c:v>Return to index</c:v>
+                </c:pt>
+              </c:strCache>
+            </c:strRef>
+          </c:cat>
+          <c:val>
+            <c:numRef>
+              <c:f>Sheet1!$B$2:$B$13</c:f>
+              <c:numCache>
+                <c:formatCode>General</c:formatCode>
+                <c:ptCount val="12"/>
+                <c:pt idx="0">
+                  <c:v>0.4770444754239804</c:v>
+                </c:pt>
+                <c:pt idx="1">
+                  <c:v>0.06120389634708753</c:v>
+                </c:pt>
+                <c:pt idx="2">
+                  <c:v>0.08132092256606603</c:v>
+                </c:pt>
+                <c:pt idx="3">
+                  <c:v>0.10288283407286337</c:v>
+                </c:pt>
+                <c:pt idx="4">
+                  <c:v>0.10560587841757396</c:v>
+                </c:pt>
+                <c:pt idx="5">
+                  <c:v>0.07561168059166942</c:v>
+                </c:pt>
+                <c:pt idx="6">
+                  <c:v>0.06451342219789834</c:v>
+                </c:pt>
+                <c:pt idx="7">
+                  <c:v>0.03181689038286479</c:v>
+                </c:pt>
+                <c:pt idx="8">
+                  <c:v>49.5</c:v>
+                </c:pt>
+                <c:pt idx="9">
+                  <c:v>22.0</c:v>
+                </c:pt>
+                <c:pt idx="10">
+                  <c:v>47.7</c:v>
+                </c:pt>
+                <c:pt idx="11">
+                  <c:v>0.0</c:v>
+                </c:pt>
+              </c:numCache>
+            </c:numRef>
+          </c:val>
+        </c:ser>
+        <c:dLbls>
+          <c:numFmt formatCode="0.0" sourceLinked="0"/>
+          <c:txPr>
+            <a:bodyPr/>
+            <a:lstStyle/>
+            <a:p>
+              <a:pPr>
+                <a:defRPr sz="900"/>
+              </a:pPr>
+            </a:p>
+          </c:txPr>
+          <c:showLegendKey val="0"/>
+          <c:showVal val="1"/>
+          <c:showCatName val="0"/>
+          <c:showSerName val="0"/>
+          <c:showPercent val="0"/>
+          <c:showBubbleSize val="0"/>
+          <c:showLeaderLines val="1"/>
+        </c:dLbls>
+        <c:gapWidth val="50"/>
+        <c:axId val="-2068027336"/>
+        <c:axId val="-2113994440"/>
+      </c:barChart>
+      <c:catAx>
+        <c:axId val="-2068027336"/>
+        <c:scaling>
+          <c:orientation val="minMax"/>
+        </c:scaling>
+        <c:delete val="0"/>
+        <c:axPos val="l"/>
+        <c:majorTickMark val="out"/>
+        <c:minorTickMark val="none"/>
+        <c:tickLblPos val="nextTo"/>
+        <c:txPr>
+          <a:bodyPr/>
+          <a:lstStyle/>
+          <a:p>
+            <a:pPr>
+              <a:defRPr sz="1000"/>
+            </a:pPr>
+          </a:p>
+        </c:txPr>
+        <c:crossAx val="-2113994440"/>
+        <c:crosses val="autoZero"/>
+        <c:auto val="1"/>
+        <c:lblAlgn val="ctr"/>
+        <c:lblOffset val="100"/>
+        <c:noMultiLvlLbl val="0"/>
+      </c:catAx>
+      <c:valAx>
+        <c:axId val="-2113994440"/>
+        <c:scaling/>
+        <c:delete val="0"/>
+        <c:axPos val="b"/>
+        <c:majorTickMark val="out"/>
+        <c:minorTickMark val="none"/>
+        <c:tickLblPos val="nextTo"/>
+        <c:txPr>
+          <a:bodyPr/>
+          <a:lstStyle/>
+          <a:p>
+            <a:pPr>
+              <a:defRPr sz="1000"/>
+            </a:pPr>
+          </a:p>
+        </c:txPr>
+        <c:crossAx val="-2068027336"/>
+        <c:crosses val="autoZero"/>
+      </c:valAx>
+    </c:plotArea>
+    <c:dispBlanksAs val="gap"/>
+  </c:chart>
+  <c:txPr>
+    <a:bodyPr/>
+    <a:lstStyle/>
+    <a:p>
+      <a:pPr>
+        <a:defRPr sz="1800"/>
+      </a:pPr>
+      <a:endParaRPr lang="en-US"/>
+    </a:p>
+  </c:txPr>
+  <c:externalData r:id="rId1">
+    <c:autoUpdate val="0"/>
+  </c:externalData>
+</c:chartSpace>
+</file>
+
+<file path=ppt/charts/chart4.xml><?xml version="1.0" encoding="utf-8"?>
+<c:chartSpace xmlns:c="http://schemas.openxmlformats.org/drawingml/2006/chart" xmlns:a="http://schemas.openxmlformats.org/drawingml/2006/main" xmlns:r="http://schemas.openxmlformats.org/officeDocument/2006/relationships">
+  <c:date1904 val="0"/>
+  <c:chart>
+    <c:autoTitleDeleted val="0"/>
+    <c:plotArea>
+      <c:barChart>
+        <c:barDir val="bar"/>
+        <c:grouping val="clustered"/>
+        <c:ser>
+          <c:idx val="0"/>
+          <c:order val="0"/>
+          <c:tx>
+            <c:strRef>
+              <c:f>Sheet1!$B$1</c:f>
+              <c:strCache>
+                <c:ptCount val="1"/>
+                <c:pt idx="0">
+                  <c:v>Total</c:v>
+                </c:pt>
+              </c:strCache>
+            </c:strRef>
+          </c:tx>
+          <c:spPr>
+            <a:solidFill>
+              <a:srgbClr val="00BCF2"/>
+            </a:solidFill>
+          </c:spPr>
+          <c:cat>
+            <c:strRef>
+              <c:f>Sheet1!$A$2:$A$13</c:f>
+              <c:strCache>
+                <c:ptCount val="12"/>
+                <c:pt idx="0">
+                  <c:v>N/A - I never use this</c:v>
+                </c:pt>
+                <c:pt idx="1">
+                  <c:v>[2.5] Less than 5 minutes</c:v>
+                </c:pt>
+                <c:pt idx="2">
+                  <c:v>[9.5] 5-14 minutes</c:v>
+                </c:pt>
+                <c:pt idx="3">
+                  <c:v>[22] 15-29 minutes</c:v>
+                </c:pt>
+                <c:pt idx="4">
+                  <c:v>[44.5] 30-59 minutes</c:v>
+                </c:pt>
+                <c:pt idx="5">
+                  <c:v>[89.5] 60-119 minutes</c:v>
+                </c:pt>
+                <c:pt idx="6">
+                  <c:v>[150] 2 hours or more</c:v>
+                </c:pt>
+                <c:pt idx="7">
+                  <c:v>Don't know</c:v>
+                </c:pt>
+                <c:pt idx="8">
+                  <c:v>Average</c:v>
+                </c:pt>
+                <c:pt idx="9">
+                  <c:v>Median</c:v>
+                </c:pt>
+                <c:pt idx="10">
+                  <c:v>Standard deviation</c:v>
+                </c:pt>
+                <c:pt idx="11">
+                  <c:v>Return to index</c:v>
+                </c:pt>
+              </c:strCache>
+            </c:strRef>
+          </c:cat>
+          <c:val>
+            <c:numRef>
+              <c:f>Sheet1!$B$2:$B$13</c:f>
+              <c:numCache>
+                <c:formatCode>General</c:formatCode>
+                <c:ptCount val="12"/>
+                <c:pt idx="0">
+                  <c:v>0.04262134332058829</c:v>
+                </c:pt>
+                <c:pt idx="1">
+                  <c:v>0.2171787683282762</c:v>
+                </c:pt>
+                <c:pt idx="2">
+                  <c:v>0.27229898750516274</c:v>
+                </c:pt>
+                <c:pt idx="3">
+                  <c:v>0.15679213776742254</c:v>
+                </c:pt>
+                <c:pt idx="4">
+                  <c:v>0.13472377301326424</c:v>
+                </c:pt>
+                <c:pt idx="5">
+                  <c:v>0.0804190288893289</c:v>
+                </c:pt>
+                <c:pt idx="6">
+                  <c:v>0.07010388341973199</c:v>
+                </c:pt>
+                <c:pt idx="7">
+                  <c:v>0.025862077756224875</c:v>
+                </c:pt>
+                <c:pt idx="8">
+                  <c:v>32.5</c:v>
+                </c:pt>
+                <c:pt idx="9">
+                  <c:v>9.5</c:v>
+                </c:pt>
+                <c:pt idx="10">
+                  <c:v>41.5</c:v>
+                </c:pt>
+                <c:pt idx="11">
+                  <c:v>0.0</c:v>
+                </c:pt>
+              </c:numCache>
+            </c:numRef>
+          </c:val>
+        </c:ser>
+        <c:dLbls>
+          <c:numFmt formatCode="0.0" sourceLinked="0"/>
+          <c:txPr>
+            <a:bodyPr/>
+            <a:lstStyle/>
+            <a:p>
+              <a:pPr>
+                <a:defRPr sz="900"/>
+              </a:pPr>
+            </a:p>
+          </c:txPr>
+          <c:showLegendKey val="0"/>
+          <c:showVal val="1"/>
+          <c:showCatName val="0"/>
+          <c:showSerName val="0"/>
+          <c:showPercent val="0"/>
+          <c:showBubbleSize val="0"/>
+          <c:showLeaderLines val="1"/>
+        </c:dLbls>
+        <c:gapWidth val="50"/>
+        <c:axId val="-2068027336"/>
+        <c:axId val="-2113994440"/>
+      </c:barChart>
+      <c:catAx>
+        <c:axId val="-2068027336"/>
+        <c:scaling>
+          <c:orientation val="minMax"/>
+        </c:scaling>
+        <c:delete val="0"/>
+        <c:axPos val="l"/>
+        <c:majorTickMark val="out"/>
+        <c:minorTickMark val="none"/>
+        <c:tickLblPos val="nextTo"/>
+        <c:txPr>
+          <a:bodyPr/>
+          <a:lstStyle/>
+          <a:p>
+            <a:pPr>
+              <a:defRPr sz="1000"/>
+            </a:pPr>
+          </a:p>
+        </c:txPr>
+        <c:crossAx val="-2113994440"/>
+        <c:crosses val="autoZero"/>
+        <c:auto val="1"/>
+        <c:lblAlgn val="ctr"/>
+        <c:lblOffset val="100"/>
+        <c:noMultiLvlLbl val="0"/>
+      </c:catAx>
+      <c:valAx>
+        <c:axId val="-2113994440"/>
+        <c:scaling/>
+        <c:delete val="0"/>
+        <c:axPos val="b"/>
+        <c:majorTickMark val="out"/>
+        <c:minorTickMark val="none"/>
+        <c:tickLblPos val="nextTo"/>
+        <c:txPr>
+          <a:bodyPr/>
+          <a:lstStyle/>
+          <a:p>
+            <a:pPr>
+              <a:defRPr sz="1000"/>
+            </a:pPr>
+          </a:p>
+        </c:txPr>
+        <c:crossAx val="-2068027336"/>
+        <c:crosses val="autoZero"/>
+      </c:valAx>
+    </c:plotArea>
+    <c:dispBlanksAs val="gap"/>
+  </c:chart>
+  <c:txPr>
+    <a:bodyPr/>
+    <a:lstStyle/>
+    <a:p>
+      <a:pPr>
+        <a:defRPr sz="1800"/>
+      </a:pPr>
+      <a:endParaRPr lang="en-US"/>
+    </a:p>
+  </c:txPr>
+  <c:externalData r:id="rId1">
+    <c:autoUpdate val="0"/>
+  </c:externalData>
+</c:chartSpace>
+</file>
+
+<file path=ppt/charts/chart5.xml><?xml version="1.0" encoding="utf-8"?>
+<c:chartSpace xmlns:c="http://schemas.openxmlformats.org/drawingml/2006/chart" xmlns:a="http://schemas.openxmlformats.org/drawingml/2006/main" xmlns:r="http://schemas.openxmlformats.org/officeDocument/2006/relationships">
+  <c:date1904 val="0"/>
+  <c:chart>
+    <c:autoTitleDeleted val="0"/>
+    <c:plotArea>
+      <c:barChart>
+        <c:barDir val="bar"/>
+        <c:grouping val="clustered"/>
+        <c:ser>
+          <c:idx val="0"/>
+          <c:order val="0"/>
+          <c:tx>
+            <c:strRef>
+              <c:f>Sheet1!$B$1</c:f>
+              <c:strCache>
+                <c:ptCount val="1"/>
+                <c:pt idx="0">
+                  <c:v>Total</c:v>
+                </c:pt>
+              </c:strCache>
+            </c:strRef>
+          </c:tx>
+          <c:spPr>
+            <a:solidFill>
+              <a:srgbClr val="00BCF2"/>
+            </a:solidFill>
+          </c:spPr>
+          <c:cat>
+            <c:strRef>
+              <c:f>Sheet1!$A$2:$A$13</c:f>
+              <c:strCache>
+                <c:ptCount val="12"/>
+                <c:pt idx="0">
+                  <c:v>[0] Never</c:v>
+                </c:pt>
+                <c:pt idx="1">
+                  <c:v>[0.5] Less than once a day</c:v>
+                </c:pt>
+                <c:pt idx="2">
+                  <c:v>[1] 1</c:v>
+                </c:pt>
+                <c:pt idx="3">
+                  <c:v>[2] 2</c:v>
+                </c:pt>
+                <c:pt idx="4">
+                  <c:v>[3] 3</c:v>
+                </c:pt>
+                <c:pt idx="5">
+                  <c:v>[4] 4</c:v>
+                </c:pt>
+                <c:pt idx="6">
+                  <c:v>[5] 5+</c:v>
+                </c:pt>
+                <c:pt idx="7">
+                  <c:v>Not sure</c:v>
+                </c:pt>
+                <c:pt idx="8">
+                  <c:v>Average</c:v>
+                </c:pt>
+                <c:pt idx="9">
+                  <c:v>Median</c:v>
+                </c:pt>
+                <c:pt idx="10">
+                  <c:v>Standard deviation</c:v>
+                </c:pt>
+                <c:pt idx="11">
+                  <c:v>Return to index</c:v>
+                </c:pt>
+              </c:strCache>
+            </c:strRef>
+          </c:cat>
+          <c:val>
+            <c:numRef>
+              <c:f>Sheet1!$B$2:$B$13</c:f>
+              <c:numCache>
+                <c:formatCode>General</c:formatCode>
+                <c:ptCount val="12"/>
+                <c:pt idx="0">
+                  <c:v>0.022604919883521726</c:v>
+                </c:pt>
+                <c:pt idx="1">
+                  <c:v>0.10304095953067682</c:v>
+                </c:pt>
+                <c:pt idx="2">
+                  <c:v>0.09183802420783765</c:v>
+                </c:pt>
+                <c:pt idx="3">
+                  <c:v>0.23916910591312085</c:v>
+                </c:pt>
+                <c:pt idx="4">
+                  <c:v>0.24419929871228568</c:v>
+                </c:pt>
+                <c:pt idx="5">
+                  <c:v>0.08678275774189437</c:v>
+                </c:pt>
+                <c:pt idx="6">
+                  <c:v>0.1794726582477865</c:v>
+                </c:pt>
+                <c:pt idx="7">
+                  <c:v>0.03289227576287602</c:v>
+                </c:pt>
+                <c:pt idx="8">
+                  <c:v>2.7</c:v>
+                </c:pt>
+                <c:pt idx="9">
+                  <c:v>3.0</c:v>
+                </c:pt>
+                <c:pt idx="10">
+                  <c:v>1.5</c:v>
+                </c:pt>
+                <c:pt idx="11">
+                  <c:v>0.0</c:v>
+                </c:pt>
+              </c:numCache>
+            </c:numRef>
+          </c:val>
+        </c:ser>
+        <c:dLbls>
+          <c:numFmt formatCode="0.0" sourceLinked="0"/>
+          <c:txPr>
+            <a:bodyPr/>
+            <a:lstStyle/>
+            <a:p>
+              <a:pPr>
+                <a:defRPr sz="900"/>
+              </a:pPr>
+            </a:p>
+          </c:txPr>
+          <c:showLegendKey val="0"/>
+          <c:showVal val="1"/>
+          <c:showCatName val="0"/>
+          <c:showSerName val="0"/>
+          <c:showPercent val="0"/>
+          <c:showBubbleSize val="0"/>
+          <c:showLeaderLines val="1"/>
+        </c:dLbls>
+        <c:gapWidth val="50"/>
+        <c:axId val="-2068027336"/>
+        <c:axId val="-2113994440"/>
+      </c:barChart>
+      <c:catAx>
+        <c:axId val="-2068027336"/>
+        <c:scaling>
+          <c:orientation val="minMax"/>
+        </c:scaling>
+        <c:delete val="0"/>
+        <c:axPos val="l"/>
+        <c:majorTickMark val="out"/>
+        <c:minorTickMark val="none"/>
+        <c:tickLblPos val="nextTo"/>
+        <c:txPr>
+          <a:bodyPr/>
+          <a:lstStyle/>
+          <a:p>
+            <a:pPr>
+              <a:defRPr sz="1000"/>
+            </a:pPr>
+          </a:p>
+        </c:txPr>
+        <c:crossAx val="-2113994440"/>
+        <c:crosses val="autoZero"/>
+        <c:auto val="1"/>
+        <c:lblAlgn val="ctr"/>
+        <c:lblOffset val="100"/>
+        <c:noMultiLvlLbl val="0"/>
+      </c:catAx>
+      <c:valAx>
+        <c:axId val="-2113994440"/>
+        <c:scaling/>
+        <c:delete val="0"/>
+        <c:axPos val="b"/>
+        <c:majorTickMark val="out"/>
+        <c:minorTickMark val="none"/>
+        <c:tickLblPos val="nextTo"/>
+        <c:txPr>
+          <a:bodyPr/>
+          <a:lstStyle/>
+          <a:p>
+            <a:pPr>
+              <a:defRPr sz="1000"/>
+            </a:pPr>
+          </a:p>
+        </c:txPr>
+        <c:crossAx val="-2068027336"/>
+        <c:crosses val="autoZero"/>
+      </c:valAx>
+    </c:plotArea>
+    <c:dispBlanksAs val="gap"/>
+  </c:chart>
+  <c:txPr>
+    <a:bodyPr/>
+    <a:lstStyle/>
+    <a:p>
+      <a:pPr>
+        <a:defRPr sz="1800"/>
+      </a:pPr>
+      <a:endParaRPr lang="en-US"/>
+    </a:p>
+  </c:txPr>
+  <c:externalData r:id="rId1">
+    <c:autoUpdate val="0"/>
+  </c:externalData>
+</c:chartSpace>
+</file>
+
+<file path=ppt/charts/chart6.xml><?xml version="1.0" encoding="utf-8"?>
+<c:chartSpace xmlns:c="http://schemas.openxmlformats.org/drawingml/2006/chart" xmlns:a="http://schemas.openxmlformats.org/drawingml/2006/main" xmlns:r="http://schemas.openxmlformats.org/officeDocument/2006/relationships">
+  <c:date1904 val="0"/>
+  <c:chart>
+    <c:autoTitleDeleted val="0"/>
+    <c:plotArea>
+      <c:barChart>
+        <c:barDir val="bar"/>
+        <c:grouping val="clustered"/>
+        <c:ser>
+          <c:idx val="0"/>
+          <c:order val="0"/>
+          <c:tx>
+            <c:strRef>
+              <c:f>Sheet1!$B$1</c:f>
+              <c:strCache>
+                <c:ptCount val="1"/>
+                <c:pt idx="0">
+                  <c:v>Total</c:v>
+                </c:pt>
+              </c:strCache>
+            </c:strRef>
+          </c:tx>
+          <c:spPr>
+            <a:solidFill>
+              <a:srgbClr val="00BCF2"/>
+            </a:solidFill>
+          </c:spPr>
+          <c:cat>
+            <c:strRef>
+              <c:f>Sheet1!$A$2:$A$8</c:f>
+              <c:strCache>
+                <c:ptCount val="7"/>
+                <c:pt idx="0">
+                  <c:v>Yes - I sometimes use mobile data</c:v>
+                </c:pt>
+                <c:pt idx="1">
+                  <c:v>Yes - I mainly use mobile data</c:v>
+                </c:pt>
+                <c:pt idx="2">
+                  <c:v>Yes - I have used mobile data but don't do so often</c:v>
+                </c:pt>
+                <c:pt idx="3">
+                  <c:v>No</c:v>
+                </c:pt>
+                <c:pt idx="4">
+                  <c:v>Not sure</c:v>
+                </c:pt>
+                <c:pt idx="5">
+                  <c:v>NET: Yes</c:v>
+                </c:pt>
+                <c:pt idx="6">
+                  <c:v>Return to index</c:v>
+                </c:pt>
+              </c:strCache>
+            </c:strRef>
+          </c:cat>
+          <c:val>
+            <c:numRef>
+              <c:f>Sheet1!$B$2:$B$8</c:f>
+              <c:numCache>
+                <c:formatCode>General</c:formatCode>
+                <c:ptCount val="7"/>
+                <c:pt idx="0">
+                  <c:v>0.39198413818043454</c:v>
+                </c:pt>
+                <c:pt idx="1">
+                  <c:v>0.2741721441090684</c:v>
+                </c:pt>
+                <c:pt idx="2">
+                  <c:v>0.2224429951160919</c:v>
+                </c:pt>
+                <c:pt idx="3">
+                  <c:v>0.08549396239855078</c:v>
+                </c:pt>
+                <c:pt idx="4">
+                  <c:v>0.0259067601958537</c:v>
+                </c:pt>
+                <c:pt idx="5">
+                  <c:v>0.8885992774055954</c:v>
+                </c:pt>
+                <c:pt idx="6">
+                  <c:v>0.0</c:v>
+                </c:pt>
+              </c:numCache>
+            </c:numRef>
+          </c:val>
+        </c:ser>
+        <c:dLbls>
+          <c:numFmt formatCode="0.0" sourceLinked="0"/>
+          <c:txPr>
+            <a:bodyPr/>
+            <a:lstStyle/>
+            <a:p>
+              <a:pPr>
+                <a:defRPr sz="900"/>
+              </a:pPr>
+            </a:p>
+          </c:txPr>
+          <c:showLegendKey val="0"/>
+          <c:showVal val="1"/>
+          <c:showCatName val="0"/>
+          <c:showSerName val="0"/>
+          <c:showPercent val="0"/>
+          <c:showBubbleSize val="0"/>
+          <c:showLeaderLines val="1"/>
+        </c:dLbls>
+        <c:gapWidth val="50"/>
+        <c:axId val="-2068027336"/>
+        <c:axId val="-2113994440"/>
+      </c:barChart>
+      <c:catAx>
+        <c:axId val="-2068027336"/>
+        <c:scaling>
+          <c:orientation val="minMax"/>
+        </c:scaling>
+        <c:delete val="0"/>
+        <c:axPos val="l"/>
+        <c:majorTickMark val="out"/>
+        <c:minorTickMark val="none"/>
+        <c:tickLblPos val="nextTo"/>
+        <c:txPr>
+          <a:bodyPr/>
+          <a:lstStyle/>
+          <a:p>
+            <a:pPr>
+              <a:defRPr sz="1000"/>
+            </a:pPr>
+          </a:p>
+        </c:txPr>
+        <c:crossAx val="-2113994440"/>
+        <c:crosses val="autoZero"/>
+        <c:auto val="1"/>
+        <c:lblAlgn val="ctr"/>
+        <c:lblOffset val="100"/>
+        <c:noMultiLvlLbl val="0"/>
+      </c:catAx>
+      <c:valAx>
+        <c:axId val="-2113994440"/>
+        <c:scaling/>
+        <c:delete val="0"/>
+        <c:axPos val="b"/>
+        <c:majorTickMark val="out"/>
+        <c:minorTickMark val="none"/>
+        <c:tickLblPos val="nextTo"/>
+        <c:txPr>
+          <a:bodyPr/>
+          <a:lstStyle/>
+          <a:p>
+            <a:pPr>
+              <a:defRPr sz="1000"/>
+            </a:pPr>
+          </a:p>
+        </c:txPr>
+        <c:crossAx val="-2068027336"/>
+        <c:crosses val="autoZero"/>
+      </c:valAx>
+    </c:plotArea>
+    <c:dispBlanksAs val="gap"/>
+  </c:chart>
+  <c:txPr>
+    <a:bodyPr/>
+    <a:lstStyle/>
+    <a:p>
+      <a:pPr>
+        <a:defRPr sz="1800"/>
+      </a:pPr>
+      <a:endParaRPr lang="en-US"/>
+    </a:p>
+  </c:txPr>
+  <c:externalData r:id="rId1">
+    <c:autoUpdate val="0"/>
+  </c:externalData>
+</c:chartSpace>
+</file>
+
+<file path=ppt/charts/chart7.xml><?xml version="1.0" encoding="utf-8"?>
+<c:chartSpace xmlns:c="http://schemas.openxmlformats.org/drawingml/2006/chart" xmlns:a="http://schemas.openxmlformats.org/drawingml/2006/main" xmlns:r="http://schemas.openxmlformats.org/officeDocument/2006/relationships">
+  <c:date1904 val="0"/>
+  <c:chart>
+    <c:autoTitleDeleted val="0"/>
+    <c:plotArea>
+      <c:barChart>
+        <c:barDir val="bar"/>
+        <c:grouping val="clustered"/>
+        <c:ser>
+          <c:idx val="0"/>
+          <c:order val="0"/>
+          <c:tx>
+            <c:strRef>
+              <c:f>Sheet1!$B$1</c:f>
+              <c:strCache>
+                <c:ptCount val="1"/>
+                <c:pt idx="0">
+                  <c:v>Total</c:v>
+                </c:pt>
+              </c:strCache>
+            </c:strRef>
+          </c:tx>
+          <c:spPr>
+            <a:solidFill>
+              <a:srgbClr val="00BCF2"/>
+            </a:solidFill>
+          </c:spPr>
+          <c:cat>
+            <c:strRef>
+              <c:f>Sheet1!$A$2:$A$13</c:f>
+              <c:strCache>
+                <c:ptCount val="12"/>
+                <c:pt idx="0">
+                  <c:v>At work</c:v>
+                </c:pt>
+                <c:pt idx="1">
+                  <c:v>At the gym</c:v>
+                </c:pt>
+                <c:pt idx="2">
+                  <c:v>At the pub</c:v>
+                </c:pt>
+                <c:pt idx="3">
+                  <c:v>On a holiday in the UK</c:v>
+                </c:pt>
+                <c:pt idx="4">
+                  <c:v>On a holiday abroad</c:v>
+                </c:pt>
+                <c:pt idx="5">
+                  <c:v>In the house/while in the same home as my pet</c:v>
+                </c:pt>
+                <c:pt idx="6">
+                  <c:v>On a date</c:v>
+                </c:pt>
+                <c:pt idx="7">
+                  <c:v>At a wedding</c:v>
+                </c:pt>
+                <c:pt idx="8">
+                  <c:v>At a gig</c:v>
+                </c:pt>
+                <c:pt idx="9">
+                  <c:v>None of these</c:v>
+                </c:pt>
+                <c:pt idx="10">
+                  <c:v>Not sure</c:v>
+                </c:pt>
+                <c:pt idx="11">
+                  <c:v>Return to index</c:v>
+                </c:pt>
+              </c:strCache>
+            </c:strRef>
+          </c:cat>
+          <c:val>
+            <c:numRef>
+              <c:f>Sheet1!$B$2:$B$13</c:f>
+              <c:numCache>
+                <c:formatCode>General</c:formatCode>
+                <c:ptCount val="12"/>
+                <c:pt idx="0">
+                  <c:v>0.590828826169663</c:v>
+                </c:pt>
+                <c:pt idx="1">
+                  <c:v>0.3579339037084786</c:v>
+                </c:pt>
+                <c:pt idx="2">
+                  <c:v>0.29062190437114777</c:v>
+                </c:pt>
+                <c:pt idx="3">
+                  <c:v>0.289134711590164</c:v>
+                </c:pt>
+                <c:pt idx="4">
+                  <c:v>0.2839098360687471</c:v>
+                </c:pt>
+                <c:pt idx="5">
+                  <c:v>0.24211201499826945</c:v>
+                </c:pt>
+                <c:pt idx="6">
+                  <c:v>0.16307655993847855</c:v>
+                </c:pt>
+                <c:pt idx="7">
+                  <c:v>0.14831151842032844</c:v>
+                </c:pt>
+                <c:pt idx="8">
+                  <c:v>0.1021506036210409</c:v>
+                </c:pt>
+                <c:pt idx="9">
+                  <c:v>0.019924589679837</c:v>
+                </c:pt>
+                <c:pt idx="10">
+                  <c:v>0.020856044640382588</c:v>
+                </c:pt>
+                <c:pt idx="11">
+                  <c:v>0.0</c:v>
+                </c:pt>
+              </c:numCache>
+            </c:numRef>
+          </c:val>
+        </c:ser>
+        <c:dLbls>
+          <c:numFmt formatCode="0.0" sourceLinked="0"/>
+          <c:txPr>
+            <a:bodyPr/>
+            <a:lstStyle/>
+            <a:p>
+              <a:pPr>
+                <a:defRPr sz="900"/>
+              </a:pPr>
+            </a:p>
+          </c:txPr>
+          <c:showLegendKey val="0"/>
+          <c:showVal val="1"/>
+          <c:showCatName val="0"/>
+          <c:showSerName val="0"/>
+          <c:showPercent val="0"/>
+          <c:showBubbleSize val="0"/>
+          <c:showLeaderLines val="1"/>
+        </c:dLbls>
+        <c:gapWidth val="50"/>
+        <c:axId val="-2068027336"/>
+        <c:axId val="-2113994440"/>
+      </c:barChart>
+      <c:catAx>
+        <c:axId val="-2068027336"/>
+        <c:scaling>
+          <c:orientation val="minMax"/>
+        </c:scaling>
+        <c:delete val="0"/>
+        <c:axPos val="l"/>
+        <c:majorTickMark val="out"/>
+        <c:minorTickMark val="none"/>
+        <c:tickLblPos val="nextTo"/>
+        <c:txPr>
+          <a:bodyPr/>
+          <a:lstStyle/>
+          <a:p>
+            <a:pPr>
+              <a:defRPr sz="1000"/>
+            </a:pPr>
+          </a:p>
+        </c:txPr>
+        <c:crossAx val="-2113994440"/>
+        <c:crosses val="autoZero"/>
+        <c:auto val="1"/>
+        <c:lblAlgn val="ctr"/>
+        <c:lblOffset val="100"/>
+        <c:noMultiLvlLbl val="0"/>
+      </c:catAx>
+      <c:valAx>
+        <c:axId val="-2113994440"/>
+        <c:scaling/>
+        <c:delete val="0"/>
+        <c:axPos val="b"/>
+        <c:majorTickMark val="out"/>
+        <c:minorTickMark val="none"/>
+        <c:tickLblPos val="nextTo"/>
+        <c:txPr>
+          <a:bodyPr/>
+          <a:lstStyle/>
+          <a:p>
+            <a:pPr>
+              <a:defRPr sz="1000"/>
+            </a:pPr>
+          </a:p>
+        </c:txPr>
+        <c:crossAx val="-2068027336"/>
+        <c:crosses val="autoZero"/>
+      </c:valAx>
+    </c:plotArea>
+    <c:dispBlanksAs val="gap"/>
+  </c:chart>
+  <c:txPr>
+    <a:bodyPr/>
+    <a:lstStyle/>
+    <a:p>
+      <a:pPr>
+        <a:defRPr sz="1800"/>
+      </a:pPr>
+      <a:endParaRPr lang="en-US"/>
+    </a:p>
+  </c:txPr>
+  <c:externalData r:id="rId1">
+    <c:autoUpdate val="0"/>
+  </c:externalData>
+</c:chartSpace>
+</file>
+
+<file path=ppt/charts/chart8.xml><?xml version="1.0" encoding="utf-8"?>
+<c:chartSpace xmlns:c="http://schemas.openxmlformats.org/drawingml/2006/chart" xmlns:a="http://schemas.openxmlformats.org/drawingml/2006/main" xmlns:r="http://schemas.openxmlformats.org/officeDocument/2006/relationships">
+  <c:date1904 val="0"/>
+  <c:chart>
+    <c:autoTitleDeleted val="0"/>
+    <c:plotArea>
+      <c:barChart>
+        <c:barDir val="bar"/>
+        <c:grouping val="clustered"/>
+        <c:ser>
+          <c:idx val="0"/>
+          <c:order val="0"/>
+          <c:tx>
+            <c:strRef>
+              <c:f>Sheet1!$B$1</c:f>
+              <c:strCache>
+                <c:ptCount val="1"/>
+                <c:pt idx="0">
+                  <c:v>Total</c:v>
+                </c:pt>
+              </c:strCache>
+            </c:strRef>
+          </c:tx>
+          <c:spPr>
+            <a:solidFill>
+              <a:srgbClr val="00BCF2"/>
+            </a:solidFill>
+          </c:spPr>
+          <c:cat>
+            <c:strRef>
+              <c:f>Sheet1!$A$2:$A$11</c:f>
+              <c:strCache>
+                <c:ptCount val="10"/>
+                <c:pt idx="0">
+                  <c:v>Sleeping in a strange position</c:v>
+                </c:pt>
+                <c:pt idx="1">
+                  <c:v>Destroying something</c:v>
+                </c:pt>
+                <c:pt idx="2">
+                  <c:v>Watching TV</c:v>
+                </c:pt>
+                <c:pt idx="3">
+                  <c:v>Making unusual sounds</c:v>
+                </c:pt>
+                <c:pt idx="4">
+                  <c:v>Playing with another pet</c:v>
+                </c:pt>
+                <c:pt idx="5">
+                  <c:v>Eating something they shouldn't</c:v>
+                </c:pt>
+                <c:pt idx="6">
+                  <c:v>Trying to escape</c:v>
+                </c:pt>
+                <c:pt idx="7">
+                  <c:v>Other (please specify)</c:v>
+                </c:pt>
+                <c:pt idx="8">
+                  <c:v>N/A - I have never seen my pet do something funny when checking in</c:v>
+                </c:pt>
+                <c:pt idx="9">
+                  <c:v>Return to index</c:v>
+                </c:pt>
+              </c:strCache>
+            </c:strRef>
+          </c:cat>
+          <c:val>
+            <c:numRef>
+              <c:f>Sheet1!$B$2:$B$11</c:f>
+              <c:numCache>
+                <c:formatCode>General</c:formatCode>
+                <c:ptCount val="10"/>
+                <c:pt idx="0">
+                  <c:v>0.4366749790961682</c:v>
+                </c:pt>
+                <c:pt idx="1">
+                  <c:v>0.2879768771976815</c:v>
+                </c:pt>
+                <c:pt idx="2">
+                  <c:v>0.2865258904708444</c:v>
+                </c:pt>
+                <c:pt idx="3">
+                  <c:v>0.26326465041051106</c:v>
+                </c:pt>
+                <c:pt idx="4">
+                  <c:v>0.2620434288970024</c:v>
+                </c:pt>
+                <c:pt idx="5">
+                  <c:v>0.2454175268267626</c:v>
+                </c:pt>
+                <c:pt idx="6">
+                  <c:v>0.1765818758305984</c:v>
+                </c:pt>
+                <c:pt idx="7">
+                  <c:v>0.005357516829405221</c:v>
+                </c:pt>
+                <c:pt idx="8">
+                  <c:v>0.11113677050775701</c:v>
+                </c:pt>
+                <c:pt idx="9">
+                  <c:v>0.0</c:v>
+                </c:pt>
+              </c:numCache>
+            </c:numRef>
+          </c:val>
+        </c:ser>
+        <c:dLbls>
+          <c:numFmt formatCode="0.0" sourceLinked="0"/>
+          <c:txPr>
+            <a:bodyPr/>
+            <a:lstStyle/>
+            <a:p>
+              <a:pPr>
+                <a:defRPr sz="900"/>
+              </a:pPr>
+            </a:p>
+          </c:txPr>
+          <c:showLegendKey val="0"/>
+          <c:showVal val="1"/>
+          <c:showCatName val="0"/>
+          <c:showSerName val="0"/>
+          <c:showPercent val="0"/>
+          <c:showBubbleSize val="0"/>
+          <c:showLeaderLines val="1"/>
+        </c:dLbls>
+        <c:gapWidth val="50"/>
+        <c:axId val="-2068027336"/>
+        <c:axId val="-2113994440"/>
+      </c:barChart>
+      <c:catAx>
+        <c:axId val="-2068027336"/>
+        <c:scaling>
+          <c:orientation val="minMax"/>
+        </c:scaling>
+        <c:delete val="0"/>
+        <c:axPos val="l"/>
+        <c:majorTickMark val="out"/>
+        <c:minorTickMark val="none"/>
+        <c:tickLblPos val="nextTo"/>
+        <c:txPr>
+          <a:bodyPr/>
+          <a:lstStyle/>
+          <a:p>
+            <a:pPr>
+              <a:defRPr sz="1000"/>
+            </a:pPr>
+          </a:p>
+        </c:txPr>
+        <c:crossAx val="-2113994440"/>
+        <c:crosses val="autoZero"/>
+        <c:auto val="1"/>
+        <c:lblAlgn val="ctr"/>
+        <c:lblOffset val="100"/>
+        <c:noMultiLvlLbl val="0"/>
+      </c:catAx>
+      <c:valAx>
+        <c:axId val="-2113994440"/>
+        <c:scaling/>
+        <c:delete val="0"/>
+        <c:axPos val="b"/>
+        <c:majorTickMark val="out"/>
+        <c:minorTickMark val="none"/>
+        <c:tickLblPos val="nextTo"/>
+        <c:txPr>
+          <a:bodyPr/>
+          <a:lstStyle/>
+          <a:p>
+            <a:pPr>
+              <a:defRPr sz="1000"/>
+            </a:pPr>
+          </a:p>
+        </c:txPr>
+        <c:crossAx val="-2068027336"/>
+        <c:crosses val="autoZero"/>
+      </c:valAx>
+    </c:plotArea>
+    <c:dispBlanksAs val="gap"/>
+  </c:chart>
+  <c:txPr>
+    <a:bodyPr/>
+    <a:lstStyle/>
+    <a:p>
+      <a:pPr>
+        <a:defRPr sz="1800"/>
+      </a:pPr>
+      <a:endParaRPr lang="en-US"/>
+    </a:p>
+  </c:txPr>
+  <c:externalData r:id="rId1">
+    <c:autoUpdate val="0"/>
+  </c:externalData>
+</c:chartSpace>
+</file>
+
+<file path=ppt/charts/chart9.xml><?xml version="1.0" encoding="utf-8"?>
+<c:chartSpace xmlns:c="http://schemas.openxmlformats.org/drawingml/2006/chart" xmlns:a="http://schemas.openxmlformats.org/drawingml/2006/main" xmlns:r="http://schemas.openxmlformats.org/officeDocument/2006/relationships">
+  <c:date1904 val="0"/>
+  <c:chart>
+    <c:autoTitleDeleted val="0"/>
+    <c:plotArea>
+      <c:barChart>
+        <c:barDir val="bar"/>
+        <c:grouping val="clustered"/>
+        <c:ser>
+          <c:idx val="0"/>
+          <c:order val="0"/>
+          <c:tx>
+            <c:strRef>
+              <c:f>Sheet1!$B$1</c:f>
+              <c:strCache>
+                <c:ptCount val="1"/>
+                <c:pt idx="0">
+                  <c:v>Total</c:v>
+                </c:pt>
+              </c:strCache>
+            </c:strRef>
+          </c:tx>
+          <c:spPr>
+            <a:solidFill>
+              <a:srgbClr val="00BCF2"/>
+            </a:solidFill>
+          </c:spPr>
+          <c:cat>
+            <c:strRef>
+              <c:f>Sheet1!$A$2:$A$15</c:f>
+              <c:strCache>
+                <c:ptCount val="14"/>
                 <c:pt idx="0">
                   <c:v>[0.02] 2-3 times a week</c:v>
                 </c:pt>
@@ -1050,44 +2633,47 @@
                 <c:pt idx="12">
                   <c:v>Standard deviation</c:v>
                 </c:pt>
+                <c:pt idx="13">
+                  <c:v>Return to index</c:v>
+                </c:pt>
               </c:strCache>
             </c:strRef>
           </c:cat>
           <c:val>
             <c:numRef>
-              <c:f>Sheet1!$B$2:$B$14</c:f>
+              <c:f>Sheet1!$B$2:$B$15</c:f>
               <c:numCache>
                 <c:formatCode>General</c:formatCode>
-                <c:ptCount val="13"/>
+                <c:ptCount val="14"/>
                 <c:pt idx="0">
-                  <c:v>0.20652509612517489</c:v>
+                  <c:v>0.2065250961251749</c:v>
                 </c:pt>
                 <c:pt idx="1">
                   <c:v>0.16109764893878464</c:v>
                 </c:pt>
                 <c:pt idx="2">
-                  <c:v>0.15788648273245309</c:v>
+                  <c:v>0.1578864827324531</c:v>
                 </c:pt>
                 <c:pt idx="3">
                   <c:v>0.14686137858735196</c:v>
                 </c:pt>
                 <c:pt idx="4">
-                  <c:v>9.6918225467933647E-2</c:v>
+                  <c:v>0.09691822546793365</c:v>
                 </c:pt>
                 <c:pt idx="5">
-                  <c:v>8.1760874310213047E-2</c:v>
+                  <c:v>0.08176087431021305</c:v>
                 </c:pt>
                 <c:pt idx="6">
-                  <c:v>2.2443562530774518E-2</c:v>
+                  <c:v>0.02244356253077452</c:v>
                 </c:pt>
                 <c:pt idx="7">
-                  <c:v>2.1592824783719267E-2</c:v>
+                  <c:v>0.021592824783719267</c:v>
                 </c:pt>
                 <c:pt idx="8">
-                  <c:v>5.4671412825654714E-2</c:v>
+                  <c:v>0.054671412825654714</c:v>
                 </c:pt>
                 <c:pt idx="9">
-                  <c:v>5.0242493697939893E-2</c:v>
+                  <c:v>0.05024249369793989</c:v>
                 </c:pt>
                 <c:pt idx="10">
                   <c:v>0.1</c:v>
@@ -1098,33 +2684,33 @@
                 <c:pt idx="12">
                   <c:v>0.2</c:v>
                 </c:pt>
+                <c:pt idx="13">
+                  <c:v>0.0</c:v>
+                </c:pt>
               </c:numCache>
             </c:numRef>
           </c:val>
-          <c:extLst>
-            <c:ext xmlns:c14="http://schemas.microsoft.com/office/drawing/2007/8/2/chart" uri="{6F2FDCE9-48DA-4B69-8628-5D25D57E5C99}">
-              <c14:invertSolidFillFmt>
-                <c14:spPr xmlns:c14="http://schemas.microsoft.com/office/drawing/2007/8/2/chart">
-                  <a:solidFill>
-                    <a:srgbClr val="FFFFFF"/>
-                  </a:solidFill>
-                </c14:spPr>
-              </c14:invertSolidFillFmt>
-            </c:ext>
-            <c:ext xmlns:c16="http://schemas.microsoft.com/office/drawing/2014/chart" uri="{C3380CC4-5D6E-409C-BE32-E72D297353CC}">
-              <c16:uniqueId val="{00000000-CEE4-4C5D-9DDE-4EBB7CB45F18}"/>
-            </c:ext>
-          </c:extLst>
         </c:ser>
         <c:dLbls>
+          <c:numFmt formatCode="0.0" sourceLinked="0"/>
+          <c:txPr>
+            <a:bodyPr/>
+            <a:lstStyle/>
+            <a:p>
+              <a:pPr>
+                <a:defRPr sz="900"/>
+              </a:pPr>
+            </a:p>
+          </c:txPr>
           <c:showLegendKey val="0"/>
           <c:showVal val="1"/>
           <c:showCatName val="0"/>
           <c:showSerName val="0"/>
           <c:showPercent val="0"/>
           <c:showBubbleSize val="0"/>
+          <c:showLeaderLines val="1"/>
         </c:dLbls>
-        <c:gapWidth val="150"/>
+        <c:gapWidth val="50"/>
         <c:axId val="-2068027336"/>
         <c:axId val="-2113994440"/>
       </c:barChart>
@@ -1134,8 +2720,7 @@
           <c:orientation val="minMax"/>
         </c:scaling>
         <c:delete val="0"/>
-        <c:axPos val="b"/>
-        <c:numFmt formatCode="General" sourceLinked="0"/>
+        <c:axPos val="l"/>
         <c:majorTickMark val="out"/>
         <c:minorTickMark val="none"/>
         <c:tickLblPos val="nextTo"/>
@@ -1146,7 +2731,6 @@
             <a:pPr>
               <a:defRPr sz="1000"/>
             </a:pPr>
-            <a:endParaRPr lang="en-US"/>
           </a:p>
         </c:txPr>
         <c:crossAx val="-2113994440"/>
@@ -1158,12 +2742,9 @@
       </c:catAx>
       <c:valAx>
         <c:axId val="-2113994440"/>
-        <c:scaling>
-          <c:orientation val="minMax"/>
-        </c:scaling>
+        <c:scaling/>
         <c:delete val="0"/>
-        <c:axPos val="l"/>
-        <c:numFmt formatCode="General" sourceLinked="1"/>
+        <c:axPos val="b"/>
         <c:majorTickMark val="out"/>
         <c:minorTickMark val="none"/>
         <c:tickLblPos val="nextTo"/>
@@ -1174,2076 +2755,13 @@
             <a:pPr>
               <a:defRPr sz="1000"/>
             </a:pPr>
-            <a:endParaRPr lang="en-US"/>
           </a:p>
         </c:txPr>
         <c:crossAx val="-2068027336"/>
         <c:crosses val="autoZero"/>
-        <c:crossBetween val="between"/>
       </c:valAx>
     </c:plotArea>
-    <c:plotVisOnly val="1"/>
     <c:dispBlanksAs val="gap"/>
-    <c:showDLblsOverMax val="1"/>
-  </c:chart>
-  <c:txPr>
-    <a:bodyPr/>
-    <a:lstStyle/>
-    <a:p>
-      <a:pPr>
-        <a:defRPr sz="1800"/>
-      </a:pPr>
-      <a:endParaRPr lang="en-US"/>
-    </a:p>
-  </c:txPr>
-  <c:externalData r:id="rId1">
-    <c:autoUpdate val="0"/>
-  </c:externalData>
-</c:chartSpace>
-</file>
-
-<file path=ppt/charts/chart2.xml><?xml version="1.0" encoding="utf-8"?>
-<c:chartSpace xmlns:c="http://schemas.openxmlformats.org/drawingml/2006/chart" xmlns:a="http://schemas.openxmlformats.org/drawingml/2006/main" xmlns:r="http://schemas.openxmlformats.org/officeDocument/2006/relationships" xmlns:c16r2="http://schemas.microsoft.com/office/drawing/2015/06/chart">
-  <c:date1904 val="0"/>
-  <c:lang val="en-US"/>
-  <c:roundedCorners val="1"/>
-  <c:style val="2"/>
-  <c:chart>
-    <c:title>
-      <c:overlay val="0"/>
-    </c:title>
-    <c:autoTitleDeleted val="0"/>
-    <c:plotArea>
-      <c:layout/>
-      <c:barChart>
-        <c:barDir val="col"/>
-        <c:grouping val="clustered"/>
-        <c:varyColors val="1"/>
-        <c:ser>
-          <c:idx val="0"/>
-          <c:order val="0"/>
-          <c:tx>
-            <c:strRef>
-              <c:f>Sheet1!$B$1</c:f>
-              <c:strCache>
-                <c:ptCount val="1"/>
-                <c:pt idx="0">
-                  <c:v>Values</c:v>
-                </c:pt>
-              </c:strCache>
-            </c:strRef>
-          </c:tx>
-          <c:spPr>
-            <a:solidFill>
-              <a:srgbClr val="00BCF2"/>
-            </a:solidFill>
-          </c:spPr>
-          <c:invertIfNegative val="1"/>
-          <c:dLbls>
-            <c:spPr>
-              <a:noFill/>
-              <a:ln>
-                <a:noFill/>
-              </a:ln>
-              <a:effectLst/>
-            </c:spPr>
-            <c:txPr>
-              <a:bodyPr/>
-              <a:lstStyle/>
-              <a:p>
-                <a:pPr>
-                  <a:defRPr sz="900"/>
-                </a:pPr>
-                <a:endParaRPr lang="en-US"/>
-              </a:p>
-            </c:txPr>
-            <c:showLegendKey val="0"/>
-            <c:showVal val="1"/>
-            <c:showCatName val="0"/>
-            <c:showSerName val="0"/>
-            <c:showPercent val="0"/>
-            <c:showBubbleSize val="0"/>
-            <c:showLeaderLines val="0"/>
-            <c:extLst>
-              <c:ext xmlns:c15="http://schemas.microsoft.com/office/drawing/2012/chart" uri="{CE6537A1-D6FC-4f65-9D91-7224C49458BB}">
-                <c15:showLeaderLines val="0"/>
-              </c:ext>
-            </c:extLst>
-          </c:dLbls>
-          <c:cat>
-            <c:strRef>
-              <c:f>Sheet1!$A$2:$A$7</c:f>
-              <c:strCache>
-                <c:ptCount val="6"/>
-                <c:pt idx="0">
-                  <c:v>Camera</c:v>
-                </c:pt>
-                <c:pt idx="1">
-                  <c:v>Video doorbell </c:v>
-                </c:pt>
-                <c:pt idx="2">
-                  <c:v>Dedicated pet camera</c:v>
-                </c:pt>
-                <c:pt idx="3">
-                  <c:v>Baby monitor</c:v>
-                </c:pt>
-                <c:pt idx="4">
-                  <c:v>Other (please specify)</c:v>
-                </c:pt>
-                <c:pt idx="5">
-                  <c:v>N/A - I do not have a device that allows me to check my home remotely</c:v>
-                </c:pt>
-              </c:strCache>
-            </c:strRef>
-          </c:cat>
-          <c:val>
-            <c:numRef>
-              <c:f>Sheet1!$B$2:$B$7</c:f>
-              <c:numCache>
-                <c:formatCode>General</c:formatCode>
-                <c:ptCount val="6"/>
-                <c:pt idx="0">
-                  <c:v>0.24779009524474971</c:v>
-                </c:pt>
-                <c:pt idx="1">
-                  <c:v>0.24355495394257079</c:v>
-                </c:pt>
-                <c:pt idx="2">
-                  <c:v>6.6712016770395358E-2</c:v>
-                </c:pt>
-                <c:pt idx="3">
-                  <c:v>5.548360915496333E-2</c:v>
-                </c:pt>
-                <c:pt idx="4">
-                  <c:v>2.5556140603182221E-3</c:v>
-                </c:pt>
-                <c:pt idx="5">
-                  <c:v>0.58349053196380463</c:v>
-                </c:pt>
-              </c:numCache>
-            </c:numRef>
-          </c:val>
-          <c:extLst>
-            <c:ext xmlns:c14="http://schemas.microsoft.com/office/drawing/2007/8/2/chart" uri="{6F2FDCE9-48DA-4B69-8628-5D25D57E5C99}">
-              <c14:invertSolidFillFmt>
-                <c14:spPr xmlns:c14="http://schemas.microsoft.com/office/drawing/2007/8/2/chart">
-                  <a:solidFill>
-                    <a:srgbClr val="FFFFFF"/>
-                  </a:solidFill>
-                </c14:spPr>
-              </c14:invertSolidFillFmt>
-            </c:ext>
-            <c:ext xmlns:c16="http://schemas.microsoft.com/office/drawing/2014/chart" uri="{C3380CC4-5D6E-409C-BE32-E72D297353CC}">
-              <c16:uniqueId val="{00000000-3DF9-46A9-A794-AD7D2B31E2D4}"/>
-            </c:ext>
-          </c:extLst>
-        </c:ser>
-        <c:dLbls>
-          <c:showLegendKey val="0"/>
-          <c:showVal val="1"/>
-          <c:showCatName val="0"/>
-          <c:showSerName val="0"/>
-          <c:showPercent val="0"/>
-          <c:showBubbleSize val="0"/>
-        </c:dLbls>
-        <c:gapWidth val="150"/>
-        <c:axId val="-2068027336"/>
-        <c:axId val="-2113994440"/>
-      </c:barChart>
-      <c:catAx>
-        <c:axId val="-2068027336"/>
-        <c:scaling>
-          <c:orientation val="minMax"/>
-        </c:scaling>
-        <c:delete val="0"/>
-        <c:axPos val="b"/>
-        <c:numFmt formatCode="General" sourceLinked="0"/>
-        <c:majorTickMark val="out"/>
-        <c:minorTickMark val="none"/>
-        <c:tickLblPos val="nextTo"/>
-        <c:txPr>
-          <a:bodyPr/>
-          <a:lstStyle/>
-          <a:p>
-            <a:pPr>
-              <a:defRPr sz="1000"/>
-            </a:pPr>
-            <a:endParaRPr lang="en-US"/>
-          </a:p>
-        </c:txPr>
-        <c:crossAx val="-2113994440"/>
-        <c:crosses val="autoZero"/>
-        <c:auto val="1"/>
-        <c:lblAlgn val="ctr"/>
-        <c:lblOffset val="100"/>
-        <c:noMultiLvlLbl val="0"/>
-      </c:catAx>
-      <c:valAx>
-        <c:axId val="-2113994440"/>
-        <c:scaling>
-          <c:orientation val="minMax"/>
-        </c:scaling>
-        <c:delete val="0"/>
-        <c:axPos val="l"/>
-        <c:numFmt formatCode="General" sourceLinked="1"/>
-        <c:majorTickMark val="out"/>
-        <c:minorTickMark val="none"/>
-        <c:tickLblPos val="nextTo"/>
-        <c:txPr>
-          <a:bodyPr/>
-          <a:lstStyle/>
-          <a:p>
-            <a:pPr>
-              <a:defRPr sz="1000"/>
-            </a:pPr>
-            <a:endParaRPr lang="en-US"/>
-          </a:p>
-        </c:txPr>
-        <c:crossAx val="-2068027336"/>
-        <c:crosses val="autoZero"/>
-        <c:crossBetween val="between"/>
-      </c:valAx>
-    </c:plotArea>
-    <c:plotVisOnly val="1"/>
-    <c:dispBlanksAs val="gap"/>
-    <c:showDLblsOverMax val="1"/>
-  </c:chart>
-  <c:txPr>
-    <a:bodyPr/>
-    <a:lstStyle/>
-    <a:p>
-      <a:pPr>
-        <a:defRPr sz="1800"/>
-      </a:pPr>
-      <a:endParaRPr lang="en-US"/>
-    </a:p>
-  </c:txPr>
-  <c:externalData r:id="rId1">
-    <c:autoUpdate val="0"/>
-  </c:externalData>
-</c:chartSpace>
-</file>
-
-<file path=ppt/charts/chart3.xml><?xml version="1.0" encoding="utf-8"?>
-<c:chartSpace xmlns:c="http://schemas.openxmlformats.org/drawingml/2006/chart" xmlns:a="http://schemas.openxmlformats.org/drawingml/2006/main" xmlns:r="http://schemas.openxmlformats.org/officeDocument/2006/relationships" xmlns:c16r2="http://schemas.microsoft.com/office/drawing/2015/06/chart">
-  <c:date1904 val="0"/>
-  <c:lang val="en-US"/>
-  <c:roundedCorners val="1"/>
-  <c:style val="2"/>
-  <c:chart>
-    <c:title>
-      <c:overlay val="0"/>
-    </c:title>
-    <c:autoTitleDeleted val="0"/>
-    <c:plotArea>
-      <c:layout/>
-      <c:barChart>
-        <c:barDir val="bar"/>
-        <c:grouping val="clustered"/>
-        <c:varyColors val="1"/>
-        <c:ser>
-          <c:idx val="0"/>
-          <c:order val="0"/>
-          <c:tx>
-            <c:strRef>
-              <c:f>Sheet1!$B$1</c:f>
-              <c:strCache>
-                <c:ptCount val="1"/>
-                <c:pt idx="0">
-                  <c:v>Values</c:v>
-                </c:pt>
-              </c:strCache>
-            </c:strRef>
-          </c:tx>
-          <c:spPr>
-            <a:solidFill>
-              <a:srgbClr val="00BCF2"/>
-            </a:solidFill>
-          </c:spPr>
-          <c:invertIfNegative val="1"/>
-          <c:dLbls>
-            <c:spPr>
-              <a:noFill/>
-              <a:ln>
-                <a:noFill/>
-              </a:ln>
-              <a:effectLst/>
-            </c:spPr>
-            <c:txPr>
-              <a:bodyPr/>
-              <a:lstStyle/>
-              <a:p>
-                <a:pPr>
-                  <a:defRPr sz="900"/>
-                </a:pPr>
-                <a:endParaRPr lang="en-US"/>
-              </a:p>
-            </c:txPr>
-            <c:showLegendKey val="0"/>
-            <c:showVal val="1"/>
-            <c:showCatName val="0"/>
-            <c:showSerName val="0"/>
-            <c:showPercent val="0"/>
-            <c:showBubbleSize val="0"/>
-            <c:showLeaderLines val="0"/>
-            <c:extLst>
-              <c:ext xmlns:c15="http://schemas.microsoft.com/office/drawing/2012/chart" uri="{CE6537A1-D6FC-4f65-9D91-7224C49458BB}">
-                <c15:showLeaderLines val="0"/>
-              </c:ext>
-            </c:extLst>
-          </c:dLbls>
-          <c:cat>
-            <c:strRef>
-              <c:f>Sheet1!$A$2:$A$8</c:f>
-              <c:strCache>
-                <c:ptCount val="7"/>
-                <c:pt idx="0">
-                  <c:v>Security</c:v>
-                </c:pt>
-                <c:pt idx="1">
-                  <c:v>Check for packages/who is at the door</c:v>
-                </c:pt>
-                <c:pt idx="2">
-                  <c:v>To watch my pet </c:v>
-                </c:pt>
-                <c:pt idx="3">
-                  <c:v>Watch my children whilst I'm out of the house</c:v>
-                </c:pt>
-                <c:pt idx="4">
-                  <c:v>Baby monitoring</c:v>
-                </c:pt>
-                <c:pt idx="5">
-                  <c:v>Other (please specify)</c:v>
-                </c:pt>
-                <c:pt idx="6">
-                  <c:v>Don't know</c:v>
-                </c:pt>
-              </c:strCache>
-            </c:strRef>
-          </c:cat>
-          <c:val>
-            <c:numRef>
-              <c:f>Sheet1!$B$2:$B$8</c:f>
-              <c:numCache>
-                <c:formatCode>General</c:formatCode>
-                <c:ptCount val="7"/>
-                <c:pt idx="0">
-                  <c:v>0.71496092305691294</c:v>
-                </c:pt>
-                <c:pt idx="1">
-                  <c:v>0.42117990104220276</c:v>
-                </c:pt>
-                <c:pt idx="2">
-                  <c:v>0.27593343997272446</c:v>
-                </c:pt>
-                <c:pt idx="3">
-                  <c:v>0.15399328844744056</c:v>
-                </c:pt>
-                <c:pt idx="4">
-                  <c:v>0.11373711275507338</c:v>
-                </c:pt>
-                <c:pt idx="5">
-                  <c:v>8.8902325960549151E-3</c:v>
-                </c:pt>
-                <c:pt idx="6">
-                  <c:v>1.4551916687980166E-2</c:v>
-                </c:pt>
-              </c:numCache>
-            </c:numRef>
-          </c:val>
-          <c:extLst>
-            <c:ext xmlns:c14="http://schemas.microsoft.com/office/drawing/2007/8/2/chart" uri="{6F2FDCE9-48DA-4B69-8628-5D25D57E5C99}">
-              <c14:invertSolidFillFmt>
-                <c14:spPr xmlns:c14="http://schemas.microsoft.com/office/drawing/2007/8/2/chart">
-                  <a:solidFill>
-                    <a:srgbClr val="FFFFFF"/>
-                  </a:solidFill>
-                </c14:spPr>
-              </c14:invertSolidFillFmt>
-            </c:ext>
-            <c:ext xmlns:c16="http://schemas.microsoft.com/office/drawing/2014/chart" uri="{C3380CC4-5D6E-409C-BE32-E72D297353CC}">
-              <c16:uniqueId val="{00000000-5D0A-4E88-B3C2-44D52759FD62}"/>
-            </c:ext>
-          </c:extLst>
-        </c:ser>
-        <c:dLbls>
-          <c:showLegendKey val="0"/>
-          <c:showVal val="1"/>
-          <c:showCatName val="0"/>
-          <c:showSerName val="0"/>
-          <c:showPercent val="0"/>
-          <c:showBubbleSize val="0"/>
-        </c:dLbls>
-        <c:gapWidth val="150"/>
-        <c:axId val="-2068027336"/>
-        <c:axId val="-2113994440"/>
-      </c:barChart>
-      <c:catAx>
-        <c:axId val="-2068027336"/>
-        <c:scaling>
-          <c:orientation val="minMax"/>
-        </c:scaling>
-        <c:delete val="0"/>
-        <c:axPos val="l"/>
-        <c:numFmt formatCode="General" sourceLinked="0"/>
-        <c:majorTickMark val="out"/>
-        <c:minorTickMark val="none"/>
-        <c:tickLblPos val="nextTo"/>
-        <c:txPr>
-          <a:bodyPr/>
-          <a:lstStyle/>
-          <a:p>
-            <a:pPr>
-              <a:defRPr sz="1000"/>
-            </a:pPr>
-            <a:endParaRPr lang="en-US"/>
-          </a:p>
-        </c:txPr>
-        <c:crossAx val="-2113994440"/>
-        <c:crosses val="autoZero"/>
-        <c:auto val="1"/>
-        <c:lblAlgn val="ctr"/>
-        <c:lblOffset val="100"/>
-        <c:noMultiLvlLbl val="0"/>
-      </c:catAx>
-      <c:valAx>
-        <c:axId val="-2113994440"/>
-        <c:scaling>
-          <c:orientation val="minMax"/>
-        </c:scaling>
-        <c:delete val="0"/>
-        <c:axPos val="b"/>
-        <c:numFmt formatCode="General" sourceLinked="1"/>
-        <c:majorTickMark val="out"/>
-        <c:minorTickMark val="none"/>
-        <c:tickLblPos val="nextTo"/>
-        <c:txPr>
-          <a:bodyPr/>
-          <a:lstStyle/>
-          <a:p>
-            <a:pPr>
-              <a:defRPr sz="1000"/>
-            </a:pPr>
-            <a:endParaRPr lang="en-US"/>
-          </a:p>
-        </c:txPr>
-        <c:crossAx val="-2068027336"/>
-        <c:crosses val="autoZero"/>
-        <c:crossBetween val="between"/>
-      </c:valAx>
-    </c:plotArea>
-    <c:plotVisOnly val="1"/>
-    <c:dispBlanksAs val="gap"/>
-    <c:showDLblsOverMax val="1"/>
-  </c:chart>
-  <c:txPr>
-    <a:bodyPr/>
-    <a:lstStyle/>
-    <a:p>
-      <a:pPr>
-        <a:defRPr sz="1800"/>
-      </a:pPr>
-      <a:endParaRPr lang="en-US"/>
-    </a:p>
-  </c:txPr>
-  <c:externalData r:id="rId1">
-    <c:autoUpdate val="0"/>
-  </c:externalData>
-</c:chartSpace>
-</file>
-
-<file path=ppt/charts/chart4.xml><?xml version="1.0" encoding="utf-8"?>
-<c:chartSpace xmlns:c="http://schemas.openxmlformats.org/drawingml/2006/chart" xmlns:a="http://schemas.openxmlformats.org/drawingml/2006/main" xmlns:r="http://schemas.openxmlformats.org/officeDocument/2006/relationships" xmlns:c16r2="http://schemas.microsoft.com/office/drawing/2015/06/chart">
-  <c:date1904 val="1"/>
-  <c:lang val="en-US"/>
-  <c:roundedCorners val="1"/>
-  <c:style val="2"/>
-  <c:chart>
-    <c:title>
-      <c:overlay val="0"/>
-    </c:title>
-    <c:autoTitleDeleted val="0"/>
-    <c:plotArea>
-      <c:layout/>
-      <c:pieChart>
-        <c:varyColors val="1"/>
-        <c:ser>
-          <c:idx val="0"/>
-          <c:order val="0"/>
-          <c:tx>
-            <c:strRef>
-              <c:f>Sheet1!$B$1</c:f>
-              <c:strCache>
-                <c:ptCount val="1"/>
-                <c:pt idx="0">
-                  <c:v>Values</c:v>
-                </c:pt>
-              </c:strCache>
-            </c:strRef>
-          </c:tx>
-          <c:dPt>
-            <c:idx val="0"/>
-            <c:bubble3D val="0"/>
-            <c:spPr>
-              <a:solidFill>
-                <a:srgbClr val="00BCF2"/>
-              </a:solidFill>
-            </c:spPr>
-            <c:extLst>
-              <c:ext xmlns:c16="http://schemas.microsoft.com/office/drawing/2014/chart" uri="{C3380CC4-5D6E-409C-BE32-E72D297353CC}">
-                <c16:uniqueId val="{00000001-28C0-4731-B783-E42A394F1C18}"/>
-              </c:ext>
-            </c:extLst>
-          </c:dPt>
-          <c:dPt>
-            <c:idx val="1"/>
-            <c:bubble3D val="0"/>
-            <c:spPr>
-              <a:solidFill>
-                <a:srgbClr val="00BCF2"/>
-              </a:solidFill>
-            </c:spPr>
-            <c:extLst>
-              <c:ext xmlns:c16="http://schemas.microsoft.com/office/drawing/2014/chart" uri="{C3380CC4-5D6E-409C-BE32-E72D297353CC}">
-                <c16:uniqueId val="{00000003-28C0-4731-B783-E42A394F1C18}"/>
-              </c:ext>
-            </c:extLst>
-          </c:dPt>
-          <c:dPt>
-            <c:idx val="2"/>
-            <c:bubble3D val="0"/>
-            <c:spPr>
-              <a:solidFill>
-                <a:srgbClr val="00BCF2"/>
-              </a:solidFill>
-            </c:spPr>
-            <c:extLst>
-              <c:ext xmlns:c16="http://schemas.microsoft.com/office/drawing/2014/chart" uri="{C3380CC4-5D6E-409C-BE32-E72D297353CC}">
-                <c16:uniqueId val="{00000005-28C0-4731-B783-E42A394F1C18}"/>
-              </c:ext>
-            </c:extLst>
-          </c:dPt>
-          <c:dPt>
-            <c:idx val="3"/>
-            <c:bubble3D val="0"/>
-            <c:spPr>
-              <a:solidFill>
-                <a:srgbClr val="00BCF2"/>
-              </a:solidFill>
-            </c:spPr>
-            <c:extLst>
-              <c:ext xmlns:c16="http://schemas.microsoft.com/office/drawing/2014/chart" uri="{C3380CC4-5D6E-409C-BE32-E72D297353CC}">
-                <c16:uniqueId val="{00000007-28C0-4731-B783-E42A394F1C18}"/>
-              </c:ext>
-            </c:extLst>
-          </c:dPt>
-          <c:dPt>
-            <c:idx val="4"/>
-            <c:bubble3D val="0"/>
-            <c:spPr>
-              <a:solidFill>
-                <a:srgbClr val="00BCF2"/>
-              </a:solidFill>
-            </c:spPr>
-            <c:extLst>
-              <c:ext xmlns:c16="http://schemas.microsoft.com/office/drawing/2014/chart" uri="{C3380CC4-5D6E-409C-BE32-E72D297353CC}">
-                <c16:uniqueId val="{00000009-28C0-4731-B783-E42A394F1C18}"/>
-              </c:ext>
-            </c:extLst>
-          </c:dPt>
-          <c:dPt>
-            <c:idx val="5"/>
-            <c:bubble3D val="0"/>
-            <c:spPr>
-              <a:solidFill>
-                <a:srgbClr val="00BCF2"/>
-              </a:solidFill>
-            </c:spPr>
-            <c:extLst>
-              <c:ext xmlns:c16="http://schemas.microsoft.com/office/drawing/2014/chart" uri="{C3380CC4-5D6E-409C-BE32-E72D297353CC}">
-                <c16:uniqueId val="{0000000B-28C0-4731-B783-E42A394F1C18}"/>
-              </c:ext>
-            </c:extLst>
-          </c:dPt>
-          <c:dLbls>
-            <c:spPr>
-              <a:noFill/>
-              <a:ln>
-                <a:noFill/>
-              </a:ln>
-              <a:effectLst/>
-            </c:spPr>
-            <c:txPr>
-              <a:bodyPr/>
-              <a:lstStyle/>
-              <a:p>
-                <a:pPr>
-                  <a:defRPr sz="900"/>
-                </a:pPr>
-                <a:endParaRPr lang="en-US"/>
-              </a:p>
-            </c:txPr>
-            <c:showLegendKey val="0"/>
-            <c:showVal val="1"/>
-            <c:showCatName val="0"/>
-            <c:showSerName val="0"/>
-            <c:showPercent val="1"/>
-            <c:showBubbleSize val="0"/>
-            <c:showLeaderLines val="1"/>
-            <c:extLst>
-              <c:ext xmlns:c15="http://schemas.microsoft.com/office/drawing/2012/chart" uri="{CE6537A1-D6FC-4f65-9D91-7224C49458BB}"/>
-            </c:extLst>
-          </c:dLbls>
-          <c:cat>
-            <c:strRef>
-              <c:f>Sheet1!$A$2:$A$7</c:f>
-              <c:strCache>
-                <c:ptCount val="6"/>
-                <c:pt idx="0">
-                  <c:v>No</c:v>
-                </c:pt>
-                <c:pt idx="1">
-                  <c:v>Yes, I sometimes do this</c:v>
-                </c:pt>
-                <c:pt idx="2">
-                  <c:v>Yes, I regularly do this</c:v>
-                </c:pt>
-                <c:pt idx="3">
-                  <c:v>Yes, I have done this, but don't do it often</c:v>
-                </c:pt>
-                <c:pt idx="4">
-                  <c:v>Not sure</c:v>
-                </c:pt>
-                <c:pt idx="5">
-                  <c:v>NET: Yes</c:v>
-                </c:pt>
-              </c:strCache>
-            </c:strRef>
-          </c:cat>
-          <c:val>
-            <c:numRef>
-              <c:f>Sheet1!$B$2:$B$7</c:f>
-              <c:numCache>
-                <c:formatCode>General</c:formatCode>
-                <c:ptCount val="6"/>
-                <c:pt idx="0">
-                  <c:v>0.29064847713806446</c:v>
-                </c:pt>
-                <c:pt idx="1">
-                  <c:v>0.28531382365231206</c:v>
-                </c:pt>
-                <c:pt idx="2">
-                  <c:v>0.24340706252232017</c:v>
-                </c:pt>
-                <c:pt idx="3">
-                  <c:v>0.16769711378749733</c:v>
-                </c:pt>
-                <c:pt idx="4">
-                  <c:v>1.2933522899804381E-2</c:v>
-                </c:pt>
-                <c:pt idx="5">
-                  <c:v>0.69641799996212972</c:v>
-                </c:pt>
-              </c:numCache>
-            </c:numRef>
-          </c:val>
-          <c:extLst>
-            <c:ext xmlns:c16="http://schemas.microsoft.com/office/drawing/2014/chart" uri="{C3380CC4-5D6E-409C-BE32-E72D297353CC}">
-              <c16:uniqueId val="{0000000C-28C0-4731-B783-E42A394F1C18}"/>
-            </c:ext>
-          </c:extLst>
-        </c:ser>
-        <c:dLbls>
-          <c:showLegendKey val="0"/>
-          <c:showVal val="1"/>
-          <c:showCatName val="0"/>
-          <c:showSerName val="0"/>
-          <c:showPercent val="1"/>
-          <c:showBubbleSize val="0"/>
-          <c:showLeaderLines val="1"/>
-        </c:dLbls>
-        <c:firstSliceAng val="0"/>
-      </c:pieChart>
-    </c:plotArea>
-    <c:legend>
-      <c:legendPos val="r"/>
-      <c:overlay val="1"/>
-    </c:legend>
-    <c:plotVisOnly val="1"/>
-    <c:dispBlanksAs val="gap"/>
-    <c:showDLblsOverMax val="1"/>
-  </c:chart>
-  <c:txPr>
-    <a:bodyPr/>
-    <a:lstStyle/>
-    <a:p>
-      <a:pPr>
-        <a:defRPr sz="1800"/>
-      </a:pPr>
-      <a:endParaRPr lang="en-US"/>
-    </a:p>
-  </c:txPr>
-  <c:externalData r:id="rId1">
-    <c:autoUpdate val="0"/>
-  </c:externalData>
-</c:chartSpace>
-</file>
-
-<file path=ppt/charts/chart5.xml><?xml version="1.0" encoding="utf-8"?>
-<c:chartSpace xmlns:c="http://schemas.openxmlformats.org/drawingml/2006/chart" xmlns:a="http://schemas.openxmlformats.org/drawingml/2006/main" xmlns:r="http://schemas.openxmlformats.org/officeDocument/2006/relationships" xmlns:c16r2="http://schemas.microsoft.com/office/drawing/2015/06/chart">
-  <c:date1904 val="0"/>
-  <c:lang val="en-US"/>
-  <c:roundedCorners val="1"/>
-  <c:style val="2"/>
-  <c:chart>
-    <c:title>
-      <c:overlay val="0"/>
-    </c:title>
-    <c:autoTitleDeleted val="0"/>
-    <c:plotArea>
-      <c:layout/>
-      <c:barChart>
-        <c:barDir val="col"/>
-        <c:grouping val="clustered"/>
-        <c:varyColors val="1"/>
-        <c:ser>
-          <c:idx val="0"/>
-          <c:order val="0"/>
-          <c:tx>
-            <c:strRef>
-              <c:f>Sheet1!$B$1</c:f>
-              <c:strCache>
-                <c:ptCount val="1"/>
-                <c:pt idx="0">
-                  <c:v>Values</c:v>
-                </c:pt>
-              </c:strCache>
-            </c:strRef>
-          </c:tx>
-          <c:spPr>
-            <a:solidFill>
-              <a:srgbClr val="00BCF2"/>
-            </a:solidFill>
-          </c:spPr>
-          <c:invertIfNegative val="1"/>
-          <c:dLbls>
-            <c:spPr>
-              <a:noFill/>
-              <a:ln>
-                <a:noFill/>
-              </a:ln>
-              <a:effectLst/>
-            </c:spPr>
-            <c:txPr>
-              <a:bodyPr/>
-              <a:lstStyle/>
-              <a:p>
-                <a:pPr>
-                  <a:defRPr sz="900"/>
-                </a:pPr>
-                <a:endParaRPr lang="en-US"/>
-              </a:p>
-            </c:txPr>
-            <c:showLegendKey val="0"/>
-            <c:showVal val="1"/>
-            <c:showCatName val="0"/>
-            <c:showSerName val="0"/>
-            <c:showPercent val="0"/>
-            <c:showBubbleSize val="0"/>
-            <c:showLeaderLines val="0"/>
-            <c:extLst>
-              <c:ext xmlns:c15="http://schemas.microsoft.com/office/drawing/2012/chart" uri="{CE6537A1-D6FC-4f65-9D91-7224C49458BB}">
-                <c15:showLeaderLines val="0"/>
-              </c:ext>
-            </c:extLst>
-          </c:dLbls>
-          <c:cat>
-            <c:strRef>
-              <c:f>Sheet1!$A$2:$A$12</c:f>
-              <c:strCache>
-                <c:ptCount val="11"/>
-                <c:pt idx="0">
-                  <c:v>N/A - I never use this</c:v>
-                </c:pt>
-                <c:pt idx="1">
-                  <c:v>[2.5] Less than 5 minutes</c:v>
-                </c:pt>
-                <c:pt idx="2">
-                  <c:v>[9.5] 5-14 minutes</c:v>
-                </c:pt>
-                <c:pt idx="3">
-                  <c:v>[22] 15-29 minutes</c:v>
-                </c:pt>
-                <c:pt idx="4">
-                  <c:v>[44.5] 30-59 minutes</c:v>
-                </c:pt>
-                <c:pt idx="5">
-                  <c:v>[89.5] 60-119 minutes</c:v>
-                </c:pt>
-                <c:pt idx="6">
-                  <c:v>[150] 2 hours or more</c:v>
-                </c:pt>
-                <c:pt idx="7">
-                  <c:v>Don't know</c:v>
-                </c:pt>
-                <c:pt idx="8">
-                  <c:v>Average</c:v>
-                </c:pt>
-                <c:pt idx="9">
-                  <c:v>Median</c:v>
-                </c:pt>
-                <c:pt idx="10">
-                  <c:v>Standard deviation</c:v>
-                </c:pt>
-              </c:strCache>
-            </c:strRef>
-          </c:cat>
-          <c:val>
-            <c:numRef>
-              <c:f>Sheet1!$B$2:$B$12</c:f>
-              <c:numCache>
-                <c:formatCode>General</c:formatCode>
-                <c:ptCount val="11"/>
-                <c:pt idx="0">
-                  <c:v>0.14565813913961656</c:v>
-                </c:pt>
-                <c:pt idx="1">
-                  <c:v>7.6738265865835084E-2</c:v>
-                </c:pt>
-                <c:pt idx="2">
-                  <c:v>0.13072257369966114</c:v>
-                </c:pt>
-                <c:pt idx="3">
-                  <c:v>0.15303822058333949</c:v>
-                </c:pt>
-                <c:pt idx="4">
-                  <c:v>0.17112127784609135</c:v>
-                </c:pt>
-                <c:pt idx="5">
-                  <c:v>0.13047130730065692</c:v>
-                </c:pt>
-                <c:pt idx="6">
-                  <c:v>0.17095439322605976</c:v>
-                </c:pt>
-                <c:pt idx="7">
-                  <c:v>2.1295822338743678E-2</c:v>
-                </c:pt>
-                <c:pt idx="8">
-                  <c:v>59.7</c:v>
-                </c:pt>
-                <c:pt idx="9">
-                  <c:v>44.5</c:v>
-                </c:pt>
-                <c:pt idx="10">
-                  <c:v>53.1</c:v>
-                </c:pt>
-              </c:numCache>
-            </c:numRef>
-          </c:val>
-          <c:extLst>
-            <c:ext xmlns:c14="http://schemas.microsoft.com/office/drawing/2007/8/2/chart" uri="{6F2FDCE9-48DA-4B69-8628-5D25D57E5C99}">
-              <c14:invertSolidFillFmt>
-                <c14:spPr xmlns:c14="http://schemas.microsoft.com/office/drawing/2007/8/2/chart">
-                  <a:solidFill>
-                    <a:srgbClr val="FFFFFF"/>
-                  </a:solidFill>
-                </c14:spPr>
-              </c14:invertSolidFillFmt>
-            </c:ext>
-            <c:ext xmlns:c16="http://schemas.microsoft.com/office/drawing/2014/chart" uri="{C3380CC4-5D6E-409C-BE32-E72D297353CC}">
-              <c16:uniqueId val="{00000000-2905-4D8E-B7F6-C3074EB83E39}"/>
-            </c:ext>
-          </c:extLst>
-        </c:ser>
-        <c:dLbls>
-          <c:showLegendKey val="0"/>
-          <c:showVal val="1"/>
-          <c:showCatName val="0"/>
-          <c:showSerName val="0"/>
-          <c:showPercent val="0"/>
-          <c:showBubbleSize val="0"/>
-        </c:dLbls>
-        <c:gapWidth val="150"/>
-        <c:axId val="-2068027336"/>
-        <c:axId val="-2113994440"/>
-      </c:barChart>
-      <c:catAx>
-        <c:axId val="-2068027336"/>
-        <c:scaling>
-          <c:orientation val="minMax"/>
-        </c:scaling>
-        <c:delete val="0"/>
-        <c:axPos val="b"/>
-        <c:numFmt formatCode="General" sourceLinked="0"/>
-        <c:majorTickMark val="out"/>
-        <c:minorTickMark val="none"/>
-        <c:tickLblPos val="nextTo"/>
-        <c:txPr>
-          <a:bodyPr/>
-          <a:lstStyle/>
-          <a:p>
-            <a:pPr>
-              <a:defRPr sz="1000"/>
-            </a:pPr>
-            <a:endParaRPr lang="en-US"/>
-          </a:p>
-        </c:txPr>
-        <c:crossAx val="-2113994440"/>
-        <c:crosses val="autoZero"/>
-        <c:auto val="1"/>
-        <c:lblAlgn val="ctr"/>
-        <c:lblOffset val="100"/>
-        <c:noMultiLvlLbl val="0"/>
-      </c:catAx>
-      <c:valAx>
-        <c:axId val="-2113994440"/>
-        <c:scaling>
-          <c:orientation val="minMax"/>
-        </c:scaling>
-        <c:delete val="0"/>
-        <c:axPos val="l"/>
-        <c:numFmt formatCode="General" sourceLinked="1"/>
-        <c:majorTickMark val="out"/>
-        <c:minorTickMark val="none"/>
-        <c:tickLblPos val="nextTo"/>
-        <c:txPr>
-          <a:bodyPr/>
-          <a:lstStyle/>
-          <a:p>
-            <a:pPr>
-              <a:defRPr sz="1000"/>
-            </a:pPr>
-            <a:endParaRPr lang="en-US"/>
-          </a:p>
-        </c:txPr>
-        <c:crossAx val="-2068027336"/>
-        <c:crosses val="autoZero"/>
-        <c:crossBetween val="between"/>
-      </c:valAx>
-    </c:plotArea>
-    <c:plotVisOnly val="1"/>
-    <c:dispBlanksAs val="gap"/>
-    <c:showDLblsOverMax val="1"/>
-  </c:chart>
-  <c:txPr>
-    <a:bodyPr/>
-    <a:lstStyle/>
-    <a:p>
-      <a:pPr>
-        <a:defRPr sz="1800"/>
-      </a:pPr>
-      <a:endParaRPr lang="en-US"/>
-    </a:p>
-  </c:txPr>
-  <c:externalData r:id="rId1">
-    <c:autoUpdate val="0"/>
-  </c:externalData>
-</c:chartSpace>
-</file>
-
-<file path=ppt/charts/chart6.xml><?xml version="1.0" encoding="utf-8"?>
-<c:chartSpace xmlns:c="http://schemas.openxmlformats.org/drawingml/2006/chart" xmlns:a="http://schemas.openxmlformats.org/drawingml/2006/main" xmlns:r="http://schemas.openxmlformats.org/officeDocument/2006/relationships" xmlns:c16r2="http://schemas.microsoft.com/office/drawing/2015/06/chart">
-  <c:date1904 val="0"/>
-  <c:lang val="en-US"/>
-  <c:roundedCorners val="1"/>
-  <c:style val="2"/>
-  <c:chart>
-    <c:title>
-      <c:overlay val="0"/>
-    </c:title>
-    <c:autoTitleDeleted val="0"/>
-    <c:plotArea>
-      <c:layout/>
-      <c:barChart>
-        <c:barDir val="bar"/>
-        <c:grouping val="clustered"/>
-        <c:varyColors val="1"/>
-        <c:ser>
-          <c:idx val="0"/>
-          <c:order val="0"/>
-          <c:tx>
-            <c:strRef>
-              <c:f>Sheet1!$B$1</c:f>
-              <c:strCache>
-                <c:ptCount val="1"/>
-                <c:pt idx="0">
-                  <c:v>Values</c:v>
-                </c:pt>
-              </c:strCache>
-            </c:strRef>
-          </c:tx>
-          <c:spPr>
-            <a:solidFill>
-              <a:srgbClr val="00BCF2"/>
-            </a:solidFill>
-          </c:spPr>
-          <c:invertIfNegative val="1"/>
-          <c:dLbls>
-            <c:spPr>
-              <a:noFill/>
-              <a:ln>
-                <a:noFill/>
-              </a:ln>
-              <a:effectLst/>
-            </c:spPr>
-            <c:txPr>
-              <a:bodyPr/>
-              <a:lstStyle/>
-              <a:p>
-                <a:pPr>
-                  <a:defRPr sz="900"/>
-                </a:pPr>
-                <a:endParaRPr lang="en-US"/>
-              </a:p>
-            </c:txPr>
-            <c:showLegendKey val="0"/>
-            <c:showVal val="1"/>
-            <c:showCatName val="0"/>
-            <c:showSerName val="0"/>
-            <c:showPercent val="0"/>
-            <c:showBubbleSize val="0"/>
-            <c:showLeaderLines val="0"/>
-            <c:extLst>
-              <c:ext xmlns:c15="http://schemas.microsoft.com/office/drawing/2012/chart" uri="{CE6537A1-D6FC-4f65-9D91-7224C49458BB}">
-                <c15:showLeaderLines val="0"/>
-              </c:ext>
-            </c:extLst>
-          </c:dLbls>
-          <c:cat>
-            <c:strRef>
-              <c:f>Sheet1!$A$2:$A$12</c:f>
-              <c:strCache>
-                <c:ptCount val="11"/>
-                <c:pt idx="0">
-                  <c:v>[0] Never</c:v>
-                </c:pt>
-                <c:pt idx="1">
-                  <c:v>[0.5] Less than once a day</c:v>
-                </c:pt>
-                <c:pt idx="2">
-                  <c:v>[1] 1</c:v>
-                </c:pt>
-                <c:pt idx="3">
-                  <c:v>[2] 2</c:v>
-                </c:pt>
-                <c:pt idx="4">
-                  <c:v>[3] 3</c:v>
-                </c:pt>
-                <c:pt idx="5">
-                  <c:v>[4] 4</c:v>
-                </c:pt>
-                <c:pt idx="6">
-                  <c:v>[5] 5+</c:v>
-                </c:pt>
-                <c:pt idx="7">
-                  <c:v>Not sure</c:v>
-                </c:pt>
-                <c:pt idx="8">
-                  <c:v>Average</c:v>
-                </c:pt>
-                <c:pt idx="9">
-                  <c:v>Median</c:v>
-                </c:pt>
-                <c:pt idx="10">
-                  <c:v>Standard deviation</c:v>
-                </c:pt>
-              </c:strCache>
-            </c:strRef>
-          </c:cat>
-          <c:val>
-            <c:numRef>
-              <c:f>Sheet1!$B$2:$B$12</c:f>
-              <c:numCache>
-                <c:formatCode>General</c:formatCode>
-                <c:ptCount val="11"/>
-                <c:pt idx="0">
-                  <c:v>2.2604919883521726E-2</c:v>
-                </c:pt>
-                <c:pt idx="1">
-                  <c:v>0.10304095953067682</c:v>
-                </c:pt>
-                <c:pt idx="2">
-                  <c:v>9.1838024207837654E-2</c:v>
-                </c:pt>
-                <c:pt idx="3">
-                  <c:v>0.23916910591312085</c:v>
-                </c:pt>
-                <c:pt idx="4">
-                  <c:v>0.24419929871228568</c:v>
-                </c:pt>
-                <c:pt idx="5">
-                  <c:v>8.6782757741894367E-2</c:v>
-                </c:pt>
-                <c:pt idx="6">
-                  <c:v>0.17947265824778649</c:v>
-                </c:pt>
-                <c:pt idx="7">
-                  <c:v>3.2892275762876018E-2</c:v>
-                </c:pt>
-                <c:pt idx="8">
-                  <c:v>2.7</c:v>
-                </c:pt>
-                <c:pt idx="9">
-                  <c:v>3</c:v>
-                </c:pt>
-                <c:pt idx="10">
-                  <c:v>1.5</c:v>
-                </c:pt>
-              </c:numCache>
-            </c:numRef>
-          </c:val>
-          <c:extLst>
-            <c:ext xmlns:c14="http://schemas.microsoft.com/office/drawing/2007/8/2/chart" uri="{6F2FDCE9-48DA-4B69-8628-5D25D57E5C99}">
-              <c14:invertSolidFillFmt>
-                <c14:spPr xmlns:c14="http://schemas.microsoft.com/office/drawing/2007/8/2/chart">
-                  <a:solidFill>
-                    <a:srgbClr val="FFFFFF"/>
-                  </a:solidFill>
-                </c14:spPr>
-              </c14:invertSolidFillFmt>
-            </c:ext>
-            <c:ext xmlns:c16="http://schemas.microsoft.com/office/drawing/2014/chart" uri="{C3380CC4-5D6E-409C-BE32-E72D297353CC}">
-              <c16:uniqueId val="{00000000-D10B-4CFE-AF95-52629B38CA66}"/>
-            </c:ext>
-          </c:extLst>
-        </c:ser>
-        <c:dLbls>
-          <c:showLegendKey val="0"/>
-          <c:showVal val="1"/>
-          <c:showCatName val="0"/>
-          <c:showSerName val="0"/>
-          <c:showPercent val="0"/>
-          <c:showBubbleSize val="0"/>
-        </c:dLbls>
-        <c:gapWidth val="150"/>
-        <c:axId val="-2068027336"/>
-        <c:axId val="-2113994440"/>
-      </c:barChart>
-      <c:catAx>
-        <c:axId val="-2068027336"/>
-        <c:scaling>
-          <c:orientation val="minMax"/>
-        </c:scaling>
-        <c:delete val="0"/>
-        <c:axPos val="l"/>
-        <c:numFmt formatCode="General" sourceLinked="0"/>
-        <c:majorTickMark val="out"/>
-        <c:minorTickMark val="none"/>
-        <c:tickLblPos val="nextTo"/>
-        <c:txPr>
-          <a:bodyPr/>
-          <a:lstStyle/>
-          <a:p>
-            <a:pPr>
-              <a:defRPr sz="1000"/>
-            </a:pPr>
-            <a:endParaRPr lang="en-US"/>
-          </a:p>
-        </c:txPr>
-        <c:crossAx val="-2113994440"/>
-        <c:crosses val="autoZero"/>
-        <c:auto val="1"/>
-        <c:lblAlgn val="ctr"/>
-        <c:lblOffset val="100"/>
-        <c:noMultiLvlLbl val="0"/>
-      </c:catAx>
-      <c:valAx>
-        <c:axId val="-2113994440"/>
-        <c:scaling>
-          <c:orientation val="minMax"/>
-        </c:scaling>
-        <c:delete val="0"/>
-        <c:axPos val="b"/>
-        <c:numFmt formatCode="General" sourceLinked="1"/>
-        <c:majorTickMark val="out"/>
-        <c:minorTickMark val="none"/>
-        <c:tickLblPos val="nextTo"/>
-        <c:txPr>
-          <a:bodyPr/>
-          <a:lstStyle/>
-          <a:p>
-            <a:pPr>
-              <a:defRPr sz="1000"/>
-            </a:pPr>
-            <a:endParaRPr lang="en-US"/>
-          </a:p>
-        </c:txPr>
-        <c:crossAx val="-2068027336"/>
-        <c:crosses val="autoZero"/>
-        <c:crossBetween val="between"/>
-      </c:valAx>
-    </c:plotArea>
-    <c:plotVisOnly val="1"/>
-    <c:dispBlanksAs val="gap"/>
-    <c:showDLblsOverMax val="1"/>
-  </c:chart>
-  <c:txPr>
-    <a:bodyPr/>
-    <a:lstStyle/>
-    <a:p>
-      <a:pPr>
-        <a:defRPr sz="1800"/>
-      </a:pPr>
-      <a:endParaRPr lang="en-US"/>
-    </a:p>
-  </c:txPr>
-  <c:externalData r:id="rId1">
-    <c:autoUpdate val="0"/>
-  </c:externalData>
-</c:chartSpace>
-</file>
-
-<file path=ppt/charts/chart7.xml><?xml version="1.0" encoding="utf-8"?>
-<c:chartSpace xmlns:c="http://schemas.openxmlformats.org/drawingml/2006/chart" xmlns:a="http://schemas.openxmlformats.org/drawingml/2006/main" xmlns:r="http://schemas.openxmlformats.org/officeDocument/2006/relationships" xmlns:c16r2="http://schemas.microsoft.com/office/drawing/2015/06/chart">
-  <c:date1904 val="1"/>
-  <c:lang val="en-US"/>
-  <c:roundedCorners val="1"/>
-  <c:style val="2"/>
-  <c:chart>
-    <c:title>
-      <c:overlay val="0"/>
-    </c:title>
-    <c:autoTitleDeleted val="0"/>
-    <c:plotArea>
-      <c:layout/>
-      <c:pieChart>
-        <c:varyColors val="1"/>
-        <c:ser>
-          <c:idx val="0"/>
-          <c:order val="0"/>
-          <c:tx>
-            <c:strRef>
-              <c:f>Sheet1!$B$1</c:f>
-              <c:strCache>
-                <c:ptCount val="1"/>
-                <c:pt idx="0">
-                  <c:v>Values</c:v>
-                </c:pt>
-              </c:strCache>
-            </c:strRef>
-          </c:tx>
-          <c:dPt>
-            <c:idx val="0"/>
-            <c:bubble3D val="0"/>
-            <c:spPr>
-              <a:solidFill>
-                <a:srgbClr val="00BCF2"/>
-              </a:solidFill>
-            </c:spPr>
-            <c:extLst>
-              <c:ext xmlns:c16="http://schemas.microsoft.com/office/drawing/2014/chart" uri="{C3380CC4-5D6E-409C-BE32-E72D297353CC}">
-                <c16:uniqueId val="{00000001-04B9-44E8-8E31-5CEE077198EA}"/>
-              </c:ext>
-            </c:extLst>
-          </c:dPt>
-          <c:dPt>
-            <c:idx val="1"/>
-            <c:bubble3D val="0"/>
-            <c:spPr>
-              <a:solidFill>
-                <a:srgbClr val="00BCF2"/>
-              </a:solidFill>
-            </c:spPr>
-            <c:extLst>
-              <c:ext xmlns:c16="http://schemas.microsoft.com/office/drawing/2014/chart" uri="{C3380CC4-5D6E-409C-BE32-E72D297353CC}">
-                <c16:uniqueId val="{00000003-04B9-44E8-8E31-5CEE077198EA}"/>
-              </c:ext>
-            </c:extLst>
-          </c:dPt>
-          <c:dPt>
-            <c:idx val="2"/>
-            <c:bubble3D val="0"/>
-            <c:spPr>
-              <a:solidFill>
-                <a:srgbClr val="00BCF2"/>
-              </a:solidFill>
-            </c:spPr>
-            <c:extLst>
-              <c:ext xmlns:c16="http://schemas.microsoft.com/office/drawing/2014/chart" uri="{C3380CC4-5D6E-409C-BE32-E72D297353CC}">
-                <c16:uniqueId val="{00000005-04B9-44E8-8E31-5CEE077198EA}"/>
-              </c:ext>
-            </c:extLst>
-          </c:dPt>
-          <c:dPt>
-            <c:idx val="3"/>
-            <c:bubble3D val="0"/>
-            <c:spPr>
-              <a:solidFill>
-                <a:srgbClr val="00BCF2"/>
-              </a:solidFill>
-            </c:spPr>
-            <c:extLst>
-              <c:ext xmlns:c16="http://schemas.microsoft.com/office/drawing/2014/chart" uri="{C3380CC4-5D6E-409C-BE32-E72D297353CC}">
-                <c16:uniqueId val="{00000007-04B9-44E8-8E31-5CEE077198EA}"/>
-              </c:ext>
-            </c:extLst>
-          </c:dPt>
-          <c:dPt>
-            <c:idx val="4"/>
-            <c:bubble3D val="0"/>
-            <c:spPr>
-              <a:solidFill>
-                <a:srgbClr val="00BCF2"/>
-              </a:solidFill>
-            </c:spPr>
-            <c:extLst>
-              <c:ext xmlns:c16="http://schemas.microsoft.com/office/drawing/2014/chart" uri="{C3380CC4-5D6E-409C-BE32-E72D297353CC}">
-                <c16:uniqueId val="{00000009-04B9-44E8-8E31-5CEE077198EA}"/>
-              </c:ext>
-            </c:extLst>
-          </c:dPt>
-          <c:dPt>
-            <c:idx val="5"/>
-            <c:bubble3D val="0"/>
-            <c:spPr>
-              <a:solidFill>
-                <a:srgbClr val="00BCF2"/>
-              </a:solidFill>
-            </c:spPr>
-            <c:extLst>
-              <c:ext xmlns:c16="http://schemas.microsoft.com/office/drawing/2014/chart" uri="{C3380CC4-5D6E-409C-BE32-E72D297353CC}">
-                <c16:uniqueId val="{0000000B-04B9-44E8-8E31-5CEE077198EA}"/>
-              </c:ext>
-            </c:extLst>
-          </c:dPt>
-          <c:dLbls>
-            <c:spPr>
-              <a:noFill/>
-              <a:ln>
-                <a:noFill/>
-              </a:ln>
-              <a:effectLst/>
-            </c:spPr>
-            <c:txPr>
-              <a:bodyPr/>
-              <a:lstStyle/>
-              <a:p>
-                <a:pPr>
-                  <a:defRPr sz="900"/>
-                </a:pPr>
-                <a:endParaRPr lang="en-US"/>
-              </a:p>
-            </c:txPr>
-            <c:showLegendKey val="0"/>
-            <c:showVal val="1"/>
-            <c:showCatName val="0"/>
-            <c:showSerName val="0"/>
-            <c:showPercent val="1"/>
-            <c:showBubbleSize val="0"/>
-            <c:showLeaderLines val="1"/>
-            <c:extLst>
-              <c:ext xmlns:c15="http://schemas.microsoft.com/office/drawing/2012/chart" uri="{CE6537A1-D6FC-4f65-9D91-7224C49458BB}"/>
-            </c:extLst>
-          </c:dLbls>
-          <c:cat>
-            <c:strRef>
-              <c:f>Sheet1!$A$2:$A$7</c:f>
-              <c:strCache>
-                <c:ptCount val="6"/>
-                <c:pt idx="0">
-                  <c:v>Yes - I sometimes use mobile data</c:v>
-                </c:pt>
-                <c:pt idx="1">
-                  <c:v>Yes - I mainly use mobile data</c:v>
-                </c:pt>
-                <c:pt idx="2">
-                  <c:v>Yes - I have used mobile data but don't do so often</c:v>
-                </c:pt>
-                <c:pt idx="3">
-                  <c:v>No</c:v>
-                </c:pt>
-                <c:pt idx="4">
-                  <c:v>Not sure</c:v>
-                </c:pt>
-                <c:pt idx="5">
-                  <c:v>NET: Yes</c:v>
-                </c:pt>
-              </c:strCache>
-            </c:strRef>
-          </c:cat>
-          <c:val>
-            <c:numRef>
-              <c:f>Sheet1!$B$2:$B$7</c:f>
-              <c:numCache>
-                <c:formatCode>General</c:formatCode>
-                <c:ptCount val="6"/>
-                <c:pt idx="0">
-                  <c:v>0.39198413818043454</c:v>
-                </c:pt>
-                <c:pt idx="1">
-                  <c:v>0.27417214410906843</c:v>
-                </c:pt>
-                <c:pt idx="2">
-                  <c:v>0.22244299511609189</c:v>
-                </c:pt>
-                <c:pt idx="3">
-                  <c:v>8.5493962398550782E-2</c:v>
-                </c:pt>
-                <c:pt idx="4">
-                  <c:v>2.5906760195853699E-2</c:v>
-                </c:pt>
-                <c:pt idx="5">
-                  <c:v>0.88859927740559541</c:v>
-                </c:pt>
-              </c:numCache>
-            </c:numRef>
-          </c:val>
-          <c:extLst>
-            <c:ext xmlns:c16="http://schemas.microsoft.com/office/drawing/2014/chart" uri="{C3380CC4-5D6E-409C-BE32-E72D297353CC}">
-              <c16:uniqueId val="{0000000C-04B9-44E8-8E31-5CEE077198EA}"/>
-            </c:ext>
-          </c:extLst>
-        </c:ser>
-        <c:dLbls>
-          <c:showLegendKey val="0"/>
-          <c:showVal val="1"/>
-          <c:showCatName val="0"/>
-          <c:showSerName val="0"/>
-          <c:showPercent val="1"/>
-          <c:showBubbleSize val="0"/>
-          <c:showLeaderLines val="1"/>
-        </c:dLbls>
-        <c:firstSliceAng val="0"/>
-      </c:pieChart>
-    </c:plotArea>
-    <c:legend>
-      <c:legendPos val="r"/>
-      <c:overlay val="1"/>
-    </c:legend>
-    <c:plotVisOnly val="1"/>
-    <c:dispBlanksAs val="gap"/>
-    <c:showDLblsOverMax val="1"/>
-  </c:chart>
-  <c:txPr>
-    <a:bodyPr/>
-    <a:lstStyle/>
-    <a:p>
-      <a:pPr>
-        <a:defRPr sz="1800"/>
-      </a:pPr>
-      <a:endParaRPr lang="en-US"/>
-    </a:p>
-  </c:txPr>
-  <c:externalData r:id="rId1">
-    <c:autoUpdate val="0"/>
-  </c:externalData>
-</c:chartSpace>
-</file>
-
-<file path=ppt/charts/chart8.xml><?xml version="1.0" encoding="utf-8"?>
-<c:chartSpace xmlns:c="http://schemas.openxmlformats.org/drawingml/2006/chart" xmlns:a="http://schemas.openxmlformats.org/drawingml/2006/main" xmlns:r="http://schemas.openxmlformats.org/officeDocument/2006/relationships" xmlns:c16r2="http://schemas.microsoft.com/office/drawing/2015/06/chart">
-  <c:date1904 val="1"/>
-  <c:lang val="en-US"/>
-  <c:roundedCorners val="1"/>
-  <c:style val="2"/>
-  <c:chart>
-    <c:autoTitleDeleted val="0"/>
-    <c:plotArea>
-      <c:layout/>
-      <c:pieChart>
-        <c:varyColors val="1"/>
-        <c:ser>
-          <c:idx val="0"/>
-          <c:order val="0"/>
-          <c:tx>
-            <c:strRef>
-              <c:f>Sheet1!$B$1</c:f>
-              <c:strCache>
-                <c:ptCount val="1"/>
-                <c:pt idx="0">
-                  <c:v>Values</c:v>
-                </c:pt>
-              </c:strCache>
-            </c:strRef>
-          </c:tx>
-          <c:dPt>
-            <c:idx val="0"/>
-            <c:bubble3D val="0"/>
-            <c:spPr>
-              <a:solidFill>
-                <a:srgbClr val="00BCF2"/>
-              </a:solidFill>
-            </c:spPr>
-            <c:extLst>
-              <c:ext xmlns:c16="http://schemas.microsoft.com/office/drawing/2014/chart" uri="{C3380CC4-5D6E-409C-BE32-E72D297353CC}">
-                <c16:uniqueId val="{00000001-87AC-4186-B00E-B89BD8BED594}"/>
-              </c:ext>
-            </c:extLst>
-          </c:dPt>
-          <c:dPt>
-            <c:idx val="1"/>
-            <c:bubble3D val="0"/>
-            <c:spPr>
-              <a:solidFill>
-                <a:srgbClr val="00BCF2"/>
-              </a:solidFill>
-            </c:spPr>
-            <c:extLst>
-              <c:ext xmlns:c16="http://schemas.microsoft.com/office/drawing/2014/chart" uri="{C3380CC4-5D6E-409C-BE32-E72D297353CC}">
-                <c16:uniqueId val="{00000003-87AC-4186-B00E-B89BD8BED594}"/>
-              </c:ext>
-            </c:extLst>
-          </c:dPt>
-          <c:dPt>
-            <c:idx val="2"/>
-            <c:bubble3D val="0"/>
-            <c:spPr>
-              <a:solidFill>
-                <a:srgbClr val="00BCF2"/>
-              </a:solidFill>
-            </c:spPr>
-            <c:extLst>
-              <c:ext xmlns:c16="http://schemas.microsoft.com/office/drawing/2014/chart" uri="{C3380CC4-5D6E-409C-BE32-E72D297353CC}">
-                <c16:uniqueId val="{00000005-87AC-4186-B00E-B89BD8BED594}"/>
-              </c:ext>
-            </c:extLst>
-          </c:dPt>
-          <c:dPt>
-            <c:idx val="3"/>
-            <c:bubble3D val="0"/>
-            <c:spPr>
-              <a:solidFill>
-                <a:srgbClr val="00BCF2"/>
-              </a:solidFill>
-            </c:spPr>
-            <c:extLst>
-              <c:ext xmlns:c16="http://schemas.microsoft.com/office/drawing/2014/chart" uri="{C3380CC4-5D6E-409C-BE32-E72D297353CC}">
-                <c16:uniqueId val="{00000007-87AC-4186-B00E-B89BD8BED594}"/>
-              </c:ext>
-            </c:extLst>
-          </c:dPt>
-          <c:dPt>
-            <c:idx val="4"/>
-            <c:bubble3D val="0"/>
-            <c:spPr>
-              <a:solidFill>
-                <a:srgbClr val="00BCF2"/>
-              </a:solidFill>
-            </c:spPr>
-            <c:extLst>
-              <c:ext xmlns:c16="http://schemas.microsoft.com/office/drawing/2014/chart" uri="{C3380CC4-5D6E-409C-BE32-E72D297353CC}">
-                <c16:uniqueId val="{00000009-87AC-4186-B00E-B89BD8BED594}"/>
-              </c:ext>
-            </c:extLst>
-          </c:dPt>
-          <c:dPt>
-            <c:idx val="5"/>
-            <c:bubble3D val="0"/>
-            <c:spPr>
-              <a:solidFill>
-                <a:srgbClr val="00BCF2"/>
-              </a:solidFill>
-            </c:spPr>
-            <c:extLst>
-              <c:ext xmlns:c16="http://schemas.microsoft.com/office/drawing/2014/chart" uri="{C3380CC4-5D6E-409C-BE32-E72D297353CC}">
-                <c16:uniqueId val="{0000000B-87AC-4186-B00E-B89BD8BED594}"/>
-              </c:ext>
-            </c:extLst>
-          </c:dPt>
-          <c:dPt>
-            <c:idx val="6"/>
-            <c:bubble3D val="0"/>
-            <c:spPr>
-              <a:solidFill>
-                <a:srgbClr val="00BCF2"/>
-              </a:solidFill>
-            </c:spPr>
-            <c:extLst>
-              <c:ext xmlns:c16="http://schemas.microsoft.com/office/drawing/2014/chart" uri="{C3380CC4-5D6E-409C-BE32-E72D297353CC}">
-                <c16:uniqueId val="{0000000D-87AC-4186-B00E-B89BD8BED594}"/>
-              </c:ext>
-            </c:extLst>
-          </c:dPt>
-          <c:dPt>
-            <c:idx val="7"/>
-            <c:bubble3D val="0"/>
-            <c:spPr>
-              <a:solidFill>
-                <a:srgbClr val="00BCF2"/>
-              </a:solidFill>
-            </c:spPr>
-            <c:extLst>
-              <c:ext xmlns:c16="http://schemas.microsoft.com/office/drawing/2014/chart" uri="{C3380CC4-5D6E-409C-BE32-E72D297353CC}">
-                <c16:uniqueId val="{0000000F-87AC-4186-B00E-B89BD8BED594}"/>
-              </c:ext>
-            </c:extLst>
-          </c:dPt>
-          <c:dPt>
-            <c:idx val="8"/>
-            <c:bubble3D val="0"/>
-            <c:spPr>
-              <a:solidFill>
-                <a:srgbClr val="00BCF2"/>
-              </a:solidFill>
-            </c:spPr>
-            <c:extLst>
-              <c:ext xmlns:c16="http://schemas.microsoft.com/office/drawing/2014/chart" uri="{C3380CC4-5D6E-409C-BE32-E72D297353CC}">
-                <c16:uniqueId val="{00000011-87AC-4186-B00E-B89BD8BED594}"/>
-              </c:ext>
-            </c:extLst>
-          </c:dPt>
-          <c:dPt>
-            <c:idx val="9"/>
-            <c:bubble3D val="0"/>
-            <c:spPr>
-              <a:solidFill>
-                <a:srgbClr val="00BCF2"/>
-              </a:solidFill>
-            </c:spPr>
-            <c:extLst>
-              <c:ext xmlns:c16="http://schemas.microsoft.com/office/drawing/2014/chart" uri="{C3380CC4-5D6E-409C-BE32-E72D297353CC}">
-                <c16:uniqueId val="{00000013-87AC-4186-B00E-B89BD8BED594}"/>
-              </c:ext>
-            </c:extLst>
-          </c:dPt>
-          <c:dPt>
-            <c:idx val="10"/>
-            <c:bubble3D val="0"/>
-            <c:spPr>
-              <a:solidFill>
-                <a:srgbClr val="00BCF2"/>
-              </a:solidFill>
-            </c:spPr>
-            <c:extLst>
-              <c:ext xmlns:c16="http://schemas.microsoft.com/office/drawing/2014/chart" uri="{C3380CC4-5D6E-409C-BE32-E72D297353CC}">
-                <c16:uniqueId val="{00000015-87AC-4186-B00E-B89BD8BED594}"/>
-              </c:ext>
-            </c:extLst>
-          </c:dPt>
-          <c:dLbls>
-            <c:spPr>
-              <a:noFill/>
-              <a:ln>
-                <a:noFill/>
-              </a:ln>
-              <a:effectLst/>
-            </c:spPr>
-            <c:txPr>
-              <a:bodyPr/>
-              <a:lstStyle/>
-              <a:p>
-                <a:pPr>
-                  <a:defRPr sz="900"/>
-                </a:pPr>
-                <a:endParaRPr lang="en-US"/>
-              </a:p>
-            </c:txPr>
-            <c:showLegendKey val="0"/>
-            <c:showVal val="1"/>
-            <c:showCatName val="0"/>
-            <c:showSerName val="0"/>
-            <c:showPercent val="1"/>
-            <c:showBubbleSize val="0"/>
-            <c:showLeaderLines val="1"/>
-            <c:extLst>
-              <c:ext xmlns:c15="http://schemas.microsoft.com/office/drawing/2012/chart" uri="{CE6537A1-D6FC-4f65-9D91-7224C49458BB}"/>
-            </c:extLst>
-          </c:dLbls>
-          <c:cat>
-            <c:strRef>
-              <c:f>Sheet1!$A$2:$A$12</c:f>
-              <c:strCache>
-                <c:ptCount val="11"/>
-                <c:pt idx="0">
-                  <c:v>At work</c:v>
-                </c:pt>
-                <c:pt idx="1">
-                  <c:v>At the gym</c:v>
-                </c:pt>
-                <c:pt idx="2">
-                  <c:v>At the pub</c:v>
-                </c:pt>
-                <c:pt idx="3">
-                  <c:v>On a holiday in the UK</c:v>
-                </c:pt>
-                <c:pt idx="4">
-                  <c:v>On a holiday abroad</c:v>
-                </c:pt>
-                <c:pt idx="5">
-                  <c:v>In the house/while in the same home as my pet</c:v>
-                </c:pt>
-                <c:pt idx="6">
-                  <c:v>On a date</c:v>
-                </c:pt>
-                <c:pt idx="7">
-                  <c:v>At a wedding</c:v>
-                </c:pt>
-                <c:pt idx="8">
-                  <c:v>At a gig</c:v>
-                </c:pt>
-                <c:pt idx="9">
-                  <c:v>None of these</c:v>
-                </c:pt>
-                <c:pt idx="10">
-                  <c:v>Not sure</c:v>
-                </c:pt>
-              </c:strCache>
-            </c:strRef>
-          </c:cat>
-          <c:val>
-            <c:numRef>
-              <c:f>Sheet1!$B$2:$B$12</c:f>
-              <c:numCache>
-                <c:formatCode>General</c:formatCode>
-                <c:ptCount val="11"/>
-                <c:pt idx="0">
-                  <c:v>0.59082882616966304</c:v>
-                </c:pt>
-                <c:pt idx="1">
-                  <c:v>0.35793390370847861</c:v>
-                </c:pt>
-                <c:pt idx="2">
-                  <c:v>0.29062190437114777</c:v>
-                </c:pt>
-                <c:pt idx="3">
-                  <c:v>0.28913471159016402</c:v>
-                </c:pt>
-                <c:pt idx="4">
-                  <c:v>0.28390983606874709</c:v>
-                </c:pt>
-                <c:pt idx="5">
-                  <c:v>0.24211201499826945</c:v>
-                </c:pt>
-                <c:pt idx="6">
-                  <c:v>0.16307655993847855</c:v>
-                </c:pt>
-                <c:pt idx="7">
-                  <c:v>0.14831151842032844</c:v>
-                </c:pt>
-                <c:pt idx="8">
-                  <c:v>0.10215060362104091</c:v>
-                </c:pt>
-                <c:pt idx="9">
-                  <c:v>1.9924589679836999E-2</c:v>
-                </c:pt>
-                <c:pt idx="10">
-                  <c:v>2.0856044640382588E-2</c:v>
-                </c:pt>
-              </c:numCache>
-            </c:numRef>
-          </c:val>
-          <c:extLst>
-            <c:ext xmlns:c16="http://schemas.microsoft.com/office/drawing/2014/chart" uri="{C3380CC4-5D6E-409C-BE32-E72D297353CC}">
-              <c16:uniqueId val="{00000016-87AC-4186-B00E-B89BD8BED594}"/>
-            </c:ext>
-          </c:extLst>
-        </c:ser>
-        <c:dLbls>
-          <c:showLegendKey val="0"/>
-          <c:showVal val="1"/>
-          <c:showCatName val="0"/>
-          <c:showSerName val="0"/>
-          <c:showPercent val="1"/>
-          <c:showBubbleSize val="0"/>
-          <c:showLeaderLines val="1"/>
-        </c:dLbls>
-        <c:firstSliceAng val="0"/>
-      </c:pieChart>
-    </c:plotArea>
-    <c:legend>
-      <c:legendPos val="r"/>
-      <c:overlay val="1"/>
-    </c:legend>
-    <c:plotVisOnly val="1"/>
-    <c:dispBlanksAs val="gap"/>
-    <c:showDLblsOverMax val="1"/>
-  </c:chart>
-  <c:txPr>
-    <a:bodyPr/>
-    <a:lstStyle/>
-    <a:p>
-      <a:pPr>
-        <a:defRPr sz="1800"/>
-      </a:pPr>
-      <a:endParaRPr lang="en-US"/>
-    </a:p>
-  </c:txPr>
-  <c:externalData r:id="rId1">
-    <c:autoUpdate val="0"/>
-  </c:externalData>
-</c:chartSpace>
-</file>
-
-<file path=ppt/charts/chart9.xml><?xml version="1.0" encoding="utf-8"?>
-<c:chartSpace xmlns:c="http://schemas.openxmlformats.org/drawingml/2006/chart" xmlns:a="http://schemas.openxmlformats.org/drawingml/2006/main" xmlns:r="http://schemas.openxmlformats.org/officeDocument/2006/relationships" xmlns:c16r2="http://schemas.microsoft.com/office/drawing/2015/06/chart">
-  <c:date1904 val="1"/>
-  <c:lang val="en-US"/>
-  <c:roundedCorners val="1"/>
-  <c:style val="2"/>
-  <c:chart>
-    <c:title>
-      <c:overlay val="0"/>
-    </c:title>
-    <c:autoTitleDeleted val="0"/>
-    <c:plotArea>
-      <c:layout/>
-      <c:pieChart>
-        <c:varyColors val="1"/>
-        <c:ser>
-          <c:idx val="0"/>
-          <c:order val="0"/>
-          <c:tx>
-            <c:strRef>
-              <c:f>Sheet1!$B$1</c:f>
-              <c:strCache>
-                <c:ptCount val="1"/>
-                <c:pt idx="0">
-                  <c:v>Values</c:v>
-                </c:pt>
-              </c:strCache>
-            </c:strRef>
-          </c:tx>
-          <c:dPt>
-            <c:idx val="0"/>
-            <c:bubble3D val="0"/>
-            <c:spPr>
-              <a:solidFill>
-                <a:srgbClr val="00BCF2"/>
-              </a:solidFill>
-            </c:spPr>
-            <c:extLst>
-              <c:ext xmlns:c16="http://schemas.microsoft.com/office/drawing/2014/chart" uri="{C3380CC4-5D6E-409C-BE32-E72D297353CC}">
-                <c16:uniqueId val="{00000001-A0A5-450A-BDCE-9745EE61EBED}"/>
-              </c:ext>
-            </c:extLst>
-          </c:dPt>
-          <c:dPt>
-            <c:idx val="1"/>
-            <c:bubble3D val="0"/>
-            <c:spPr>
-              <a:solidFill>
-                <a:srgbClr val="00BCF2"/>
-              </a:solidFill>
-            </c:spPr>
-            <c:extLst>
-              <c:ext xmlns:c16="http://schemas.microsoft.com/office/drawing/2014/chart" uri="{C3380CC4-5D6E-409C-BE32-E72D297353CC}">
-                <c16:uniqueId val="{00000003-A0A5-450A-BDCE-9745EE61EBED}"/>
-              </c:ext>
-            </c:extLst>
-          </c:dPt>
-          <c:dPt>
-            <c:idx val="2"/>
-            <c:bubble3D val="0"/>
-            <c:spPr>
-              <a:solidFill>
-                <a:srgbClr val="00BCF2"/>
-              </a:solidFill>
-            </c:spPr>
-            <c:extLst>
-              <c:ext xmlns:c16="http://schemas.microsoft.com/office/drawing/2014/chart" uri="{C3380CC4-5D6E-409C-BE32-E72D297353CC}">
-                <c16:uniqueId val="{00000005-A0A5-450A-BDCE-9745EE61EBED}"/>
-              </c:ext>
-            </c:extLst>
-          </c:dPt>
-          <c:dPt>
-            <c:idx val="3"/>
-            <c:bubble3D val="0"/>
-            <c:spPr>
-              <a:solidFill>
-                <a:srgbClr val="00BCF2"/>
-              </a:solidFill>
-            </c:spPr>
-            <c:extLst>
-              <c:ext xmlns:c16="http://schemas.microsoft.com/office/drawing/2014/chart" uri="{C3380CC4-5D6E-409C-BE32-E72D297353CC}">
-                <c16:uniqueId val="{00000007-A0A5-450A-BDCE-9745EE61EBED}"/>
-              </c:ext>
-            </c:extLst>
-          </c:dPt>
-          <c:dPt>
-            <c:idx val="4"/>
-            <c:bubble3D val="0"/>
-            <c:spPr>
-              <a:solidFill>
-                <a:srgbClr val="00BCF2"/>
-              </a:solidFill>
-            </c:spPr>
-            <c:extLst>
-              <c:ext xmlns:c16="http://schemas.microsoft.com/office/drawing/2014/chart" uri="{C3380CC4-5D6E-409C-BE32-E72D297353CC}">
-                <c16:uniqueId val="{00000009-A0A5-450A-BDCE-9745EE61EBED}"/>
-              </c:ext>
-            </c:extLst>
-          </c:dPt>
-          <c:dPt>
-            <c:idx val="5"/>
-            <c:bubble3D val="0"/>
-            <c:spPr>
-              <a:solidFill>
-                <a:srgbClr val="00BCF2"/>
-              </a:solidFill>
-            </c:spPr>
-            <c:extLst>
-              <c:ext xmlns:c16="http://schemas.microsoft.com/office/drawing/2014/chart" uri="{C3380CC4-5D6E-409C-BE32-E72D297353CC}">
-                <c16:uniqueId val="{0000000B-A0A5-450A-BDCE-9745EE61EBED}"/>
-              </c:ext>
-            </c:extLst>
-          </c:dPt>
-          <c:dPt>
-            <c:idx val="6"/>
-            <c:bubble3D val="0"/>
-            <c:spPr>
-              <a:solidFill>
-                <a:srgbClr val="00BCF2"/>
-              </a:solidFill>
-            </c:spPr>
-            <c:extLst>
-              <c:ext xmlns:c16="http://schemas.microsoft.com/office/drawing/2014/chart" uri="{C3380CC4-5D6E-409C-BE32-E72D297353CC}">
-                <c16:uniqueId val="{0000000D-A0A5-450A-BDCE-9745EE61EBED}"/>
-              </c:ext>
-            </c:extLst>
-          </c:dPt>
-          <c:dPt>
-            <c:idx val="7"/>
-            <c:bubble3D val="0"/>
-            <c:spPr>
-              <a:solidFill>
-                <a:srgbClr val="00BCF2"/>
-              </a:solidFill>
-            </c:spPr>
-            <c:extLst>
-              <c:ext xmlns:c16="http://schemas.microsoft.com/office/drawing/2014/chart" uri="{C3380CC4-5D6E-409C-BE32-E72D297353CC}">
-                <c16:uniqueId val="{0000000F-A0A5-450A-BDCE-9745EE61EBED}"/>
-              </c:ext>
-            </c:extLst>
-          </c:dPt>
-          <c:dPt>
-            <c:idx val="8"/>
-            <c:bubble3D val="0"/>
-            <c:spPr>
-              <a:solidFill>
-                <a:srgbClr val="00BCF2"/>
-              </a:solidFill>
-            </c:spPr>
-            <c:extLst>
-              <c:ext xmlns:c16="http://schemas.microsoft.com/office/drawing/2014/chart" uri="{C3380CC4-5D6E-409C-BE32-E72D297353CC}">
-                <c16:uniqueId val="{00000011-A0A5-450A-BDCE-9745EE61EBED}"/>
-              </c:ext>
-            </c:extLst>
-          </c:dPt>
-          <c:dLbls>
-            <c:spPr>
-              <a:noFill/>
-              <a:ln>
-                <a:noFill/>
-              </a:ln>
-              <a:effectLst/>
-            </c:spPr>
-            <c:txPr>
-              <a:bodyPr/>
-              <a:lstStyle/>
-              <a:p>
-                <a:pPr>
-                  <a:defRPr sz="900"/>
-                </a:pPr>
-                <a:endParaRPr lang="en-US"/>
-              </a:p>
-            </c:txPr>
-            <c:showLegendKey val="0"/>
-            <c:showVal val="1"/>
-            <c:showCatName val="0"/>
-            <c:showSerName val="0"/>
-            <c:showPercent val="1"/>
-            <c:showBubbleSize val="0"/>
-            <c:showLeaderLines val="1"/>
-            <c:extLst>
-              <c:ext xmlns:c15="http://schemas.microsoft.com/office/drawing/2012/chart" uri="{CE6537A1-D6FC-4f65-9D91-7224C49458BB}"/>
-            </c:extLst>
-          </c:dLbls>
-          <c:cat>
-            <c:strRef>
-              <c:f>Sheet1!$A$2:$A$10</c:f>
-              <c:strCache>
-                <c:ptCount val="9"/>
-                <c:pt idx="0">
-                  <c:v>Sleeping in a strange position</c:v>
-                </c:pt>
-                <c:pt idx="1">
-                  <c:v>Destroying something</c:v>
-                </c:pt>
-                <c:pt idx="2">
-                  <c:v>Watching TV</c:v>
-                </c:pt>
-                <c:pt idx="3">
-                  <c:v>Making unusual sounds</c:v>
-                </c:pt>
-                <c:pt idx="4">
-                  <c:v>Playing with another pet</c:v>
-                </c:pt>
-                <c:pt idx="5">
-                  <c:v>Eating something they shouldn't</c:v>
-                </c:pt>
-                <c:pt idx="6">
-                  <c:v>Trying to escape</c:v>
-                </c:pt>
-                <c:pt idx="7">
-                  <c:v>Other (please specify)</c:v>
-                </c:pt>
-                <c:pt idx="8">
-                  <c:v>N/A - I have never seen my pet do something funny when checking in</c:v>
-                </c:pt>
-              </c:strCache>
-            </c:strRef>
-          </c:cat>
-          <c:val>
-            <c:numRef>
-              <c:f>Sheet1!$B$2:$B$10</c:f>
-              <c:numCache>
-                <c:formatCode>General</c:formatCode>
-                <c:ptCount val="9"/>
-                <c:pt idx="0">
-                  <c:v>0.4366749790961682</c:v>
-                </c:pt>
-                <c:pt idx="1">
-                  <c:v>0.2879768771976815</c:v>
-                </c:pt>
-                <c:pt idx="2">
-                  <c:v>0.28652589047084442</c:v>
-                </c:pt>
-                <c:pt idx="3">
-                  <c:v>0.26326465041051106</c:v>
-                </c:pt>
-                <c:pt idx="4">
-                  <c:v>0.26204342889700238</c:v>
-                </c:pt>
-                <c:pt idx="5">
-                  <c:v>0.2454175268267626</c:v>
-                </c:pt>
-                <c:pt idx="6">
-                  <c:v>0.17658187583059839</c:v>
-                </c:pt>
-                <c:pt idx="7">
-                  <c:v>5.3575168294052213E-3</c:v>
-                </c:pt>
-                <c:pt idx="8">
-                  <c:v>0.11113677050775701</c:v>
-                </c:pt>
-              </c:numCache>
-            </c:numRef>
-          </c:val>
-          <c:extLst>
-            <c:ext xmlns:c16="http://schemas.microsoft.com/office/drawing/2014/chart" uri="{C3380CC4-5D6E-409C-BE32-E72D297353CC}">
-              <c16:uniqueId val="{00000012-A0A5-450A-BDCE-9745EE61EBED}"/>
-            </c:ext>
-          </c:extLst>
-        </c:ser>
-        <c:dLbls>
-          <c:showLegendKey val="0"/>
-          <c:showVal val="1"/>
-          <c:showCatName val="0"/>
-          <c:showSerName val="0"/>
-          <c:showPercent val="1"/>
-          <c:showBubbleSize val="0"/>
-          <c:showLeaderLines val="1"/>
-        </c:dLbls>
-        <c:firstSliceAng val="0"/>
-      </c:pieChart>
-    </c:plotArea>
-    <c:legend>
-      <c:legendPos val="r"/>
-      <c:overlay val="1"/>
-    </c:legend>
-    <c:plotVisOnly val="1"/>
-    <c:dispBlanksAs val="gap"/>
-    <c:showDLblsOverMax val="1"/>
   </c:chart>
   <c:txPr>
     <a:bodyPr/>
@@ -3359,7 +2877,7 @@
               <a:rPr lang="en-GB" smtClean="0">
                 <a:latin typeface="Arial" panose="020B0604020202020204" pitchFamily="34" charset="0"/>
               </a:rPr>
-              <a:t>22/09/2025</a:t>
+              <a:t>22/10/2025</a:t>
             </a:fld>
             <a:endParaRPr lang="en-GB" dirty="0">
               <a:latin typeface="Arial" panose="020B0604020202020204" pitchFamily="34" charset="0"/>
@@ -3549,7 +3067,7 @@
             <a:fld id="{40DFA392-50AE-1F47-901F-3D43EC48B69B}" type="datetimeFigureOut">
               <a:rPr lang="en-GB" smtClean="0"/>
               <a:pPr/>
-              <a:t>22/09/2025</a:t>
+              <a:t>22/10/2025</a:t>
             </a:fld>
             <a:endParaRPr lang="en-GB" dirty="0"/>
           </a:p>
@@ -35384,7 +34902,7 @@
 </file>
 
 <file path=ppt/slides/slide10.xml><?xml version="1.0" encoding="utf-8"?>
-<p:sld xmlns:a="http://schemas.openxmlformats.org/drawingml/2006/main" xmlns:r="http://schemas.openxmlformats.org/officeDocument/2006/relationships" xmlns:p="http://schemas.openxmlformats.org/presentationml/2006/main">
+<p:sld xmlns:a="http://schemas.openxmlformats.org/drawingml/2006/main" xmlns:p="http://schemas.openxmlformats.org/presentationml/2006/main" xmlns:r="http://schemas.openxmlformats.org/officeDocument/2006/relationships">
   <p:cSld>
     <p:spTree>
       <p:nvGrpSpPr>
@@ -35392,14 +34910,7 @@
         <p:cNvGrpSpPr/>
         <p:nvPr/>
       </p:nvGrpSpPr>
-      <p:grpSpPr>
-        <a:xfrm>
-          <a:off x="0" y="0"/>
-          <a:ext cx="0" cy="0"/>
-          <a:chOff x="0" y="0"/>
-          <a:chExt cx="0" cy="0"/>
-        </a:xfrm>
-      </p:grpSpPr>
+      <p:grpSpPr/>
       <p:sp>
         <p:nvSpPr>
           <p:cNvPr id="2" name="Title 1"/>
@@ -35416,7 +34927,7 @@
           <a:lstStyle/>
           <a:p>
             <a:r>
-              <a:t>Pie Chart - UK28704_Q7</a:t>
+              <a:t>UK28704_Q8 - Total</a:t>
             </a:r>
           </a:p>
         </p:txBody>
@@ -35435,9 +34946,7 @@
         <p:txBody>
           <a:bodyPr/>
           <a:lstStyle/>
-          <a:p>
-            <a:endParaRPr/>
-          </a:p>
+          <a:p/>
         </p:txBody>
       </p:sp>
       <p:sp>
@@ -35447,16 +34956,14 @@
             <a:spLocks noGrp="1"/>
           </p:cNvSpPr>
           <p:nvPr>
-            <p:ph type="body" sz="quarter" idx="12"/>
+            <p:ph type="body" idx="12" sz="quarter"/>
           </p:nvPr>
         </p:nvSpPr>
         <p:spPr/>
         <p:txBody>
           <a:bodyPr/>
           <a:lstStyle/>
-          <a:p>
-            <a:endParaRPr/>
-          </a:p>
+          <a:p/>
         </p:txBody>
       </p:sp>
       <p:graphicFrame>
@@ -35473,7 +34980,7 @@
         </p:xfrm>
         <a:graphic>
           <a:graphicData uri="http://schemas.openxmlformats.org/drawingml/2006/chart">
-            <c:chart xmlns:c="http://schemas.openxmlformats.org/drawingml/2006/chart" xmlns:r="http://schemas.openxmlformats.org/officeDocument/2006/relationships" r:id="rId2"/>
+            <c:chart xmlns:c="http://schemas.openxmlformats.org/drawingml/2006/chart" r:id="rId2"/>
           </a:graphicData>
         </a:graphic>
       </p:graphicFrame>
@@ -35486,7 +34993,7 @@
 </file>
 
 <file path=ppt/slides/slide11.xml><?xml version="1.0" encoding="utf-8"?>
-<p:sld xmlns:a="http://schemas.openxmlformats.org/drawingml/2006/main" xmlns:r="http://schemas.openxmlformats.org/officeDocument/2006/relationships" xmlns:p="http://schemas.openxmlformats.org/presentationml/2006/main">
+<p:sld xmlns:a="http://schemas.openxmlformats.org/drawingml/2006/main" xmlns:p="http://schemas.openxmlformats.org/presentationml/2006/main" xmlns:r="http://schemas.openxmlformats.org/officeDocument/2006/relationships">
   <p:cSld>
     <p:spTree>
       <p:nvGrpSpPr>
@@ -35494,14 +35001,7 @@
         <p:cNvGrpSpPr/>
         <p:nvPr/>
       </p:nvGrpSpPr>
-      <p:grpSpPr>
-        <a:xfrm>
-          <a:off x="0" y="0"/>
-          <a:ext cx="0" cy="0"/>
-          <a:chOff x="0" y="0"/>
-          <a:chExt cx="0" cy="0"/>
-        </a:xfrm>
-      </p:grpSpPr>
+      <p:grpSpPr/>
       <p:sp>
         <p:nvSpPr>
           <p:cNvPr id="2" name="Title 1"/>
@@ -35518,7 +35018,7 @@
           <a:lstStyle/>
           <a:p>
             <a:r>
-              <a:t>Pie Chart - UK28704_Q8</a:t>
+              <a:t>UK28704_Q9 - Total</a:t>
             </a:r>
           </a:p>
         </p:txBody>
@@ -35537,9 +35037,7 @@
         <p:txBody>
           <a:bodyPr/>
           <a:lstStyle/>
-          <a:p>
-            <a:endParaRPr/>
-          </a:p>
+          <a:p/>
         </p:txBody>
       </p:sp>
       <p:sp>
@@ -35549,16 +35047,14 @@
             <a:spLocks noGrp="1"/>
           </p:cNvSpPr>
           <p:nvPr>
-            <p:ph type="body" sz="quarter" idx="12"/>
+            <p:ph type="body" idx="12" sz="quarter"/>
           </p:nvPr>
         </p:nvSpPr>
         <p:spPr/>
         <p:txBody>
           <a:bodyPr/>
           <a:lstStyle/>
-          <a:p>
-            <a:endParaRPr/>
-          </a:p>
+          <a:p/>
         </p:txBody>
       </p:sp>
       <p:graphicFrame>
@@ -35575,7 +35071,7 @@
         </p:xfrm>
         <a:graphic>
           <a:graphicData uri="http://schemas.openxmlformats.org/drawingml/2006/chart">
-            <c:chart xmlns:c="http://schemas.openxmlformats.org/drawingml/2006/chart" xmlns:r="http://schemas.openxmlformats.org/officeDocument/2006/relationships" r:id="rId2"/>
+            <c:chart xmlns:c="http://schemas.openxmlformats.org/drawingml/2006/chart" r:id="rId2"/>
           </a:graphicData>
         </a:graphic>
       </p:graphicFrame>
@@ -35588,7 +35084,7 @@
 </file>
 
 <file path=ppt/slides/slide12.xml><?xml version="1.0" encoding="utf-8"?>
-<p:sld xmlns:a="http://schemas.openxmlformats.org/drawingml/2006/main" xmlns:r="http://schemas.openxmlformats.org/officeDocument/2006/relationships" xmlns:p="http://schemas.openxmlformats.org/presentationml/2006/main">
+<p:sld xmlns:a="http://schemas.openxmlformats.org/drawingml/2006/main" xmlns:p="http://schemas.openxmlformats.org/presentationml/2006/main" xmlns:r="http://schemas.openxmlformats.org/officeDocument/2006/relationships">
   <p:cSld>
     <p:spTree>
       <p:nvGrpSpPr>
@@ -35596,14 +35092,7 @@
         <p:cNvGrpSpPr/>
         <p:nvPr/>
       </p:nvGrpSpPr>
-      <p:grpSpPr>
-        <a:xfrm>
-          <a:off x="0" y="0"/>
-          <a:ext cx="0" cy="0"/>
-          <a:chOff x="0" y="0"/>
-          <a:chExt cx="0" cy="0"/>
-        </a:xfrm>
-      </p:grpSpPr>
+      <p:grpSpPr/>
       <p:sp>
         <p:nvSpPr>
           <p:cNvPr id="2" name="Title 1"/>
@@ -35620,7 +35109,7 @@
           <a:lstStyle/>
           <a:p>
             <a:r>
-              <a:t>Pie Chart - UK28704_Q9</a:t>
+              <a:t>UK28704_Q10 - Total</a:t>
             </a:r>
           </a:p>
         </p:txBody>
@@ -35639,9 +35128,7 @@
         <p:txBody>
           <a:bodyPr/>
           <a:lstStyle/>
-          <a:p>
-            <a:endParaRPr/>
-          </a:p>
+          <a:p/>
         </p:txBody>
       </p:sp>
       <p:sp>
@@ -35651,16 +35138,14 @@
             <a:spLocks noGrp="1"/>
           </p:cNvSpPr>
           <p:nvPr>
-            <p:ph type="body" sz="quarter" idx="12"/>
+            <p:ph type="body" idx="12" sz="quarter"/>
           </p:nvPr>
         </p:nvSpPr>
         <p:spPr/>
         <p:txBody>
           <a:bodyPr/>
           <a:lstStyle/>
-          <a:p>
-            <a:endParaRPr/>
-          </a:p>
+          <a:p/>
         </p:txBody>
       </p:sp>
       <p:graphicFrame>
@@ -35677,109 +35162,7 @@
         </p:xfrm>
         <a:graphic>
           <a:graphicData uri="http://schemas.openxmlformats.org/drawingml/2006/chart">
-            <c:chart xmlns:c="http://schemas.openxmlformats.org/drawingml/2006/chart" xmlns:r="http://schemas.openxmlformats.org/officeDocument/2006/relationships" r:id="rId2"/>
-          </a:graphicData>
-        </a:graphic>
-      </p:graphicFrame>
-    </p:spTree>
-  </p:cSld>
-  <p:clrMapOvr>
-    <a:masterClrMapping/>
-  </p:clrMapOvr>
-</p:sld>
-</file>
-
-<file path=ppt/slides/slide13.xml><?xml version="1.0" encoding="utf-8"?>
-<p:sld xmlns:a="http://schemas.openxmlformats.org/drawingml/2006/main" xmlns:r="http://schemas.openxmlformats.org/officeDocument/2006/relationships" xmlns:p="http://schemas.openxmlformats.org/presentationml/2006/main">
-  <p:cSld>
-    <p:spTree>
-      <p:nvGrpSpPr>
-        <p:cNvPr id="1" name=""/>
-        <p:cNvGrpSpPr/>
-        <p:nvPr/>
-      </p:nvGrpSpPr>
-      <p:grpSpPr>
-        <a:xfrm>
-          <a:off x="0" y="0"/>
-          <a:ext cx="0" cy="0"/>
-          <a:chOff x="0" y="0"/>
-          <a:chExt cx="0" cy="0"/>
-        </a:xfrm>
-      </p:grpSpPr>
-      <p:sp>
-        <p:nvSpPr>
-          <p:cNvPr id="2" name="Title 1"/>
-          <p:cNvSpPr>
-            <a:spLocks noGrp="1"/>
-          </p:cNvSpPr>
-          <p:nvPr>
-            <p:ph type="title"/>
-          </p:nvPr>
-        </p:nvSpPr>
-        <p:spPr/>
-        <p:txBody>
-          <a:bodyPr/>
-          <a:lstStyle/>
-          <a:p>
-            <a:r>
-              <a:t>Column Chart - UK28704_Q10</a:t>
-            </a:r>
-          </a:p>
-        </p:txBody>
-      </p:sp>
-      <p:sp>
-        <p:nvSpPr>
-          <p:cNvPr id="3" name="Content Placeholder 2"/>
-          <p:cNvSpPr>
-            <a:spLocks noGrp="1"/>
-          </p:cNvSpPr>
-          <p:nvPr>
-            <p:ph idx="1"/>
-          </p:nvPr>
-        </p:nvSpPr>
-        <p:spPr/>
-        <p:txBody>
-          <a:bodyPr/>
-          <a:lstStyle/>
-          <a:p>
-            <a:endParaRPr/>
-          </a:p>
-        </p:txBody>
-      </p:sp>
-      <p:sp>
-        <p:nvSpPr>
-          <p:cNvPr id="4" name="Text Placeholder 3"/>
-          <p:cNvSpPr>
-            <a:spLocks noGrp="1"/>
-          </p:cNvSpPr>
-          <p:nvPr>
-            <p:ph type="body" sz="quarter" idx="12"/>
-          </p:nvPr>
-        </p:nvSpPr>
-        <p:spPr/>
-        <p:txBody>
-          <a:bodyPr/>
-          <a:lstStyle/>
-          <a:p>
-            <a:endParaRPr/>
-          </a:p>
-        </p:txBody>
-      </p:sp>
-      <p:graphicFrame>
-        <p:nvGraphicFramePr>
-          <p:cNvPr id="5" name="Chart 4"/>
-          <p:cNvGraphicFramePr>
-            <a:graphicFrameLocks noGrp="1"/>
-          </p:cNvGraphicFramePr>
-          <p:nvPr/>
-        </p:nvGraphicFramePr>
-        <p:xfrm>
-          <a:off x="914400" y="1828800"/>
-          <a:ext cx="7315200" cy="4572000"/>
-        </p:xfrm>
-        <a:graphic>
-          <a:graphicData uri="http://schemas.openxmlformats.org/drawingml/2006/chart">
-            <c:chart xmlns:c="http://schemas.openxmlformats.org/drawingml/2006/chart" xmlns:r="http://schemas.openxmlformats.org/officeDocument/2006/relationships" r:id="rId2"/>
+            <c:chart xmlns:c="http://schemas.openxmlformats.org/drawingml/2006/chart" r:id="rId2"/>
           </a:graphicData>
         </a:graphic>
       </p:graphicFrame>
@@ -35945,31 +35328,6 @@
       </p:sp>
       <p:sp>
         <p:nvSpPr>
-          <p:cNvPr id="5" name="Content Placeholder 4">
-            <a:extLst>
-              <a:ext uri="{FF2B5EF4-FFF2-40B4-BE49-F238E27FC236}">
-                <a16:creationId xmlns:a16="http://schemas.microsoft.com/office/drawing/2014/main" id="{C1CD49FB-F108-D29F-B8E9-3FB8B2BBCEF0}"/>
-              </a:ext>
-            </a:extLst>
-          </p:cNvPr>
-          <p:cNvSpPr>
-            <a:spLocks noGrp="1"/>
-          </p:cNvSpPr>
-          <p:nvPr>
-            <p:ph idx="1"/>
-          </p:nvPr>
-        </p:nvSpPr>
-        <p:spPr/>
-        <p:txBody>
-          <a:bodyPr/>
-          <a:lstStyle/>
-          <a:p>
-            <a:endParaRPr lang="en-ZA"/>
-          </a:p>
-        </p:txBody>
-      </p:sp>
-      <p:sp>
-        <p:nvSpPr>
           <p:cNvPr id="4" name="Footer Placeholder 3">
             <a:extLst>
               <a:ext uri="{FF2B5EF4-FFF2-40B4-BE49-F238E27FC236}">
@@ -36042,7 +35400,7 @@
 </file>
 
 <file path=ppt/slides/slide4.xml><?xml version="1.0" encoding="utf-8"?>
-<p:sld xmlns:a="http://schemas.openxmlformats.org/drawingml/2006/main" xmlns:r="http://schemas.openxmlformats.org/officeDocument/2006/relationships" xmlns:p="http://schemas.openxmlformats.org/presentationml/2006/main">
+<p:sld xmlns:a="http://schemas.openxmlformats.org/drawingml/2006/main" xmlns:p="http://schemas.openxmlformats.org/presentationml/2006/main" xmlns:r="http://schemas.openxmlformats.org/officeDocument/2006/relationships">
   <p:cSld>
     <p:spTree>
       <p:nvGrpSpPr>
@@ -36050,14 +35408,7 @@
         <p:cNvGrpSpPr/>
         <p:nvPr/>
       </p:nvGrpSpPr>
-      <p:grpSpPr>
-        <a:xfrm>
-          <a:off x="0" y="0"/>
-          <a:ext cx="0" cy="0"/>
-          <a:chOff x="0" y="0"/>
-          <a:chExt cx="0" cy="0"/>
-        </a:xfrm>
-      </p:grpSpPr>
+      <p:grpSpPr/>
       <p:sp>
         <p:nvSpPr>
           <p:cNvPr id="2" name="Title 1"/>
@@ -36074,96 +35425,7 @@
           <a:lstStyle/>
           <a:p>
             <a:r>
-              <a:t>Bar Chart - UK28704_Q1</a:t>
-            </a:r>
-          </a:p>
-        </p:txBody>
-      </p:sp>
-      <p:sp>
-        <p:nvSpPr>
-          <p:cNvPr id="4" name="Text Placeholder 3"/>
-          <p:cNvSpPr>
-            <a:spLocks noGrp="1"/>
-          </p:cNvSpPr>
-          <p:nvPr>
-            <p:ph type="body" sz="quarter" idx="12"/>
-          </p:nvPr>
-        </p:nvSpPr>
-        <p:spPr/>
-        <p:txBody>
-          <a:bodyPr/>
-          <a:lstStyle/>
-          <a:p>
-            <a:endParaRPr/>
-          </a:p>
-        </p:txBody>
-      </p:sp>
-      <p:graphicFrame>
-        <p:nvGraphicFramePr>
-          <p:cNvPr id="5" name="Chart 4"/>
-          <p:cNvGraphicFramePr>
-            <a:graphicFrameLocks noGrp="1"/>
-          </p:cNvGraphicFramePr>
-          <p:nvPr>
-            <p:extLst>
-              <p:ext uri="{D42A27DB-BD31-4B8C-83A1-F6EECF244321}">
-                <p14:modId xmlns:p14="http://schemas.microsoft.com/office/powerpoint/2010/main" val="2657956044"/>
-              </p:ext>
-            </p:extLst>
-          </p:nvPr>
-        </p:nvGraphicFramePr>
-        <p:xfrm>
-          <a:off x="2105891" y="1472851"/>
-          <a:ext cx="7315200" cy="4572000"/>
-        </p:xfrm>
-        <a:graphic>
-          <a:graphicData uri="http://schemas.openxmlformats.org/drawingml/2006/chart">
-            <c:chart xmlns:c="http://schemas.openxmlformats.org/drawingml/2006/chart" xmlns:r="http://schemas.openxmlformats.org/officeDocument/2006/relationships" r:id="rId2"/>
-          </a:graphicData>
-        </a:graphic>
-      </p:graphicFrame>
-    </p:spTree>
-  </p:cSld>
-  <p:clrMapOvr>
-    <a:masterClrMapping/>
-  </p:clrMapOvr>
-</p:sld>
-</file>
-
-<file path=ppt/slides/slide5.xml><?xml version="1.0" encoding="utf-8"?>
-<p:sld xmlns:a="http://schemas.openxmlformats.org/drawingml/2006/main" xmlns:r="http://schemas.openxmlformats.org/officeDocument/2006/relationships" xmlns:p="http://schemas.openxmlformats.org/presentationml/2006/main">
-  <p:cSld>
-    <p:spTree>
-      <p:nvGrpSpPr>
-        <p:cNvPr id="1" name=""/>
-        <p:cNvGrpSpPr/>
-        <p:nvPr/>
-      </p:nvGrpSpPr>
-      <p:grpSpPr>
-        <a:xfrm>
-          <a:off x="0" y="0"/>
-          <a:ext cx="0" cy="0"/>
-          <a:chOff x="0" y="0"/>
-          <a:chExt cx="0" cy="0"/>
-        </a:xfrm>
-      </p:grpSpPr>
-      <p:sp>
-        <p:nvSpPr>
-          <p:cNvPr id="2" name="Title 1"/>
-          <p:cNvSpPr>
-            <a:spLocks noGrp="1"/>
-          </p:cNvSpPr>
-          <p:nvPr>
-            <p:ph type="title"/>
-          </p:nvPr>
-        </p:nvSpPr>
-        <p:spPr/>
-        <p:txBody>
-          <a:bodyPr/>
-          <a:lstStyle/>
-          <a:p>
-            <a:r>
-              <a:t>Column Chart - UK28704_Q2</a:t>
+              <a:t>UK28704_Q1 - Multi-Series Chart</a:t>
             </a:r>
           </a:p>
         </p:txBody>
@@ -36182,9 +35444,7 @@
         <p:txBody>
           <a:bodyPr/>
           <a:lstStyle/>
-          <a:p>
-            <a:endParaRPr/>
-          </a:p>
+          <a:p/>
         </p:txBody>
       </p:sp>
       <p:sp>
@@ -36194,16 +35454,14 @@
             <a:spLocks noGrp="1"/>
           </p:cNvSpPr>
           <p:nvPr>
-            <p:ph type="body" sz="quarter" idx="12"/>
+            <p:ph type="body" idx="12" sz="quarter"/>
           </p:nvPr>
         </p:nvSpPr>
         <p:spPr/>
         <p:txBody>
           <a:bodyPr/>
           <a:lstStyle/>
-          <a:p>
-            <a:endParaRPr/>
-          </a:p>
+          <a:p/>
         </p:txBody>
       </p:sp>
       <p:graphicFrame>
@@ -36220,7 +35478,7 @@
         </p:xfrm>
         <a:graphic>
           <a:graphicData uri="http://schemas.openxmlformats.org/drawingml/2006/chart">
-            <c:chart xmlns:c="http://schemas.openxmlformats.org/drawingml/2006/chart" xmlns:r="http://schemas.openxmlformats.org/officeDocument/2006/relationships" r:id="rId2"/>
+            <c:chart xmlns:c="http://schemas.openxmlformats.org/drawingml/2006/chart" r:id="rId2"/>
           </a:graphicData>
         </a:graphic>
       </p:graphicFrame>
@@ -36232,8 +35490,8 @@
 </p:sld>
 </file>
 
-<file path=ppt/slides/slide6.xml><?xml version="1.0" encoding="utf-8"?>
-<p:sld xmlns:a="http://schemas.openxmlformats.org/drawingml/2006/main" xmlns:r="http://schemas.openxmlformats.org/officeDocument/2006/relationships" xmlns:p="http://schemas.openxmlformats.org/presentationml/2006/main">
+<file path=ppt/slides/slide5.xml><?xml version="1.0" encoding="utf-8"?>
+<p:sld xmlns:a="http://schemas.openxmlformats.org/drawingml/2006/main" xmlns:p="http://schemas.openxmlformats.org/presentationml/2006/main" xmlns:r="http://schemas.openxmlformats.org/officeDocument/2006/relationships">
   <p:cSld>
     <p:spTree>
       <p:nvGrpSpPr>
@@ -36241,14 +35499,7 @@
         <p:cNvGrpSpPr/>
         <p:nvPr/>
       </p:nvGrpSpPr>
-      <p:grpSpPr>
-        <a:xfrm>
-          <a:off x="0" y="0"/>
-          <a:ext cx="0" cy="0"/>
-          <a:chOff x="0" y="0"/>
-          <a:chExt cx="0" cy="0"/>
-        </a:xfrm>
-      </p:grpSpPr>
+      <p:grpSpPr/>
       <p:sp>
         <p:nvSpPr>
           <p:cNvPr id="2" name="Title 1"/>
@@ -36265,7 +35516,7 @@
           <a:lstStyle/>
           <a:p>
             <a:r>
-              <a:t>Bar Chart - UK28704_Q3</a:t>
+              <a:t>UK28704_Q2 - Multi-Series Chart</a:t>
             </a:r>
           </a:p>
         </p:txBody>
@@ -36284,9 +35535,7 @@
         <p:txBody>
           <a:bodyPr/>
           <a:lstStyle/>
-          <a:p>
-            <a:endParaRPr/>
-          </a:p>
+          <a:p/>
         </p:txBody>
       </p:sp>
       <p:sp>
@@ -36296,16 +35545,14 @@
             <a:spLocks noGrp="1"/>
           </p:cNvSpPr>
           <p:nvPr>
-            <p:ph type="body" sz="quarter" idx="12"/>
+            <p:ph type="body" idx="12" sz="quarter"/>
           </p:nvPr>
         </p:nvSpPr>
         <p:spPr/>
         <p:txBody>
           <a:bodyPr/>
           <a:lstStyle/>
-          <a:p>
-            <a:endParaRPr/>
-          </a:p>
+          <a:p/>
         </p:txBody>
       </p:sp>
       <p:graphicFrame>
@@ -36322,7 +35569,7 @@
         </p:xfrm>
         <a:graphic>
           <a:graphicData uri="http://schemas.openxmlformats.org/drawingml/2006/chart">
-            <c:chart xmlns:c="http://schemas.openxmlformats.org/drawingml/2006/chart" xmlns:r="http://schemas.openxmlformats.org/officeDocument/2006/relationships" r:id="rId2"/>
+            <c:chart xmlns:c="http://schemas.openxmlformats.org/drawingml/2006/chart" r:id="rId2"/>
           </a:graphicData>
         </a:graphic>
       </p:graphicFrame>
@@ -36334,8 +35581,8 @@
 </p:sld>
 </file>
 
-<file path=ppt/slides/slide7.xml><?xml version="1.0" encoding="utf-8"?>
-<p:sld xmlns:a="http://schemas.openxmlformats.org/drawingml/2006/main" xmlns:r="http://schemas.openxmlformats.org/officeDocument/2006/relationships" xmlns:p="http://schemas.openxmlformats.org/presentationml/2006/main">
+<file path=ppt/slides/slide6.xml><?xml version="1.0" encoding="utf-8"?>
+<p:sld xmlns:a="http://schemas.openxmlformats.org/drawingml/2006/main" xmlns:p="http://schemas.openxmlformats.org/presentationml/2006/main" xmlns:r="http://schemas.openxmlformats.org/officeDocument/2006/relationships">
   <p:cSld>
     <p:spTree>
       <p:nvGrpSpPr>
@@ -36343,14 +35590,7 @@
         <p:cNvGrpSpPr/>
         <p:nvPr/>
       </p:nvGrpSpPr>
-      <p:grpSpPr>
-        <a:xfrm>
-          <a:off x="0" y="0"/>
-          <a:ext cx="0" cy="0"/>
-          <a:chOff x="0" y="0"/>
-          <a:chExt cx="0" cy="0"/>
-        </a:xfrm>
-      </p:grpSpPr>
+      <p:grpSpPr/>
       <p:sp>
         <p:nvSpPr>
           <p:cNvPr id="2" name="Title 1"/>
@@ -36367,7 +35607,7 @@
           <a:lstStyle/>
           <a:p>
             <a:r>
-              <a:t>Pie Chart - UK28704_Q4</a:t>
+              <a:t>UK28704_Q5 (7) - Total</a:t>
             </a:r>
           </a:p>
         </p:txBody>
@@ -36386,9 +35626,7 @@
         <p:txBody>
           <a:bodyPr/>
           <a:lstStyle/>
-          <a:p>
-            <a:endParaRPr/>
-          </a:p>
+          <a:p/>
         </p:txBody>
       </p:sp>
       <p:sp>
@@ -36398,16 +35636,14 @@
             <a:spLocks noGrp="1"/>
           </p:cNvSpPr>
           <p:nvPr>
-            <p:ph type="body" sz="quarter" idx="12"/>
+            <p:ph type="body" idx="12" sz="quarter"/>
           </p:nvPr>
         </p:nvSpPr>
         <p:spPr/>
         <p:txBody>
           <a:bodyPr/>
           <a:lstStyle/>
-          <a:p>
-            <a:endParaRPr/>
-          </a:p>
+          <a:p/>
         </p:txBody>
       </p:sp>
       <p:graphicFrame>
@@ -36424,7 +35660,7 @@
         </p:xfrm>
         <a:graphic>
           <a:graphicData uri="http://schemas.openxmlformats.org/drawingml/2006/chart">
-            <c:chart xmlns:c="http://schemas.openxmlformats.org/drawingml/2006/chart" xmlns:r="http://schemas.openxmlformats.org/officeDocument/2006/relationships" r:id="rId2"/>
+            <c:chart xmlns:c="http://schemas.openxmlformats.org/drawingml/2006/chart" r:id="rId2"/>
           </a:graphicData>
         </a:graphic>
       </p:graphicFrame>
@@ -36436,8 +35672,8 @@
 </p:sld>
 </file>
 
-<file path=ppt/slides/slide8.xml><?xml version="1.0" encoding="utf-8"?>
-<p:sld xmlns:a="http://schemas.openxmlformats.org/drawingml/2006/main" xmlns:r="http://schemas.openxmlformats.org/officeDocument/2006/relationships" xmlns:p="http://schemas.openxmlformats.org/presentationml/2006/main">
+<file path=ppt/slides/slide7.xml><?xml version="1.0" encoding="utf-8"?>
+<p:sld xmlns:a="http://schemas.openxmlformats.org/drawingml/2006/main" xmlns:p="http://schemas.openxmlformats.org/presentationml/2006/main" xmlns:r="http://schemas.openxmlformats.org/officeDocument/2006/relationships">
   <p:cSld>
     <p:spTree>
       <p:nvGrpSpPr>
@@ -36445,14 +35681,7 @@
         <p:cNvGrpSpPr/>
         <p:nvPr/>
       </p:nvGrpSpPr>
-      <p:grpSpPr>
-        <a:xfrm>
-          <a:off x="0" y="0"/>
-          <a:ext cx="0" cy="0"/>
-          <a:chOff x="0" y="0"/>
-          <a:chExt cx="0" cy="0"/>
-        </a:xfrm>
-      </p:grpSpPr>
+      <p:grpSpPr/>
       <p:sp>
         <p:nvSpPr>
           <p:cNvPr id="2" name="Title 1"/>
@@ -36469,7 +35698,7 @@
           <a:lstStyle/>
           <a:p>
             <a:r>
-              <a:t>Column Chart - UK28704_Q5</a:t>
+              <a:t>UK28704_Q5 (8) - Total</a:t>
             </a:r>
           </a:p>
         </p:txBody>
@@ -36488,9 +35717,7 @@
         <p:txBody>
           <a:bodyPr/>
           <a:lstStyle/>
-          <a:p>
-            <a:endParaRPr/>
-          </a:p>
+          <a:p/>
         </p:txBody>
       </p:sp>
       <p:sp>
@@ -36500,16 +35727,14 @@
             <a:spLocks noGrp="1"/>
           </p:cNvSpPr>
           <p:nvPr>
-            <p:ph type="body" sz="quarter" idx="12"/>
+            <p:ph type="body" idx="12" sz="quarter"/>
           </p:nvPr>
         </p:nvSpPr>
         <p:spPr/>
         <p:txBody>
           <a:bodyPr/>
           <a:lstStyle/>
-          <a:p>
-            <a:endParaRPr/>
-          </a:p>
+          <a:p/>
         </p:txBody>
       </p:sp>
       <p:graphicFrame>
@@ -36526,7 +35751,7 @@
         </p:xfrm>
         <a:graphic>
           <a:graphicData uri="http://schemas.openxmlformats.org/drawingml/2006/chart">
-            <c:chart xmlns:c="http://schemas.openxmlformats.org/drawingml/2006/chart" xmlns:r="http://schemas.openxmlformats.org/officeDocument/2006/relationships" r:id="rId2"/>
+            <c:chart xmlns:c="http://schemas.openxmlformats.org/drawingml/2006/chart" r:id="rId2"/>
           </a:graphicData>
         </a:graphic>
       </p:graphicFrame>
@@ -36538,8 +35763,8 @@
 </p:sld>
 </file>
 
-<file path=ppt/slides/slide9.xml><?xml version="1.0" encoding="utf-8"?>
-<p:sld xmlns:a="http://schemas.openxmlformats.org/drawingml/2006/main" xmlns:r="http://schemas.openxmlformats.org/officeDocument/2006/relationships" xmlns:p="http://schemas.openxmlformats.org/presentationml/2006/main">
+<file path=ppt/slides/slide8.xml><?xml version="1.0" encoding="utf-8"?>
+<p:sld xmlns:a="http://schemas.openxmlformats.org/drawingml/2006/main" xmlns:p="http://schemas.openxmlformats.org/presentationml/2006/main" xmlns:r="http://schemas.openxmlformats.org/officeDocument/2006/relationships">
   <p:cSld>
     <p:spTree>
       <p:nvGrpSpPr>
@@ -36547,14 +35772,7 @@
         <p:cNvGrpSpPr/>
         <p:nvPr/>
       </p:nvGrpSpPr>
-      <p:grpSpPr>
-        <a:xfrm>
-          <a:off x="0" y="0"/>
-          <a:ext cx="0" cy="0"/>
-          <a:chOff x="0" y="0"/>
-          <a:chExt cx="0" cy="0"/>
-        </a:xfrm>
-      </p:grpSpPr>
+      <p:grpSpPr/>
       <p:sp>
         <p:nvSpPr>
           <p:cNvPr id="2" name="Title 1"/>
@@ -36571,7 +35789,7 @@
           <a:lstStyle/>
           <a:p>
             <a:r>
-              <a:t>Bar Chart - UK28704_Q6</a:t>
+              <a:t>UK28704_Q6 - Total</a:t>
             </a:r>
           </a:p>
         </p:txBody>
@@ -36590,9 +35808,7 @@
         <p:txBody>
           <a:bodyPr/>
           <a:lstStyle/>
-          <a:p>
-            <a:endParaRPr/>
-          </a:p>
+          <a:p/>
         </p:txBody>
       </p:sp>
       <p:sp>
@@ -36602,16 +35818,14 @@
             <a:spLocks noGrp="1"/>
           </p:cNvSpPr>
           <p:nvPr>
-            <p:ph type="body" sz="quarter" idx="12"/>
+            <p:ph type="body" idx="12" sz="quarter"/>
           </p:nvPr>
         </p:nvSpPr>
         <p:spPr/>
         <p:txBody>
           <a:bodyPr/>
           <a:lstStyle/>
-          <a:p>
-            <a:endParaRPr/>
-          </a:p>
+          <a:p/>
         </p:txBody>
       </p:sp>
       <p:graphicFrame>
@@ -36628,7 +35842,98 @@
         </p:xfrm>
         <a:graphic>
           <a:graphicData uri="http://schemas.openxmlformats.org/drawingml/2006/chart">
-            <c:chart xmlns:c="http://schemas.openxmlformats.org/drawingml/2006/chart" xmlns:r="http://schemas.openxmlformats.org/officeDocument/2006/relationships" r:id="rId2"/>
+            <c:chart xmlns:c="http://schemas.openxmlformats.org/drawingml/2006/chart" r:id="rId2"/>
+          </a:graphicData>
+        </a:graphic>
+      </p:graphicFrame>
+    </p:spTree>
+  </p:cSld>
+  <p:clrMapOvr>
+    <a:masterClrMapping/>
+  </p:clrMapOvr>
+</p:sld>
+</file>
+
+<file path=ppt/slides/slide9.xml><?xml version="1.0" encoding="utf-8"?>
+<p:sld xmlns:a="http://schemas.openxmlformats.org/drawingml/2006/main" xmlns:p="http://schemas.openxmlformats.org/presentationml/2006/main" xmlns:r="http://schemas.openxmlformats.org/officeDocument/2006/relationships">
+  <p:cSld>
+    <p:spTree>
+      <p:nvGrpSpPr>
+        <p:cNvPr id="1" name=""/>
+        <p:cNvGrpSpPr/>
+        <p:nvPr/>
+      </p:nvGrpSpPr>
+      <p:grpSpPr/>
+      <p:sp>
+        <p:nvSpPr>
+          <p:cNvPr id="2" name="Title 1"/>
+          <p:cNvSpPr>
+            <a:spLocks noGrp="1"/>
+          </p:cNvSpPr>
+          <p:nvPr>
+            <p:ph type="title"/>
+          </p:nvPr>
+        </p:nvSpPr>
+        <p:spPr/>
+        <p:txBody>
+          <a:bodyPr/>
+          <a:lstStyle/>
+          <a:p>
+            <a:r>
+              <a:t>UK28704_Q7 - Total</a:t>
+            </a:r>
+          </a:p>
+        </p:txBody>
+      </p:sp>
+      <p:sp>
+        <p:nvSpPr>
+          <p:cNvPr id="3" name="Content Placeholder 2"/>
+          <p:cNvSpPr>
+            <a:spLocks noGrp="1"/>
+          </p:cNvSpPr>
+          <p:nvPr>
+            <p:ph idx="1"/>
+          </p:nvPr>
+        </p:nvSpPr>
+        <p:spPr/>
+        <p:txBody>
+          <a:bodyPr/>
+          <a:lstStyle/>
+          <a:p/>
+        </p:txBody>
+      </p:sp>
+      <p:sp>
+        <p:nvSpPr>
+          <p:cNvPr id="4" name="Text Placeholder 3"/>
+          <p:cNvSpPr>
+            <a:spLocks noGrp="1"/>
+          </p:cNvSpPr>
+          <p:nvPr>
+            <p:ph type="body" idx="12" sz="quarter"/>
+          </p:nvPr>
+        </p:nvSpPr>
+        <p:spPr/>
+        <p:txBody>
+          <a:bodyPr/>
+          <a:lstStyle/>
+          <a:p/>
+        </p:txBody>
+      </p:sp>
+      <p:graphicFrame>
+        <p:nvGraphicFramePr>
+          <p:cNvPr id="5" name="Chart 4"/>
+          <p:cNvGraphicFramePr>
+            <a:graphicFrameLocks noGrp="1"/>
+          </p:cNvGraphicFramePr>
+          <p:nvPr/>
+        </p:nvGraphicFramePr>
+        <p:xfrm>
+          <a:off x="914400" y="1828800"/>
+          <a:ext cx="7315200" cy="4572000"/>
+        </p:xfrm>
+        <a:graphic>
+          <a:graphicData uri="http://schemas.openxmlformats.org/drawingml/2006/chart">
+            <c:chart xmlns:c="http://schemas.openxmlformats.org/drawingml/2006/chart" r:id="rId2"/>
           </a:graphicData>
         </a:graphic>
       </p:graphicFrame>
@@ -38933,6 +38238,21 @@
 </file>
 
 <file path=customXml/item1.xml><?xml version="1.0" encoding="utf-8"?>
+<p:properties xmlns:p="http://schemas.microsoft.com/office/2006/metadata/properties" xmlns:xsi="http://www.w3.org/2001/XMLSchema-instance" xmlns:pc="http://schemas.microsoft.com/office/infopath/2007/PartnerControls">
+  <documentManagement/>
+</p:properties>
+</file>
+
+<file path=customXml/item2.xml><?xml version="1.0" encoding="utf-8"?>
+<?mso-contentType ?>
+<FormTemplates xmlns="http://schemas.microsoft.com/sharepoint/v3/contenttype/forms">
+  <Display>DocumentLibraryForm</Display>
+  <Edit>DocumentLibraryForm</Edit>
+  <New>DocumentLibraryForm</New>
+</FormTemplates>
+</file>
+
+<file path=customXml/item3.xml><?xml version="1.0" encoding="utf-8"?>
 <ct:contentTypeSchema xmlns:ct="http://schemas.microsoft.com/office/2006/metadata/contentType" xmlns:ma="http://schemas.microsoft.com/office/2006/metadata/properties/metaAttributes" ct:_="" ma:_="" ma:contentTypeName="Document" ma:contentTypeID="0x01010072F376EDB24F72419DE56B56E102CD35" ma:contentTypeVersion="4" ma:contentTypeDescription="Create a new document." ma:contentTypeScope="" ma:versionID="893cb839b84620c4eda36622e9a47aa7">
   <xsd:schema xmlns:xsd="http://www.w3.org/2001/XMLSchema" xmlns:xs="http://www.w3.org/2001/XMLSchema" xmlns:p="http://schemas.microsoft.com/office/2006/metadata/properties" xmlns:ns2="3759d20f-f355-4101-9958-fad5ef362475" targetNamespace="http://schemas.microsoft.com/office/2006/metadata/properties" ma:root="true" ma:fieldsID="b23d7b94a6b8e553c6a327829c147259" ns2:_="">
     <xsd:import namespace="3759d20f-f355-4101-9958-fad5ef362475"/>
@@ -39076,22 +38396,31 @@
 </ct:contentTypeSchema>
 </file>
 
-<file path=customXml/item2.xml><?xml version="1.0" encoding="utf-8"?>
-<p:properties xmlns:p="http://schemas.microsoft.com/office/2006/metadata/properties" xmlns:xsi="http://www.w3.org/2001/XMLSchema-instance" xmlns:pc="http://schemas.microsoft.com/office/infopath/2007/PartnerControls">
-  <documentManagement/>
-</p:properties>
+<file path=customXml/itemProps1.xml><?xml version="1.0" encoding="utf-8"?>
+<ds:datastoreItem xmlns:ds="http://schemas.openxmlformats.org/officeDocument/2006/customXml" ds:itemID="{9D90B691-2AAE-4477-B7ED-06759BE4504B}">
+  <ds:schemaRefs>
+    <ds:schemaRef ds:uri="3759d20f-f355-4101-9958-fad5ef362475"/>
+    <ds:schemaRef ds:uri="http://schemas.microsoft.com/office/2006/metadata/properties"/>
+    <ds:schemaRef ds:uri="http://www.w3.org/XML/1998/namespace"/>
+    <ds:schemaRef ds:uri="http://schemas.microsoft.com/office/2006/documentManagement/types"/>
+    <ds:schemaRef ds:uri="http://purl.org/dc/terms/"/>
+    <ds:schemaRef ds:uri="http://purl.org/dc/elements/1.1/"/>
+    <ds:schemaRef ds:uri="http://schemas.microsoft.com/office/infopath/2007/PartnerControls"/>
+    <ds:schemaRef ds:uri="http://purl.org/dc/dcmitype/"/>
+    <ds:schemaRef ds:uri="http://schemas.openxmlformats.org/package/2006/metadata/core-properties"/>
+  </ds:schemaRefs>
+</ds:datastoreItem>
 </file>
 
-<file path=customXml/item3.xml><?xml version="1.0" encoding="utf-8"?>
-<?mso-contentType ?>
-<FormTemplates xmlns="http://schemas.microsoft.com/sharepoint/v3/contenttype/forms">
-  <Display>DocumentLibraryForm</Display>
-  <Edit>DocumentLibraryForm</Edit>
-  <New>DocumentLibraryForm</New>
-</FormTemplates>
+<file path=customXml/itemProps2.xml><?xml version="1.0" encoding="utf-8"?>
+<ds:datastoreItem xmlns:ds="http://schemas.openxmlformats.org/officeDocument/2006/customXml" ds:itemID="{43ADDD05-7DB2-4A52-8365-9553F5916038}">
+  <ds:schemaRefs>
+    <ds:schemaRef ds:uri="http://schemas.microsoft.com/sharepoint/v3/contenttype/forms"/>
+  </ds:schemaRefs>
+</ds:datastoreItem>
 </file>
 
-<file path=customXml/itemProps1.xml><?xml version="1.0" encoding="utf-8"?>
+<file path=customXml/itemProps3.xml><?xml version="1.0" encoding="utf-8"?>
 <ds:datastoreItem xmlns:ds="http://schemas.openxmlformats.org/officeDocument/2006/customXml" ds:itemID="{DB921318-D4B9-4DDA-8DF8-97FEF9B7C7A1}">
   <ds:schemaRefs>
     <ds:schemaRef ds:uri="http://schemas.microsoft.com/office/2006/metadata/contentType"/>
@@ -39107,28 +38436,4 @@
     <ds:schemaRef ds:uri="http://schemas.microsoft.com/internal/obd"/>
   </ds:schemaRefs>
 </ds:datastoreItem>
-</file>
-
-<file path=customXml/itemProps2.xml><?xml version="1.0" encoding="utf-8"?>
-<ds:datastoreItem xmlns:ds="http://schemas.openxmlformats.org/officeDocument/2006/customXml" ds:itemID="{9D90B691-2AAE-4477-B7ED-06759BE4504B}">
-  <ds:schemaRefs>
-    <ds:schemaRef ds:uri="3759d20f-f355-4101-9958-fad5ef362475"/>
-    <ds:schemaRef ds:uri="http://schemas.microsoft.com/office/2006/metadata/properties"/>
-    <ds:schemaRef ds:uri="http://www.w3.org/XML/1998/namespace"/>
-    <ds:schemaRef ds:uri="http://schemas.microsoft.com/office/2006/documentManagement/types"/>
-    <ds:schemaRef ds:uri="http://purl.org/dc/terms/"/>
-    <ds:schemaRef ds:uri="http://purl.org/dc/elements/1.1/"/>
-    <ds:schemaRef ds:uri="http://schemas.microsoft.com/office/infopath/2007/PartnerControls"/>
-    <ds:schemaRef ds:uri="http://purl.org/dc/dcmitype/"/>
-    <ds:schemaRef ds:uri="http://schemas.openxmlformats.org/package/2006/metadata/core-properties"/>
-  </ds:schemaRefs>
-</ds:datastoreItem>
-</file>
-
-<file path=customXml/itemProps3.xml><?xml version="1.0" encoding="utf-8"?>
-<ds:datastoreItem xmlns:ds="http://schemas.openxmlformats.org/officeDocument/2006/customXml" ds:itemID="{43ADDD05-7DB2-4A52-8365-9553F5916038}">
-  <ds:schemaRefs>
-    <ds:schemaRef ds:uri="http://schemas.microsoft.com/sharepoint/v3/contenttype/forms"/>
-  </ds:schemaRefs>
-</ds:datastoreItem>
 </file>